--- a/Equation/Pictures.pptx
+++ b/Equation/Pictures.pptx
@@ -250,7 +250,7 @@
           <a:p>
             <a:fld id="{F00B919D-B4A1-482F-AA08-41F71413DB50}" type="datetimeFigureOut">
               <a:rPr lang="ko-KR" altLang="en-US" smtClean="0"/>
-              <a:t>2018-11-08</a:t>
+              <a:t>2018-11-09</a:t>
             </a:fld>
             <a:endParaRPr lang="ko-KR" altLang="en-US"/>
           </a:p>
@@ -420,7 +420,7 @@
           <a:p>
             <a:fld id="{F00B919D-B4A1-482F-AA08-41F71413DB50}" type="datetimeFigureOut">
               <a:rPr lang="ko-KR" altLang="en-US" smtClean="0"/>
-              <a:t>2018-11-08</a:t>
+              <a:t>2018-11-09</a:t>
             </a:fld>
             <a:endParaRPr lang="ko-KR" altLang="en-US"/>
           </a:p>
@@ -600,7 +600,7 @@
           <a:p>
             <a:fld id="{F00B919D-B4A1-482F-AA08-41F71413DB50}" type="datetimeFigureOut">
               <a:rPr lang="ko-KR" altLang="en-US" smtClean="0"/>
-              <a:t>2018-11-08</a:t>
+              <a:t>2018-11-09</a:t>
             </a:fld>
             <a:endParaRPr lang="ko-KR" altLang="en-US"/>
           </a:p>
@@ -770,7 +770,7 @@
           <a:p>
             <a:fld id="{F00B919D-B4A1-482F-AA08-41F71413DB50}" type="datetimeFigureOut">
               <a:rPr lang="ko-KR" altLang="en-US" smtClean="0"/>
-              <a:t>2018-11-08</a:t>
+              <a:t>2018-11-09</a:t>
             </a:fld>
             <a:endParaRPr lang="ko-KR" altLang="en-US"/>
           </a:p>
@@ -1016,7 +1016,7 @@
           <a:p>
             <a:fld id="{F00B919D-B4A1-482F-AA08-41F71413DB50}" type="datetimeFigureOut">
               <a:rPr lang="ko-KR" altLang="en-US" smtClean="0"/>
-              <a:t>2018-11-08</a:t>
+              <a:t>2018-11-09</a:t>
             </a:fld>
             <a:endParaRPr lang="ko-KR" altLang="en-US"/>
           </a:p>
@@ -1248,7 +1248,7 @@
           <a:p>
             <a:fld id="{F00B919D-B4A1-482F-AA08-41F71413DB50}" type="datetimeFigureOut">
               <a:rPr lang="ko-KR" altLang="en-US" smtClean="0"/>
-              <a:t>2018-11-08</a:t>
+              <a:t>2018-11-09</a:t>
             </a:fld>
             <a:endParaRPr lang="ko-KR" altLang="en-US"/>
           </a:p>
@@ -1615,7 +1615,7 @@
           <a:p>
             <a:fld id="{F00B919D-B4A1-482F-AA08-41F71413DB50}" type="datetimeFigureOut">
               <a:rPr lang="ko-KR" altLang="en-US" smtClean="0"/>
-              <a:t>2018-11-08</a:t>
+              <a:t>2018-11-09</a:t>
             </a:fld>
             <a:endParaRPr lang="ko-KR" altLang="en-US"/>
           </a:p>
@@ -1733,7 +1733,7 @@
           <a:p>
             <a:fld id="{F00B919D-B4A1-482F-AA08-41F71413DB50}" type="datetimeFigureOut">
               <a:rPr lang="ko-KR" altLang="en-US" smtClean="0"/>
-              <a:t>2018-11-08</a:t>
+              <a:t>2018-11-09</a:t>
             </a:fld>
             <a:endParaRPr lang="ko-KR" altLang="en-US"/>
           </a:p>
@@ -1828,7 +1828,7 @@
           <a:p>
             <a:fld id="{F00B919D-B4A1-482F-AA08-41F71413DB50}" type="datetimeFigureOut">
               <a:rPr lang="ko-KR" altLang="en-US" smtClean="0"/>
-              <a:t>2018-11-08</a:t>
+              <a:t>2018-11-09</a:t>
             </a:fld>
             <a:endParaRPr lang="ko-KR" altLang="en-US"/>
           </a:p>
@@ -2105,7 +2105,7 @@
           <a:p>
             <a:fld id="{F00B919D-B4A1-482F-AA08-41F71413DB50}" type="datetimeFigureOut">
               <a:rPr lang="ko-KR" altLang="en-US" smtClean="0"/>
-              <a:t>2018-11-08</a:t>
+              <a:t>2018-11-09</a:t>
             </a:fld>
             <a:endParaRPr lang="ko-KR" altLang="en-US"/>
           </a:p>
@@ -2358,7 +2358,7 @@
           <a:p>
             <a:fld id="{F00B919D-B4A1-482F-AA08-41F71413DB50}" type="datetimeFigureOut">
               <a:rPr lang="ko-KR" altLang="en-US" smtClean="0"/>
-              <a:t>2018-11-08</a:t>
+              <a:t>2018-11-09</a:t>
             </a:fld>
             <a:endParaRPr lang="ko-KR" altLang="en-US"/>
           </a:p>
@@ -2571,7 +2571,7 @@
           <a:p>
             <a:fld id="{F00B919D-B4A1-482F-AA08-41F71413DB50}" type="datetimeFigureOut">
               <a:rPr lang="ko-KR" altLang="en-US" smtClean="0"/>
-              <a:t>2018-11-08</a:t>
+              <a:t>2018-11-09</a:t>
             </a:fld>
             <a:endParaRPr lang="ko-KR" altLang="en-US"/>
           </a:p>
@@ -3133,6 +3133,143 @@
           </a:p>
         </p:txBody>
       </p:sp>
+      <p:sp>
+        <p:nvSpPr>
+          <p:cNvPr id="7" name="타원 6"/>
+          <p:cNvSpPr/>
+          <p:nvPr/>
+        </p:nvSpPr>
+        <p:spPr>
+          <a:xfrm>
+            <a:off x="648391" y="3404061"/>
+            <a:ext cx="1022466" cy="1022466"/>
+          </a:xfrm>
+          <a:prstGeom prst="ellipse">
+            <a:avLst/>
+          </a:prstGeom>
+          <a:ln>
+            <a:noFill/>
+          </a:ln>
+        </p:spPr>
+        <p:style>
+          <a:lnRef idx="2">
+            <a:schemeClr val="accent1">
+              <a:shade val="50000"/>
+            </a:schemeClr>
+          </a:lnRef>
+          <a:fillRef idx="1">
+            <a:schemeClr val="accent1"/>
+          </a:fillRef>
+          <a:effectRef idx="0">
+            <a:schemeClr val="accent1"/>
+          </a:effectRef>
+          <a:fontRef idx="minor">
+            <a:schemeClr val="lt1"/>
+          </a:fontRef>
+        </p:style>
+        <p:txBody>
+          <a:bodyPr rtlCol="0" anchor="ctr"/>
+          <a:lstStyle/>
+          <a:p>
+            <a:pPr algn="ctr"/>
+            <a:endParaRPr lang="ko-KR" altLang="en-US"/>
+          </a:p>
+        </p:txBody>
+      </p:sp>
+      <p:sp>
+        <p:nvSpPr>
+          <p:cNvPr id="8" name="타원 7"/>
+          <p:cNvSpPr/>
+          <p:nvPr/>
+        </p:nvSpPr>
+        <p:spPr>
+          <a:xfrm>
+            <a:off x="2348344" y="3404061"/>
+            <a:ext cx="1022466" cy="1022466"/>
+          </a:xfrm>
+          <a:prstGeom prst="ellipse">
+            <a:avLst/>
+          </a:prstGeom>
+          <a:solidFill>
+            <a:srgbClr val="FF0000"/>
+          </a:solidFill>
+          <a:ln>
+            <a:noFill/>
+          </a:ln>
+        </p:spPr>
+        <p:style>
+          <a:lnRef idx="2">
+            <a:schemeClr val="accent1">
+              <a:shade val="50000"/>
+            </a:schemeClr>
+          </a:lnRef>
+          <a:fillRef idx="1">
+            <a:schemeClr val="accent1"/>
+          </a:fillRef>
+          <a:effectRef idx="0">
+            <a:schemeClr val="accent1"/>
+          </a:effectRef>
+          <a:fontRef idx="minor">
+            <a:schemeClr val="lt1"/>
+          </a:fontRef>
+        </p:style>
+        <p:txBody>
+          <a:bodyPr rtlCol="0" anchor="ctr"/>
+          <a:lstStyle/>
+          <a:p>
+            <a:pPr algn="ctr"/>
+            <a:endParaRPr lang="ko-KR" altLang="en-US"/>
+          </a:p>
+        </p:txBody>
+      </p:sp>
+      <p:sp>
+        <p:nvSpPr>
+          <p:cNvPr id="9" name="직사각형 8"/>
+          <p:cNvSpPr/>
+          <p:nvPr/>
+        </p:nvSpPr>
+        <p:spPr>
+          <a:xfrm>
+            <a:off x="540327" y="372893"/>
+            <a:ext cx="4305993" cy="2004547"/>
+          </a:xfrm>
+          <a:prstGeom prst="rect">
+            <a:avLst/>
+          </a:prstGeom>
+          <a:solidFill>
+            <a:srgbClr val="FFE699"/>
+          </a:solidFill>
+          <a:ln>
+            <a:solidFill>
+              <a:srgbClr val="FFFF00"/>
+            </a:solidFill>
+          </a:ln>
+        </p:spPr>
+        <p:style>
+          <a:lnRef idx="2">
+            <a:schemeClr val="accent1">
+              <a:shade val="50000"/>
+            </a:schemeClr>
+          </a:lnRef>
+          <a:fillRef idx="1">
+            <a:schemeClr val="accent1"/>
+          </a:fillRef>
+          <a:effectRef idx="0">
+            <a:schemeClr val="accent1"/>
+          </a:effectRef>
+          <a:fontRef idx="minor">
+            <a:schemeClr val="lt1"/>
+          </a:fontRef>
+        </p:style>
+        <p:txBody>
+          <a:bodyPr rtlCol="0" anchor="ctr"/>
+          <a:lstStyle/>
+          <a:p>
+            <a:pPr algn="ctr"/>
+            <a:endParaRPr lang="ko-KR" altLang="en-US"/>
+          </a:p>
+        </p:txBody>
+      </p:sp>
     </p:spTree>
     <p:extLst>
       <p:ext uri="{BB962C8B-B14F-4D97-AF65-F5344CB8AC3E}">
@@ -4171,210 +4308,6 @@
       </p:sp>
       <p:sp>
         <p:nvSpPr>
-          <p:cNvPr id="32" name="타원 31"/>
-          <p:cNvSpPr/>
-          <p:nvPr/>
-        </p:nvSpPr>
-        <p:spPr>
-          <a:xfrm>
-            <a:off x="2926557" y="5690280"/>
-            <a:ext cx="744387" cy="744387"/>
-          </a:xfrm>
-          <a:prstGeom prst="ellipse">
-            <a:avLst/>
-          </a:prstGeom>
-          <a:solidFill>
-            <a:srgbClr val="FF0000"/>
-          </a:solidFill>
-          <a:ln>
-            <a:solidFill>
-              <a:srgbClr val="C00000"/>
-            </a:solidFill>
-          </a:ln>
-        </p:spPr>
-        <p:style>
-          <a:lnRef idx="2">
-            <a:schemeClr val="accent1">
-              <a:shade val="50000"/>
-            </a:schemeClr>
-          </a:lnRef>
-          <a:fillRef idx="1">
-            <a:schemeClr val="accent1"/>
-          </a:fillRef>
-          <a:effectRef idx="0">
-            <a:schemeClr val="accent1"/>
-          </a:effectRef>
-          <a:fontRef idx="minor">
-            <a:schemeClr val="lt1"/>
-          </a:fontRef>
-        </p:style>
-        <p:txBody>
-          <a:bodyPr rtlCol="0" anchor="ctr"/>
-          <a:lstStyle/>
-          <a:p>
-            <a:pPr algn="ctr"/>
-            <a:endParaRPr lang="ko-KR" altLang="en-US"/>
-          </a:p>
-        </p:txBody>
-      </p:sp>
-      <p:sp>
-        <p:nvSpPr>
-          <p:cNvPr id="33" name="타원 32"/>
-          <p:cNvSpPr/>
-          <p:nvPr/>
-        </p:nvSpPr>
-        <p:spPr>
-          <a:xfrm>
-            <a:off x="8915781" y="5690280"/>
-            <a:ext cx="744387" cy="744387"/>
-          </a:xfrm>
-          <a:prstGeom prst="ellipse">
-            <a:avLst/>
-          </a:prstGeom>
-          <a:solidFill>
-            <a:srgbClr val="FF0000"/>
-          </a:solidFill>
-          <a:ln>
-            <a:solidFill>
-              <a:srgbClr val="C00000"/>
-            </a:solidFill>
-          </a:ln>
-        </p:spPr>
-        <p:style>
-          <a:lnRef idx="2">
-            <a:schemeClr val="accent1">
-              <a:shade val="50000"/>
-            </a:schemeClr>
-          </a:lnRef>
-          <a:fillRef idx="1">
-            <a:schemeClr val="accent1"/>
-          </a:fillRef>
-          <a:effectRef idx="0">
-            <a:schemeClr val="accent1"/>
-          </a:effectRef>
-          <a:fontRef idx="minor">
-            <a:schemeClr val="lt1"/>
-          </a:fontRef>
-        </p:style>
-        <p:txBody>
-          <a:bodyPr rtlCol="0" anchor="ctr"/>
-          <a:lstStyle/>
-          <a:p>
-            <a:pPr algn="ctr"/>
-            <a:endParaRPr lang="ko-KR" altLang="en-US"/>
-          </a:p>
-        </p:txBody>
-      </p:sp>
-      <p:sp>
-        <p:nvSpPr>
-          <p:cNvPr id="34" name="타원 33"/>
-          <p:cNvSpPr/>
-          <p:nvPr/>
-        </p:nvSpPr>
-        <p:spPr>
-          <a:xfrm>
-            <a:off x="3091625" y="4231848"/>
-            <a:ext cx="480702" cy="480702"/>
-          </a:xfrm>
-          <a:prstGeom prst="ellipse">
-            <a:avLst/>
-          </a:prstGeom>
-          <a:solidFill>
-            <a:schemeClr val="accent4">
-              <a:lumMod val="40000"/>
-              <a:lumOff val="60000"/>
-            </a:schemeClr>
-          </a:solidFill>
-          <a:ln>
-            <a:solidFill>
-              <a:schemeClr val="accent1">
-                <a:lumMod val="20000"/>
-                <a:lumOff val="80000"/>
-              </a:schemeClr>
-            </a:solidFill>
-          </a:ln>
-        </p:spPr>
-        <p:style>
-          <a:lnRef idx="2">
-            <a:schemeClr val="accent1">
-              <a:shade val="50000"/>
-            </a:schemeClr>
-          </a:lnRef>
-          <a:fillRef idx="1">
-            <a:schemeClr val="accent1"/>
-          </a:fillRef>
-          <a:effectRef idx="0">
-            <a:schemeClr val="accent1"/>
-          </a:effectRef>
-          <a:fontRef idx="minor">
-            <a:schemeClr val="lt1"/>
-          </a:fontRef>
-        </p:style>
-        <p:txBody>
-          <a:bodyPr rtlCol="0" anchor="ctr"/>
-          <a:lstStyle/>
-          <a:p>
-            <a:pPr algn="ctr"/>
-            <a:endParaRPr lang="ko-KR" altLang="en-US"/>
-          </a:p>
-        </p:txBody>
-      </p:sp>
-      <p:sp>
-        <p:nvSpPr>
-          <p:cNvPr id="35" name="타원 34"/>
-          <p:cNvSpPr/>
-          <p:nvPr/>
-        </p:nvSpPr>
-        <p:spPr>
-          <a:xfrm>
-            <a:off x="8908759" y="4231676"/>
-            <a:ext cx="480702" cy="480702"/>
-          </a:xfrm>
-          <a:prstGeom prst="ellipse">
-            <a:avLst/>
-          </a:prstGeom>
-          <a:solidFill>
-            <a:schemeClr val="accent1">
-              <a:lumMod val="60000"/>
-              <a:lumOff val="40000"/>
-            </a:schemeClr>
-          </a:solidFill>
-          <a:ln>
-            <a:solidFill>
-              <a:schemeClr val="accent4">
-                <a:lumMod val="60000"/>
-                <a:lumOff val="40000"/>
-              </a:schemeClr>
-            </a:solidFill>
-          </a:ln>
-        </p:spPr>
-        <p:style>
-          <a:lnRef idx="2">
-            <a:schemeClr val="accent1">
-              <a:shade val="50000"/>
-            </a:schemeClr>
-          </a:lnRef>
-          <a:fillRef idx="1">
-            <a:schemeClr val="accent1"/>
-          </a:fillRef>
-          <a:effectRef idx="0">
-            <a:schemeClr val="accent1"/>
-          </a:effectRef>
-          <a:fontRef idx="minor">
-            <a:schemeClr val="lt1"/>
-          </a:fontRef>
-        </p:style>
-        <p:txBody>
-          <a:bodyPr rtlCol="0" anchor="ctr"/>
-          <a:lstStyle/>
-          <a:p>
-            <a:pPr algn="ctr"/>
-            <a:endParaRPr lang="ko-KR" altLang="en-US"/>
-          </a:p>
-        </p:txBody>
-      </p:sp>
-      <p:sp>
-        <p:nvSpPr>
           <p:cNvPr id="36" name="직사각형 35"/>
           <p:cNvSpPr/>
           <p:nvPr/>
@@ -4393,99 +4326,6 @@
           <a:ln>
             <a:solidFill>
               <a:schemeClr val="tx1"/>
-            </a:solidFill>
-          </a:ln>
-        </p:spPr>
-        <p:style>
-          <a:lnRef idx="2">
-            <a:schemeClr val="accent1">
-              <a:shade val="50000"/>
-            </a:schemeClr>
-          </a:lnRef>
-          <a:fillRef idx="1">
-            <a:schemeClr val="accent1"/>
-          </a:fillRef>
-          <a:effectRef idx="0">
-            <a:schemeClr val="accent1"/>
-          </a:effectRef>
-          <a:fontRef idx="minor">
-            <a:schemeClr val="lt1"/>
-          </a:fontRef>
-        </p:style>
-        <p:txBody>
-          <a:bodyPr rtlCol="0" anchor="ctr"/>
-          <a:lstStyle/>
-          <a:p>
-            <a:pPr algn="ctr"/>
-            <a:endParaRPr lang="ko-KR" altLang="en-US"/>
-          </a:p>
-        </p:txBody>
-      </p:sp>
-      <p:sp>
-        <p:nvSpPr>
-          <p:cNvPr id="38" name="직사각형 37"/>
-          <p:cNvSpPr/>
-          <p:nvPr/>
-        </p:nvSpPr>
-        <p:spPr>
-          <a:xfrm>
-            <a:off x="5478857" y="6172237"/>
-            <a:ext cx="689389" cy="524859"/>
-          </a:xfrm>
-          <a:prstGeom prst="rect">
-            <a:avLst/>
-          </a:prstGeom>
-          <a:solidFill>
-            <a:schemeClr val="bg1"/>
-          </a:solidFill>
-        </p:spPr>
-        <p:style>
-          <a:lnRef idx="2">
-            <a:schemeClr val="accent1">
-              <a:shade val="50000"/>
-            </a:schemeClr>
-          </a:lnRef>
-          <a:fillRef idx="1">
-            <a:schemeClr val="accent1"/>
-          </a:fillRef>
-          <a:effectRef idx="0">
-            <a:schemeClr val="accent1"/>
-          </a:effectRef>
-          <a:fontRef idx="minor">
-            <a:schemeClr val="lt1"/>
-          </a:fontRef>
-        </p:style>
-        <p:txBody>
-          <a:bodyPr rtlCol="0" anchor="ctr"/>
-          <a:lstStyle/>
-          <a:p>
-            <a:pPr algn="ctr"/>
-            <a:endParaRPr lang="ko-KR" altLang="en-US"/>
-          </a:p>
-        </p:txBody>
-      </p:sp>
-      <p:sp>
-        <p:nvSpPr>
-          <p:cNvPr id="39" name="직사각형 38"/>
-          <p:cNvSpPr/>
-          <p:nvPr/>
-        </p:nvSpPr>
-        <p:spPr>
-          <a:xfrm>
-            <a:off x="6168246" y="6172236"/>
-            <a:ext cx="689389" cy="524859"/>
-          </a:xfrm>
-          <a:prstGeom prst="rect">
-            <a:avLst/>
-          </a:prstGeom>
-          <a:solidFill>
-            <a:schemeClr val="bg1"/>
-          </a:solidFill>
-          <a:ln>
-            <a:solidFill>
-              <a:schemeClr val="accent4">
-                <a:lumMod val="75000"/>
-              </a:schemeClr>
             </a:solidFill>
           </a:ln>
         </p:spPr>
@@ -5034,6 +4874,442 @@
           <a:chExt cx="0" cy="0"/>
         </a:xfrm>
       </p:grpSpPr>
+      <p:pic>
+        <p:nvPicPr>
+          <p:cNvPr id="2" name="그림 1"/>
+          <p:cNvPicPr>
+            <a:picLocks/>
+          </p:cNvPicPr>
+          <p:nvPr/>
+        </p:nvPicPr>
+        <p:blipFill rotWithShape="1">
+          <a:blip r:embed="rId2">
+            <a:extLst>
+              <a:ext uri="{28A0092B-C50C-407E-A947-70E740481C1C}">
+                <a14:useLocalDpi xmlns:a14="http://schemas.microsoft.com/office/drawing/2010/main" val="0"/>
+              </a:ext>
+            </a:extLst>
+          </a:blip>
+          <a:srcRect l="3773" t="5383" r="3666" b="18812"/>
+          <a:stretch/>
+        </p:blipFill>
+        <p:spPr>
+          <a:xfrm>
+            <a:off x="374071" y="290945"/>
+            <a:ext cx="1440000" cy="1440000"/>
+          </a:xfrm>
+          <a:prstGeom prst="rect">
+            <a:avLst/>
+          </a:prstGeom>
+        </p:spPr>
+      </p:pic>
+      <p:pic>
+        <p:nvPicPr>
+          <p:cNvPr id="3" name="그림 2"/>
+          <p:cNvPicPr>
+            <a:picLocks/>
+          </p:cNvPicPr>
+          <p:nvPr/>
+        </p:nvPicPr>
+        <p:blipFill rotWithShape="1">
+          <a:blip r:embed="rId3">
+            <a:extLst>
+              <a:ext uri="{28A0092B-C50C-407E-A947-70E740481C1C}">
+                <a14:useLocalDpi xmlns:a14="http://schemas.microsoft.com/office/drawing/2010/main" val="0"/>
+              </a:ext>
+            </a:extLst>
+          </a:blip>
+          <a:srcRect l="4193" t="5258" r="3633" b="17748"/>
+          <a:stretch/>
+        </p:blipFill>
+        <p:spPr>
+          <a:xfrm>
+            <a:off x="2693323" y="374073"/>
+            <a:ext cx="1440000" cy="1440000"/>
+          </a:xfrm>
+          <a:prstGeom prst="rect">
+            <a:avLst/>
+          </a:prstGeom>
+        </p:spPr>
+      </p:pic>
+      <p:pic>
+        <p:nvPicPr>
+          <p:cNvPr id="4" name="그림 3"/>
+          <p:cNvPicPr>
+            <a:picLocks/>
+          </p:cNvPicPr>
+          <p:nvPr/>
+        </p:nvPicPr>
+        <p:blipFill rotWithShape="1">
+          <a:blip r:embed="rId4">
+            <a:extLst>
+              <a:ext uri="{28A0092B-C50C-407E-A947-70E740481C1C}">
+                <a14:useLocalDpi xmlns:a14="http://schemas.microsoft.com/office/drawing/2010/main" val="0"/>
+              </a:ext>
+            </a:extLst>
+          </a:blip>
+          <a:srcRect t="4636" b="17218"/>
+          <a:stretch/>
+        </p:blipFill>
+        <p:spPr>
+          <a:xfrm>
+            <a:off x="8445733" y="3729349"/>
+            <a:ext cx="1440000" cy="1440000"/>
+          </a:xfrm>
+          <a:prstGeom prst="rect">
+            <a:avLst/>
+          </a:prstGeom>
+        </p:spPr>
+      </p:pic>
+      <p:pic>
+        <p:nvPicPr>
+          <p:cNvPr id="5" name="그림 4"/>
+          <p:cNvPicPr>
+            <a:picLocks/>
+          </p:cNvPicPr>
+          <p:nvPr/>
+        </p:nvPicPr>
+        <p:blipFill rotWithShape="1">
+          <a:blip r:embed="rId5">
+            <a:extLst>
+              <a:ext uri="{28A0092B-C50C-407E-A947-70E740481C1C}">
+                <a14:useLocalDpi xmlns:a14="http://schemas.microsoft.com/office/drawing/2010/main" val="0"/>
+              </a:ext>
+            </a:extLst>
+          </a:blip>
+          <a:srcRect l="4079" t="6174" r="4997" b="17494"/>
+          <a:stretch/>
+        </p:blipFill>
+        <p:spPr>
+          <a:xfrm>
+            <a:off x="4671751" y="133003"/>
+            <a:ext cx="1440000" cy="1440000"/>
+          </a:xfrm>
+          <a:prstGeom prst="rect">
+            <a:avLst/>
+          </a:prstGeom>
+        </p:spPr>
+      </p:pic>
+      <p:pic>
+        <p:nvPicPr>
+          <p:cNvPr id="6" name="그림 5"/>
+          <p:cNvPicPr>
+            <a:picLocks/>
+          </p:cNvPicPr>
+          <p:nvPr/>
+        </p:nvPicPr>
+        <p:blipFill rotWithShape="1">
+          <a:blip r:embed="rId6">
+            <a:extLst>
+              <a:ext uri="{28A0092B-C50C-407E-A947-70E740481C1C}">
+                <a14:useLocalDpi xmlns:a14="http://schemas.microsoft.com/office/drawing/2010/main" val="0"/>
+              </a:ext>
+            </a:extLst>
+          </a:blip>
+          <a:srcRect l="3947" t="5488" r="4175" b="17225"/>
+          <a:stretch/>
+        </p:blipFill>
+        <p:spPr>
+          <a:xfrm>
+            <a:off x="6450675" y="271111"/>
+            <a:ext cx="1440000" cy="1440000"/>
+          </a:xfrm>
+          <a:prstGeom prst="rect">
+            <a:avLst/>
+          </a:prstGeom>
+        </p:spPr>
+      </p:pic>
+      <p:pic>
+        <p:nvPicPr>
+          <p:cNvPr id="7" name="그림 6"/>
+          <p:cNvPicPr>
+            <a:picLocks/>
+          </p:cNvPicPr>
+          <p:nvPr/>
+        </p:nvPicPr>
+        <p:blipFill rotWithShape="1">
+          <a:blip r:embed="rId7">
+            <a:extLst>
+              <a:ext uri="{28A0092B-C50C-407E-A947-70E740481C1C}">
+                <a14:useLocalDpi xmlns:a14="http://schemas.microsoft.com/office/drawing/2010/main" val="0"/>
+              </a:ext>
+            </a:extLst>
+          </a:blip>
+          <a:srcRect l="3685" t="4602" r="4067" b="18712"/>
+          <a:stretch/>
+        </p:blipFill>
+        <p:spPr>
+          <a:xfrm>
+            <a:off x="8587048" y="374073"/>
+            <a:ext cx="1440000" cy="1440000"/>
+          </a:xfrm>
+          <a:prstGeom prst="rect">
+            <a:avLst/>
+          </a:prstGeom>
+        </p:spPr>
+      </p:pic>
+      <p:pic>
+        <p:nvPicPr>
+          <p:cNvPr id="8" name="그림 7"/>
+          <p:cNvPicPr>
+            <a:picLocks/>
+          </p:cNvPicPr>
+          <p:nvPr/>
+        </p:nvPicPr>
+        <p:blipFill rotWithShape="1">
+          <a:blip r:embed="rId8">
+            <a:extLst>
+              <a:ext uri="{28A0092B-C50C-407E-A947-70E740481C1C}">
+                <a14:useLocalDpi xmlns:a14="http://schemas.microsoft.com/office/drawing/2010/main" val="0"/>
+              </a:ext>
+            </a:extLst>
+          </a:blip>
+          <a:srcRect l="1677" t="4720" r="4661" b="18326"/>
+          <a:stretch/>
+        </p:blipFill>
+        <p:spPr>
+          <a:xfrm>
+            <a:off x="764001" y="2092084"/>
+            <a:ext cx="1440000" cy="1440000"/>
+          </a:xfrm>
+          <a:prstGeom prst="rect">
+            <a:avLst/>
+          </a:prstGeom>
+        </p:spPr>
+      </p:pic>
+      <p:pic>
+        <p:nvPicPr>
+          <p:cNvPr id="9" name="그림 8"/>
+          <p:cNvPicPr>
+            <a:picLocks/>
+          </p:cNvPicPr>
+          <p:nvPr/>
+        </p:nvPicPr>
+        <p:blipFill rotWithShape="1">
+          <a:blip r:embed="rId9">
+            <a:extLst>
+              <a:ext uri="{28A0092B-C50C-407E-A947-70E740481C1C}">
+                <a14:useLocalDpi xmlns:a14="http://schemas.microsoft.com/office/drawing/2010/main" val="0"/>
+              </a:ext>
+            </a:extLst>
+          </a:blip>
+          <a:srcRect l="4008" t="4457" r="4787" b="18193"/>
+          <a:stretch/>
+        </p:blipFill>
+        <p:spPr>
+          <a:xfrm>
+            <a:off x="2693323" y="2092084"/>
+            <a:ext cx="1440000" cy="1440000"/>
+          </a:xfrm>
+          <a:prstGeom prst="rect">
+            <a:avLst/>
+          </a:prstGeom>
+        </p:spPr>
+      </p:pic>
+      <p:pic>
+        <p:nvPicPr>
+          <p:cNvPr id="10" name="그림 9"/>
+          <p:cNvPicPr>
+            <a:picLocks/>
+          </p:cNvPicPr>
+          <p:nvPr/>
+        </p:nvPicPr>
+        <p:blipFill rotWithShape="1">
+          <a:blip r:embed="rId10">
+            <a:extLst>
+              <a:ext uri="{28A0092B-C50C-407E-A947-70E740481C1C}">
+                <a14:useLocalDpi xmlns:a14="http://schemas.microsoft.com/office/drawing/2010/main" val="0"/>
+              </a:ext>
+            </a:extLst>
+          </a:blip>
+          <a:srcRect l="4130" t="6022" r="5035" b="17938"/>
+          <a:stretch/>
+        </p:blipFill>
+        <p:spPr>
+          <a:xfrm>
+            <a:off x="4846321" y="1961801"/>
+            <a:ext cx="1440000" cy="1440000"/>
+          </a:xfrm>
+          <a:prstGeom prst="rect">
+            <a:avLst/>
+          </a:prstGeom>
+        </p:spPr>
+      </p:pic>
+      <p:pic>
+        <p:nvPicPr>
+          <p:cNvPr id="11" name="그림 10"/>
+          <p:cNvPicPr>
+            <a:picLocks/>
+          </p:cNvPicPr>
+          <p:nvPr/>
+        </p:nvPicPr>
+        <p:blipFill rotWithShape="1">
+          <a:blip r:embed="rId11">
+            <a:extLst>
+              <a:ext uri="{28A0092B-C50C-407E-A947-70E740481C1C}">
+                <a14:useLocalDpi xmlns:a14="http://schemas.microsoft.com/office/drawing/2010/main" val="0"/>
+              </a:ext>
+            </a:extLst>
+          </a:blip>
+          <a:srcRect l="4441" t="4937" r="4459" b="17451"/>
+          <a:stretch/>
+        </p:blipFill>
+        <p:spPr>
+          <a:xfrm>
+            <a:off x="6689849" y="2026407"/>
+            <a:ext cx="1440000" cy="1440000"/>
+          </a:xfrm>
+          <a:prstGeom prst="rect">
+            <a:avLst/>
+          </a:prstGeom>
+        </p:spPr>
+      </p:pic>
+      <p:pic>
+        <p:nvPicPr>
+          <p:cNvPr id="12" name="그림 11"/>
+          <p:cNvPicPr>
+            <a:picLocks/>
+          </p:cNvPicPr>
+          <p:nvPr/>
+        </p:nvPicPr>
+        <p:blipFill rotWithShape="1">
+          <a:blip r:embed="rId12">
+            <a:extLst>
+              <a:ext uri="{28A0092B-C50C-407E-A947-70E740481C1C}">
+                <a14:useLocalDpi xmlns:a14="http://schemas.microsoft.com/office/drawing/2010/main" val="0"/>
+              </a:ext>
+            </a:extLst>
+          </a:blip>
+          <a:srcRect l="4030" t="4125" r="3389" b="17515"/>
+          <a:stretch/>
+        </p:blipFill>
+        <p:spPr>
+          <a:xfrm>
+            <a:off x="8587048" y="1961801"/>
+            <a:ext cx="1440000" cy="1440000"/>
+          </a:xfrm>
+          <a:prstGeom prst="rect">
+            <a:avLst/>
+          </a:prstGeom>
+        </p:spPr>
+      </p:pic>
+      <p:pic>
+        <p:nvPicPr>
+          <p:cNvPr id="13" name="그림 12"/>
+          <p:cNvPicPr>
+            <a:picLocks/>
+          </p:cNvPicPr>
+          <p:nvPr/>
+        </p:nvPicPr>
+        <p:blipFill rotWithShape="1">
+          <a:blip r:embed="rId13">
+            <a:extLst>
+              <a:ext uri="{28A0092B-C50C-407E-A947-70E740481C1C}">
+                <a14:useLocalDpi xmlns:a14="http://schemas.microsoft.com/office/drawing/2010/main" val="0"/>
+              </a:ext>
+            </a:extLst>
+          </a:blip>
+          <a:srcRect l="6339" t="4392" r="6989" b="17603"/>
+          <a:stretch/>
+        </p:blipFill>
+        <p:spPr>
+          <a:xfrm>
+            <a:off x="831271" y="3893223"/>
+            <a:ext cx="1440000" cy="1440000"/>
+          </a:xfrm>
+          <a:prstGeom prst="rect">
+            <a:avLst/>
+          </a:prstGeom>
+        </p:spPr>
+      </p:pic>
+      <p:pic>
+        <p:nvPicPr>
+          <p:cNvPr id="14" name="그림 13"/>
+          <p:cNvPicPr>
+            <a:picLocks/>
+          </p:cNvPicPr>
+          <p:nvPr/>
+        </p:nvPicPr>
+        <p:blipFill rotWithShape="1">
+          <a:blip r:embed="rId14">
+            <a:extLst>
+              <a:ext uri="{28A0092B-C50C-407E-A947-70E740481C1C}">
+                <a14:useLocalDpi xmlns:a14="http://schemas.microsoft.com/office/drawing/2010/main" val="0"/>
+              </a:ext>
+            </a:extLst>
+          </a:blip>
+          <a:srcRect l="6926" r="8169"/>
+          <a:stretch/>
+        </p:blipFill>
+        <p:spPr>
+          <a:xfrm>
+            <a:off x="3071914" y="4139397"/>
+            <a:ext cx="1440000" cy="1440000"/>
+          </a:xfrm>
+          <a:prstGeom prst="rect">
+            <a:avLst/>
+          </a:prstGeom>
+        </p:spPr>
+      </p:pic>
+      <p:pic>
+        <p:nvPicPr>
+          <p:cNvPr id="15" name="그림 14"/>
+          <p:cNvPicPr>
+            <a:picLocks/>
+          </p:cNvPicPr>
+          <p:nvPr/>
+        </p:nvPicPr>
+        <p:blipFill>
+          <a:blip r:embed="rId15">
+            <a:extLst>
+              <a:ext uri="{28A0092B-C50C-407E-A947-70E740481C1C}">
+                <a14:useLocalDpi xmlns:a14="http://schemas.microsoft.com/office/drawing/2010/main" val="0"/>
+              </a:ext>
+            </a:extLst>
+          </a:blip>
+          <a:stretch>
+            <a:fillRect/>
+          </a:stretch>
+        </p:blipFill>
+        <p:spPr>
+          <a:xfrm>
+            <a:off x="4618634" y="4034053"/>
+            <a:ext cx="1440000" cy="1440000"/>
+          </a:xfrm>
+          <a:prstGeom prst="rect">
+            <a:avLst/>
+          </a:prstGeom>
+        </p:spPr>
+      </p:pic>
+      <p:pic>
+        <p:nvPicPr>
+          <p:cNvPr id="16" name="그림 15"/>
+          <p:cNvPicPr>
+            <a:picLocks/>
+          </p:cNvPicPr>
+          <p:nvPr/>
+        </p:nvPicPr>
+        <p:blipFill rotWithShape="1">
+          <a:blip r:embed="rId16">
+            <a:extLst>
+              <a:ext uri="{28A0092B-C50C-407E-A947-70E740481C1C}">
+                <a14:useLocalDpi xmlns:a14="http://schemas.microsoft.com/office/drawing/2010/main" val="0"/>
+              </a:ext>
+            </a:extLst>
+          </a:blip>
+          <a:srcRect l="6813" r="5073"/>
+          <a:stretch/>
+        </p:blipFill>
+        <p:spPr>
+          <a:xfrm>
+            <a:off x="6532183" y="3893223"/>
+            <a:ext cx="1440000" cy="1440000"/>
+          </a:xfrm>
+          <a:prstGeom prst="rect">
+            <a:avLst/>
+          </a:prstGeom>
+        </p:spPr>
+      </p:pic>
     </p:spTree>
     <p:extLst>
       <p:ext uri="{BB962C8B-B14F-4D97-AF65-F5344CB8AC3E}">
@@ -5064,6 +5340,696 @@
           <a:chExt cx="0" cy="0"/>
         </a:xfrm>
       </p:grpSpPr>
+      <p:sp>
+        <p:nvSpPr>
+          <p:cNvPr id="2" name="직사각형 1"/>
+          <p:cNvSpPr/>
+          <p:nvPr/>
+        </p:nvSpPr>
+        <p:spPr>
+          <a:xfrm>
+            <a:off x="1970116" y="814647"/>
+            <a:ext cx="8429106" cy="4912822"/>
+          </a:xfrm>
+          <a:prstGeom prst="rect">
+            <a:avLst/>
+          </a:prstGeom>
+          <a:solidFill>
+            <a:schemeClr val="tx1"/>
+          </a:solidFill>
+          <a:ln>
+            <a:solidFill>
+              <a:schemeClr val="tx1"/>
+            </a:solidFill>
+          </a:ln>
+        </p:spPr>
+        <p:style>
+          <a:lnRef idx="2">
+            <a:schemeClr val="accent1">
+              <a:shade val="50000"/>
+            </a:schemeClr>
+          </a:lnRef>
+          <a:fillRef idx="1">
+            <a:schemeClr val="accent1"/>
+          </a:fillRef>
+          <a:effectRef idx="0">
+            <a:schemeClr val="accent1"/>
+          </a:effectRef>
+          <a:fontRef idx="minor">
+            <a:schemeClr val="lt1"/>
+          </a:fontRef>
+        </p:style>
+        <p:txBody>
+          <a:bodyPr rtlCol="0" anchor="ctr"/>
+          <a:lstStyle/>
+          <a:p>
+            <a:pPr algn="ctr"/>
+            <a:endParaRPr lang="ko-KR" altLang="en-US"/>
+          </a:p>
+        </p:txBody>
+      </p:sp>
+      <p:sp>
+        <p:nvSpPr>
+          <p:cNvPr id="4" name="모서리가 둥근 직사각형 3"/>
+          <p:cNvSpPr/>
+          <p:nvPr/>
+        </p:nvSpPr>
+        <p:spPr>
+          <a:xfrm>
+            <a:off x="5590309" y="814647"/>
+            <a:ext cx="1188719" cy="540328"/>
+          </a:xfrm>
+          <a:prstGeom prst="roundRect">
+            <a:avLst/>
+          </a:prstGeom>
+          <a:solidFill>
+            <a:schemeClr val="bg1"/>
+          </a:solidFill>
+          <a:ln>
+            <a:solidFill>
+              <a:schemeClr val="tx1"/>
+            </a:solidFill>
+          </a:ln>
+        </p:spPr>
+        <p:style>
+          <a:lnRef idx="2">
+            <a:schemeClr val="accent1">
+              <a:shade val="50000"/>
+            </a:schemeClr>
+          </a:lnRef>
+          <a:fillRef idx="1">
+            <a:schemeClr val="accent1"/>
+          </a:fillRef>
+          <a:effectRef idx="0">
+            <a:schemeClr val="accent1"/>
+          </a:effectRef>
+          <a:fontRef idx="minor">
+            <a:schemeClr val="lt1"/>
+          </a:fontRef>
+        </p:style>
+        <p:txBody>
+          <a:bodyPr rtlCol="0" anchor="ctr"/>
+          <a:lstStyle/>
+          <a:p>
+            <a:pPr algn="ctr"/>
+            <a:endParaRPr lang="ko-KR" altLang="en-US"/>
+          </a:p>
+        </p:txBody>
+      </p:sp>
+      <p:sp>
+        <p:nvSpPr>
+          <p:cNvPr id="5" name="모서리가 둥근 직사각형 4"/>
+          <p:cNvSpPr/>
+          <p:nvPr/>
+        </p:nvSpPr>
+        <p:spPr>
+          <a:xfrm>
+            <a:off x="5590309" y="1354975"/>
+            <a:ext cx="1188719" cy="540328"/>
+          </a:xfrm>
+          <a:prstGeom prst="roundRect">
+            <a:avLst/>
+          </a:prstGeom>
+          <a:solidFill>
+            <a:schemeClr val="bg1"/>
+          </a:solidFill>
+          <a:ln>
+            <a:solidFill>
+              <a:schemeClr val="tx1"/>
+            </a:solidFill>
+          </a:ln>
+        </p:spPr>
+        <p:style>
+          <a:lnRef idx="2">
+            <a:schemeClr val="accent1">
+              <a:shade val="50000"/>
+            </a:schemeClr>
+          </a:lnRef>
+          <a:fillRef idx="1">
+            <a:schemeClr val="accent1"/>
+          </a:fillRef>
+          <a:effectRef idx="0">
+            <a:schemeClr val="accent1"/>
+          </a:effectRef>
+          <a:fontRef idx="minor">
+            <a:schemeClr val="lt1"/>
+          </a:fontRef>
+        </p:style>
+        <p:txBody>
+          <a:bodyPr rtlCol="0" anchor="ctr"/>
+          <a:lstStyle/>
+          <a:p>
+            <a:pPr algn="ctr"/>
+            <a:endParaRPr lang="ko-KR" altLang="en-US"/>
+          </a:p>
+        </p:txBody>
+      </p:sp>
+      <p:sp>
+        <p:nvSpPr>
+          <p:cNvPr id="7" name="직사각형 6"/>
+          <p:cNvSpPr/>
+          <p:nvPr/>
+        </p:nvSpPr>
+        <p:spPr>
+          <a:xfrm>
+            <a:off x="6094668" y="1895303"/>
+            <a:ext cx="180000" cy="3832166"/>
+          </a:xfrm>
+          <a:prstGeom prst="rect">
+            <a:avLst/>
+          </a:prstGeom>
+          <a:solidFill>
+            <a:srgbClr val="FF0000"/>
+          </a:solidFill>
+          <a:ln>
+            <a:noFill/>
+          </a:ln>
+        </p:spPr>
+        <p:style>
+          <a:lnRef idx="2">
+            <a:schemeClr val="accent1">
+              <a:shade val="50000"/>
+            </a:schemeClr>
+          </a:lnRef>
+          <a:fillRef idx="1">
+            <a:schemeClr val="accent1"/>
+          </a:fillRef>
+          <a:effectRef idx="0">
+            <a:schemeClr val="accent1"/>
+          </a:effectRef>
+          <a:fontRef idx="minor">
+            <a:schemeClr val="lt1"/>
+          </a:fontRef>
+        </p:style>
+        <p:txBody>
+          <a:bodyPr rtlCol="0" anchor="ctr"/>
+          <a:lstStyle/>
+          <a:p>
+            <a:pPr algn="ctr"/>
+            <a:endParaRPr lang="ko-KR" altLang="en-US" dirty="0"/>
+          </a:p>
+        </p:txBody>
+      </p:sp>
+      <p:sp>
+        <p:nvSpPr>
+          <p:cNvPr id="8" name="직사각형 7"/>
+          <p:cNvSpPr/>
+          <p:nvPr/>
+        </p:nvSpPr>
+        <p:spPr>
+          <a:xfrm>
+            <a:off x="6094668" y="2589120"/>
+            <a:ext cx="180000" cy="3834000"/>
+          </a:xfrm>
+          <a:prstGeom prst="rect">
+            <a:avLst/>
+          </a:prstGeom>
+          <a:solidFill>
+            <a:srgbClr val="FFFF00"/>
+          </a:solidFill>
+          <a:ln>
+            <a:solidFill>
+              <a:srgbClr val="FFC000"/>
+            </a:solidFill>
+          </a:ln>
+        </p:spPr>
+        <p:style>
+          <a:lnRef idx="2">
+            <a:schemeClr val="accent1">
+              <a:shade val="50000"/>
+            </a:schemeClr>
+          </a:lnRef>
+          <a:fillRef idx="1">
+            <a:schemeClr val="accent1"/>
+          </a:fillRef>
+          <a:effectRef idx="0">
+            <a:schemeClr val="accent1"/>
+          </a:effectRef>
+          <a:fontRef idx="minor">
+            <a:schemeClr val="lt1"/>
+          </a:fontRef>
+        </p:style>
+        <p:txBody>
+          <a:bodyPr rtlCol="0" anchor="ctr"/>
+          <a:lstStyle/>
+          <a:p>
+            <a:pPr algn="ctr"/>
+            <a:endParaRPr lang="ko-KR" altLang="en-US"/>
+          </a:p>
+        </p:txBody>
+      </p:sp>
+      <p:grpSp>
+        <p:nvGrpSpPr>
+          <p:cNvPr id="9" name="그룹 8"/>
+          <p:cNvGrpSpPr/>
+          <p:nvPr/>
+        </p:nvGrpSpPr>
+        <p:grpSpPr>
+          <a:xfrm>
+            <a:off x="3940233" y="3100647"/>
+            <a:ext cx="465513" cy="465513"/>
+            <a:chOff x="5070764" y="2984269"/>
+            <a:chExt cx="2568632" cy="2568632"/>
+          </a:xfrm>
+        </p:grpSpPr>
+        <p:sp>
+          <p:nvSpPr>
+            <p:cNvPr id="10" name="타원 9"/>
+            <p:cNvSpPr/>
+            <p:nvPr/>
+          </p:nvSpPr>
+          <p:spPr>
+            <a:xfrm>
+              <a:off x="5070764" y="2984269"/>
+              <a:ext cx="2568632" cy="2568632"/>
+            </a:xfrm>
+            <a:prstGeom prst="ellipse">
+              <a:avLst/>
+            </a:prstGeom>
+            <a:solidFill>
+              <a:schemeClr val="bg1"/>
+            </a:solidFill>
+            <a:ln>
+              <a:solidFill>
+                <a:srgbClr val="FFFF00"/>
+              </a:solidFill>
+            </a:ln>
+          </p:spPr>
+          <p:style>
+            <a:lnRef idx="2">
+              <a:schemeClr val="accent1">
+                <a:shade val="50000"/>
+              </a:schemeClr>
+            </a:lnRef>
+            <a:fillRef idx="1">
+              <a:schemeClr val="accent1"/>
+            </a:fillRef>
+            <a:effectRef idx="0">
+              <a:schemeClr val="accent1"/>
+            </a:effectRef>
+            <a:fontRef idx="minor">
+              <a:schemeClr val="lt1"/>
+            </a:fontRef>
+          </p:style>
+          <p:txBody>
+            <a:bodyPr rtlCol="0" anchor="ctr"/>
+            <a:lstStyle/>
+            <a:p>
+              <a:pPr algn="ctr"/>
+              <a:endParaRPr lang="ko-KR" altLang="en-US"/>
+            </a:p>
+          </p:txBody>
+        </p:sp>
+        <p:sp>
+          <p:nvSpPr>
+            <p:cNvPr id="11" name="이등변 삼각형 10"/>
+            <p:cNvSpPr/>
+            <p:nvPr/>
+          </p:nvSpPr>
+          <p:spPr>
+            <a:xfrm>
+              <a:off x="6022405" y="3117272"/>
+              <a:ext cx="665350" cy="573578"/>
+            </a:xfrm>
+            <a:prstGeom prst="triangle">
+              <a:avLst/>
+            </a:prstGeom>
+            <a:solidFill>
+              <a:srgbClr val="FF0000"/>
+            </a:solidFill>
+            <a:ln>
+              <a:solidFill>
+                <a:srgbClr val="FFC000"/>
+              </a:solidFill>
+            </a:ln>
+          </p:spPr>
+          <p:style>
+            <a:lnRef idx="2">
+              <a:schemeClr val="accent1">
+                <a:shade val="50000"/>
+              </a:schemeClr>
+            </a:lnRef>
+            <a:fillRef idx="1">
+              <a:schemeClr val="accent1"/>
+            </a:fillRef>
+            <a:effectRef idx="0">
+              <a:schemeClr val="accent1"/>
+            </a:effectRef>
+            <a:fontRef idx="minor">
+              <a:schemeClr val="lt1"/>
+            </a:fontRef>
+          </p:style>
+          <p:txBody>
+            <a:bodyPr rtlCol="0" anchor="ctr"/>
+            <a:lstStyle/>
+            <a:p>
+              <a:pPr algn="ctr"/>
+              <a:endParaRPr lang="ko-KR" altLang="en-US"/>
+            </a:p>
+          </p:txBody>
+        </p:sp>
+      </p:grpSp>
+      <p:grpSp>
+        <p:nvGrpSpPr>
+          <p:cNvPr id="12" name="그룹 11"/>
+          <p:cNvGrpSpPr/>
+          <p:nvPr/>
+        </p:nvGrpSpPr>
+        <p:grpSpPr>
+          <a:xfrm>
+            <a:off x="8005157" y="3038301"/>
+            <a:ext cx="465513" cy="465513"/>
+            <a:chOff x="5070764" y="2984269"/>
+            <a:chExt cx="2568632" cy="2568632"/>
+          </a:xfrm>
+        </p:grpSpPr>
+        <p:sp>
+          <p:nvSpPr>
+            <p:cNvPr id="13" name="타원 12"/>
+            <p:cNvSpPr/>
+            <p:nvPr/>
+          </p:nvSpPr>
+          <p:spPr>
+            <a:xfrm>
+              <a:off x="5070764" y="2984269"/>
+              <a:ext cx="2568632" cy="2568632"/>
+            </a:xfrm>
+            <a:prstGeom prst="ellipse">
+              <a:avLst/>
+            </a:prstGeom>
+            <a:solidFill>
+              <a:schemeClr val="bg1"/>
+            </a:solidFill>
+            <a:ln>
+              <a:solidFill>
+                <a:srgbClr val="FFFF00"/>
+              </a:solidFill>
+            </a:ln>
+          </p:spPr>
+          <p:style>
+            <a:lnRef idx="2">
+              <a:schemeClr val="accent1">
+                <a:shade val="50000"/>
+              </a:schemeClr>
+            </a:lnRef>
+            <a:fillRef idx="1">
+              <a:schemeClr val="accent1"/>
+            </a:fillRef>
+            <a:effectRef idx="0">
+              <a:schemeClr val="accent1"/>
+            </a:effectRef>
+            <a:fontRef idx="minor">
+              <a:schemeClr val="lt1"/>
+            </a:fontRef>
+          </p:style>
+          <p:txBody>
+            <a:bodyPr rtlCol="0" anchor="ctr"/>
+            <a:lstStyle/>
+            <a:p>
+              <a:pPr algn="ctr"/>
+              <a:endParaRPr lang="ko-KR" altLang="en-US"/>
+            </a:p>
+          </p:txBody>
+        </p:sp>
+        <p:sp>
+          <p:nvSpPr>
+            <p:cNvPr id="14" name="이등변 삼각형 13"/>
+            <p:cNvSpPr/>
+            <p:nvPr/>
+          </p:nvSpPr>
+          <p:spPr>
+            <a:xfrm>
+              <a:off x="6022405" y="3117272"/>
+              <a:ext cx="665350" cy="573578"/>
+            </a:xfrm>
+            <a:prstGeom prst="triangle">
+              <a:avLst/>
+            </a:prstGeom>
+            <a:solidFill>
+              <a:srgbClr val="FF0000"/>
+            </a:solidFill>
+            <a:ln>
+              <a:solidFill>
+                <a:srgbClr val="FFC000"/>
+              </a:solidFill>
+            </a:ln>
+          </p:spPr>
+          <p:style>
+            <a:lnRef idx="2">
+              <a:schemeClr val="accent1">
+                <a:shade val="50000"/>
+              </a:schemeClr>
+            </a:lnRef>
+            <a:fillRef idx="1">
+              <a:schemeClr val="accent1"/>
+            </a:fillRef>
+            <a:effectRef idx="0">
+              <a:schemeClr val="accent1"/>
+            </a:effectRef>
+            <a:fontRef idx="minor">
+              <a:schemeClr val="lt1"/>
+            </a:fontRef>
+          </p:style>
+          <p:txBody>
+            <a:bodyPr rtlCol="0" anchor="ctr"/>
+            <a:lstStyle/>
+            <a:p>
+              <a:pPr algn="ctr"/>
+              <a:endParaRPr lang="ko-KR" altLang="en-US"/>
+            </a:p>
+          </p:txBody>
+        </p:sp>
+      </p:grpSp>
+      <p:sp>
+        <p:nvSpPr>
+          <p:cNvPr id="15" name="타원 14"/>
+          <p:cNvSpPr/>
+          <p:nvPr/>
+        </p:nvSpPr>
+        <p:spPr>
+          <a:xfrm>
+            <a:off x="5068174" y="2407086"/>
+            <a:ext cx="364067" cy="364067"/>
+          </a:xfrm>
+          <a:prstGeom prst="ellipse">
+            <a:avLst/>
+          </a:prstGeom>
+        </p:spPr>
+        <p:style>
+          <a:lnRef idx="2">
+            <a:schemeClr val="accent1">
+              <a:shade val="50000"/>
+            </a:schemeClr>
+          </a:lnRef>
+          <a:fillRef idx="1">
+            <a:schemeClr val="accent1"/>
+          </a:fillRef>
+          <a:effectRef idx="0">
+            <a:schemeClr val="accent1"/>
+          </a:effectRef>
+          <a:fontRef idx="minor">
+            <a:schemeClr val="lt1"/>
+          </a:fontRef>
+        </p:style>
+        <p:txBody>
+          <a:bodyPr rtlCol="0" anchor="ctr"/>
+          <a:lstStyle/>
+          <a:p>
+            <a:pPr algn="ctr"/>
+            <a:r>
+              <a:rPr lang="en-US" altLang="ko-KR" dirty="0" smtClean="0"/>
+              <a:t>1</a:t>
+            </a:r>
+            <a:endParaRPr lang="ko-KR" altLang="en-US" dirty="0"/>
+          </a:p>
+        </p:txBody>
+      </p:sp>
+      <p:sp>
+        <p:nvSpPr>
+          <p:cNvPr id="16" name="타원 15"/>
+          <p:cNvSpPr/>
+          <p:nvPr/>
+        </p:nvSpPr>
+        <p:spPr>
+          <a:xfrm>
+            <a:off x="6957879" y="2407085"/>
+            <a:ext cx="364067" cy="364067"/>
+          </a:xfrm>
+          <a:prstGeom prst="ellipse">
+            <a:avLst/>
+          </a:prstGeom>
+        </p:spPr>
+        <p:style>
+          <a:lnRef idx="2">
+            <a:schemeClr val="accent1">
+              <a:shade val="50000"/>
+            </a:schemeClr>
+          </a:lnRef>
+          <a:fillRef idx="1">
+            <a:schemeClr val="accent1"/>
+          </a:fillRef>
+          <a:effectRef idx="0">
+            <a:schemeClr val="accent1"/>
+          </a:effectRef>
+          <a:fontRef idx="minor">
+            <a:schemeClr val="lt1"/>
+          </a:fontRef>
+        </p:style>
+        <p:txBody>
+          <a:bodyPr rtlCol="0" anchor="ctr"/>
+          <a:lstStyle/>
+          <a:p>
+            <a:pPr algn="ctr"/>
+            <a:r>
+              <a:rPr lang="en-US" altLang="ko-KR" dirty="0" smtClean="0"/>
+              <a:t>+</a:t>
+            </a:r>
+            <a:endParaRPr lang="ko-KR" altLang="en-US" dirty="0"/>
+          </a:p>
+        </p:txBody>
+      </p:sp>
+      <p:sp>
+        <p:nvSpPr>
+          <p:cNvPr id="17" name="모서리가 둥근 직사각형 16"/>
+          <p:cNvSpPr/>
+          <p:nvPr/>
+        </p:nvSpPr>
+        <p:spPr>
+          <a:xfrm>
+            <a:off x="2750794" y="1465658"/>
+            <a:ext cx="1330036" cy="648393"/>
+          </a:xfrm>
+          <a:prstGeom prst="roundRect">
+            <a:avLst>
+              <a:gd name="adj" fmla="val 50000"/>
+            </a:avLst>
+          </a:prstGeom>
+          <a:solidFill>
+            <a:schemeClr val="accent4">
+              <a:lumMod val="40000"/>
+              <a:lumOff val="60000"/>
+            </a:schemeClr>
+          </a:solidFill>
+          <a:ln>
+            <a:solidFill>
+              <a:srgbClr val="FFFF00"/>
+            </a:solidFill>
+          </a:ln>
+        </p:spPr>
+        <p:style>
+          <a:lnRef idx="2">
+            <a:schemeClr val="accent1">
+              <a:shade val="50000"/>
+            </a:schemeClr>
+          </a:lnRef>
+          <a:fillRef idx="1">
+            <a:schemeClr val="accent1"/>
+          </a:fillRef>
+          <a:effectRef idx="0">
+            <a:schemeClr val="accent1"/>
+          </a:effectRef>
+          <a:fontRef idx="minor">
+            <a:schemeClr val="lt1"/>
+          </a:fontRef>
+        </p:style>
+        <p:txBody>
+          <a:bodyPr rtlCol="0" anchor="ctr"/>
+          <a:lstStyle/>
+          <a:p>
+            <a:pPr algn="ctr"/>
+            <a:endParaRPr lang="ko-KR" altLang="en-US"/>
+          </a:p>
+        </p:txBody>
+      </p:sp>
+      <p:sp>
+        <p:nvSpPr>
+          <p:cNvPr id="18" name="타원 17"/>
+          <p:cNvSpPr/>
+          <p:nvPr/>
+        </p:nvSpPr>
+        <p:spPr>
+          <a:xfrm>
+            <a:off x="3000895" y="3300153"/>
+            <a:ext cx="99752" cy="99752"/>
+          </a:xfrm>
+          <a:prstGeom prst="ellipse">
+            <a:avLst/>
+          </a:prstGeom>
+          <a:ln>
+            <a:noFill/>
+          </a:ln>
+        </p:spPr>
+        <p:style>
+          <a:lnRef idx="2">
+            <a:schemeClr val="accent1">
+              <a:shade val="50000"/>
+            </a:schemeClr>
+          </a:lnRef>
+          <a:fillRef idx="1">
+            <a:schemeClr val="accent1"/>
+          </a:fillRef>
+          <a:effectRef idx="0">
+            <a:schemeClr val="accent1"/>
+          </a:effectRef>
+          <a:fontRef idx="minor">
+            <a:schemeClr val="lt1"/>
+          </a:fontRef>
+        </p:style>
+        <p:txBody>
+          <a:bodyPr rtlCol="0" anchor="ctr"/>
+          <a:lstStyle/>
+          <a:p>
+            <a:pPr algn="ctr"/>
+            <a:endParaRPr lang="ko-KR" altLang="en-US"/>
+          </a:p>
+        </p:txBody>
+      </p:sp>
+      <p:sp>
+        <p:nvSpPr>
+          <p:cNvPr id="19" name="타원 18"/>
+          <p:cNvSpPr/>
+          <p:nvPr/>
+        </p:nvSpPr>
+        <p:spPr>
+          <a:xfrm>
+            <a:off x="3153295" y="3452553"/>
+            <a:ext cx="99752" cy="99752"/>
+          </a:xfrm>
+          <a:prstGeom prst="ellipse">
+            <a:avLst/>
+          </a:prstGeom>
+          <a:solidFill>
+            <a:srgbClr val="FF0000"/>
+          </a:solidFill>
+          <a:ln>
+            <a:noFill/>
+          </a:ln>
+        </p:spPr>
+        <p:style>
+          <a:lnRef idx="2">
+            <a:schemeClr val="accent1">
+              <a:shade val="50000"/>
+            </a:schemeClr>
+          </a:lnRef>
+          <a:fillRef idx="1">
+            <a:schemeClr val="accent1"/>
+          </a:fillRef>
+          <a:effectRef idx="0">
+            <a:schemeClr val="accent1"/>
+          </a:effectRef>
+          <a:fontRef idx="minor">
+            <a:schemeClr val="lt1"/>
+          </a:fontRef>
+        </p:style>
+        <p:txBody>
+          <a:bodyPr rtlCol="0" anchor="ctr"/>
+          <a:lstStyle/>
+          <a:p>
+            <a:pPr algn="ctr"/>
+            <a:endParaRPr lang="ko-KR" altLang="en-US"/>
+          </a:p>
+        </p:txBody>
+      </p:sp>
     </p:spTree>
     <p:extLst>
       <p:ext uri="{BB962C8B-B14F-4D97-AF65-F5344CB8AC3E}">

--- a/Equation/Pictures.pptx
+++ b/Equation/Pictures.pptx
@@ -250,7 +250,7 @@
           <a:p>
             <a:fld id="{F00B919D-B4A1-482F-AA08-41F71413DB50}" type="datetimeFigureOut">
               <a:rPr lang="ko-KR" altLang="en-US" smtClean="0"/>
-              <a:t>2018-11-09</a:t>
+              <a:t>2018-11-10</a:t>
             </a:fld>
             <a:endParaRPr lang="ko-KR" altLang="en-US"/>
           </a:p>
@@ -420,7 +420,7 @@
           <a:p>
             <a:fld id="{F00B919D-B4A1-482F-AA08-41F71413DB50}" type="datetimeFigureOut">
               <a:rPr lang="ko-KR" altLang="en-US" smtClean="0"/>
-              <a:t>2018-11-09</a:t>
+              <a:t>2018-11-10</a:t>
             </a:fld>
             <a:endParaRPr lang="ko-KR" altLang="en-US"/>
           </a:p>
@@ -600,7 +600,7 @@
           <a:p>
             <a:fld id="{F00B919D-B4A1-482F-AA08-41F71413DB50}" type="datetimeFigureOut">
               <a:rPr lang="ko-KR" altLang="en-US" smtClean="0"/>
-              <a:t>2018-11-09</a:t>
+              <a:t>2018-11-10</a:t>
             </a:fld>
             <a:endParaRPr lang="ko-KR" altLang="en-US"/>
           </a:p>
@@ -770,7 +770,7 @@
           <a:p>
             <a:fld id="{F00B919D-B4A1-482F-AA08-41F71413DB50}" type="datetimeFigureOut">
               <a:rPr lang="ko-KR" altLang="en-US" smtClean="0"/>
-              <a:t>2018-11-09</a:t>
+              <a:t>2018-11-10</a:t>
             </a:fld>
             <a:endParaRPr lang="ko-KR" altLang="en-US"/>
           </a:p>
@@ -1016,7 +1016,7 @@
           <a:p>
             <a:fld id="{F00B919D-B4A1-482F-AA08-41F71413DB50}" type="datetimeFigureOut">
               <a:rPr lang="ko-KR" altLang="en-US" smtClean="0"/>
-              <a:t>2018-11-09</a:t>
+              <a:t>2018-11-10</a:t>
             </a:fld>
             <a:endParaRPr lang="ko-KR" altLang="en-US"/>
           </a:p>
@@ -1248,7 +1248,7 @@
           <a:p>
             <a:fld id="{F00B919D-B4A1-482F-AA08-41F71413DB50}" type="datetimeFigureOut">
               <a:rPr lang="ko-KR" altLang="en-US" smtClean="0"/>
-              <a:t>2018-11-09</a:t>
+              <a:t>2018-11-10</a:t>
             </a:fld>
             <a:endParaRPr lang="ko-KR" altLang="en-US"/>
           </a:p>
@@ -1615,7 +1615,7 @@
           <a:p>
             <a:fld id="{F00B919D-B4A1-482F-AA08-41F71413DB50}" type="datetimeFigureOut">
               <a:rPr lang="ko-KR" altLang="en-US" smtClean="0"/>
-              <a:t>2018-11-09</a:t>
+              <a:t>2018-11-10</a:t>
             </a:fld>
             <a:endParaRPr lang="ko-KR" altLang="en-US"/>
           </a:p>
@@ -1733,7 +1733,7 @@
           <a:p>
             <a:fld id="{F00B919D-B4A1-482F-AA08-41F71413DB50}" type="datetimeFigureOut">
               <a:rPr lang="ko-KR" altLang="en-US" smtClean="0"/>
-              <a:t>2018-11-09</a:t>
+              <a:t>2018-11-10</a:t>
             </a:fld>
             <a:endParaRPr lang="ko-KR" altLang="en-US"/>
           </a:p>
@@ -1828,7 +1828,7 @@
           <a:p>
             <a:fld id="{F00B919D-B4A1-482F-AA08-41F71413DB50}" type="datetimeFigureOut">
               <a:rPr lang="ko-KR" altLang="en-US" smtClean="0"/>
-              <a:t>2018-11-09</a:t>
+              <a:t>2018-11-10</a:t>
             </a:fld>
             <a:endParaRPr lang="ko-KR" altLang="en-US"/>
           </a:p>
@@ -2105,7 +2105,7 @@
           <a:p>
             <a:fld id="{F00B919D-B4A1-482F-AA08-41F71413DB50}" type="datetimeFigureOut">
               <a:rPr lang="ko-KR" altLang="en-US" smtClean="0"/>
-              <a:t>2018-11-09</a:t>
+              <a:t>2018-11-10</a:t>
             </a:fld>
             <a:endParaRPr lang="ko-KR" altLang="en-US"/>
           </a:p>
@@ -2358,7 +2358,7 @@
           <a:p>
             <a:fld id="{F00B919D-B4A1-482F-AA08-41F71413DB50}" type="datetimeFigureOut">
               <a:rPr lang="ko-KR" altLang="en-US" smtClean="0"/>
-              <a:t>2018-11-09</a:t>
+              <a:t>2018-11-10</a:t>
             </a:fld>
             <a:endParaRPr lang="ko-KR" altLang="en-US"/>
           </a:p>
@@ -2571,7 +2571,7 @@
           <a:p>
             <a:fld id="{F00B919D-B4A1-482F-AA08-41F71413DB50}" type="datetimeFigureOut">
               <a:rPr lang="ko-KR" altLang="en-US" smtClean="0"/>
-              <a:t>2018-11-09</a:t>
+              <a:t>2018-11-10</a:t>
             </a:fld>
             <a:endParaRPr lang="ko-KR" altLang="en-US"/>
           </a:p>
@@ -4844,6 +4844,36 @@
           </a:p>
         </p:txBody>
       </p:sp>
+      <p:sp>
+        <p:nvSpPr>
+          <p:cNvPr id="16" name="TextBox 15"/>
+          <p:cNvSpPr txBox="1"/>
+          <p:nvPr/>
+        </p:nvSpPr>
+        <p:spPr>
+          <a:xfrm>
+            <a:off x="6037631" y="2634211"/>
+            <a:ext cx="1106393" cy="1631216"/>
+          </a:xfrm>
+          <a:prstGeom prst="rect">
+            <a:avLst/>
+          </a:prstGeom>
+          <a:noFill/>
+        </p:spPr>
+        <p:txBody>
+          <a:bodyPr wrap="none" rtlCol="0">
+            <a:spAutoFit/>
+          </a:bodyPr>
+          <a:lstStyle/>
+          <a:p>
+            <a:r>
+              <a:rPr lang="en-US" altLang="ko-KR" sz="10000" b="1" dirty="0" smtClean="0"/>
+              <a:t>÷</a:t>
+            </a:r>
+            <a:endParaRPr lang="ko-KR" altLang="en-US" sz="10000" b="1" dirty="0"/>
+          </a:p>
+        </p:txBody>
+      </p:sp>
     </p:spTree>
     <p:extLst>
       <p:ext uri="{BB962C8B-B14F-4D97-AF65-F5344CB8AC3E}">
@@ -5901,7 +5931,7 @@
           </a:xfrm>
           <a:prstGeom prst="roundRect">
             <a:avLst>
-              <a:gd name="adj" fmla="val 50000"/>
+              <a:gd name="adj" fmla="val 0"/>
             </a:avLst>
           </a:prstGeom>
           <a:solidFill>
@@ -6030,6 +6060,264 @@
           </a:p>
         </p:txBody>
       </p:sp>
+      <p:sp>
+        <p:nvSpPr>
+          <p:cNvPr id="3" name="직사각형 2"/>
+          <p:cNvSpPr/>
+          <p:nvPr/>
+        </p:nvSpPr>
+        <p:spPr>
+          <a:xfrm>
+            <a:off x="5656810" y="4671753"/>
+            <a:ext cx="1055716" cy="1055716"/>
+          </a:xfrm>
+          <a:prstGeom prst="rect">
+            <a:avLst/>
+          </a:prstGeom>
+          <a:solidFill>
+            <a:schemeClr val="tx1"/>
+          </a:solidFill>
+          <a:ln>
+            <a:solidFill>
+              <a:schemeClr val="bg1"/>
+            </a:solidFill>
+          </a:ln>
+        </p:spPr>
+        <p:style>
+          <a:lnRef idx="2">
+            <a:schemeClr val="accent1">
+              <a:shade val="50000"/>
+            </a:schemeClr>
+          </a:lnRef>
+          <a:fillRef idx="1">
+            <a:schemeClr val="accent1"/>
+          </a:fillRef>
+          <a:effectRef idx="0">
+            <a:schemeClr val="accent1"/>
+          </a:effectRef>
+          <a:fontRef idx="minor">
+            <a:schemeClr val="lt1"/>
+          </a:fontRef>
+        </p:style>
+        <p:txBody>
+          <a:bodyPr rtlCol="0" anchor="ctr"/>
+          <a:lstStyle/>
+          <a:p>
+            <a:pPr algn="ctr"/>
+            <a:endParaRPr lang="ko-KR" altLang="en-US"/>
+          </a:p>
+        </p:txBody>
+      </p:sp>
+      <p:sp>
+        <p:nvSpPr>
+          <p:cNvPr id="6" name="직사각형 5"/>
+          <p:cNvSpPr/>
+          <p:nvPr/>
+        </p:nvSpPr>
+        <p:spPr>
+          <a:xfrm>
+            <a:off x="7681448" y="4143453"/>
+            <a:ext cx="1440000" cy="1800000"/>
+          </a:xfrm>
+          <a:prstGeom prst="rect">
+            <a:avLst/>
+          </a:prstGeom>
+          <a:solidFill>
+            <a:schemeClr val="tx1">
+              <a:lumMod val="50000"/>
+              <a:lumOff val="50000"/>
+            </a:schemeClr>
+          </a:solidFill>
+          <a:ln w="76200">
+            <a:solidFill>
+              <a:schemeClr val="bg1"/>
+            </a:solidFill>
+          </a:ln>
+        </p:spPr>
+        <p:style>
+          <a:lnRef idx="2">
+            <a:schemeClr val="accent1">
+              <a:shade val="50000"/>
+            </a:schemeClr>
+          </a:lnRef>
+          <a:fillRef idx="1">
+            <a:schemeClr val="accent1"/>
+          </a:fillRef>
+          <a:effectRef idx="0">
+            <a:schemeClr val="accent1"/>
+          </a:effectRef>
+          <a:fontRef idx="minor">
+            <a:schemeClr val="lt1"/>
+          </a:fontRef>
+        </p:style>
+        <p:txBody>
+          <a:bodyPr rtlCol="0" anchor="ctr"/>
+          <a:lstStyle/>
+          <a:p>
+            <a:pPr algn="ctr"/>
+            <a:endParaRPr lang="ko-KR" altLang="en-US"/>
+          </a:p>
+        </p:txBody>
+      </p:sp>
+      <p:sp>
+        <p:nvSpPr>
+          <p:cNvPr id="21" name="직사각형 20"/>
+          <p:cNvSpPr/>
+          <p:nvPr/>
+        </p:nvSpPr>
+        <p:spPr>
+          <a:xfrm>
+            <a:off x="4405746" y="4429957"/>
+            <a:ext cx="720000" cy="360000"/>
+          </a:xfrm>
+          <a:prstGeom prst="rect">
+            <a:avLst/>
+          </a:prstGeom>
+          <a:solidFill>
+            <a:srgbClr val="FFE699"/>
+          </a:solidFill>
+          <a:ln>
+            <a:solidFill>
+              <a:srgbClr val="FFFF00"/>
+            </a:solidFill>
+          </a:ln>
+        </p:spPr>
+        <p:style>
+          <a:lnRef idx="2">
+            <a:schemeClr val="accent1">
+              <a:shade val="50000"/>
+            </a:schemeClr>
+          </a:lnRef>
+          <a:fillRef idx="1">
+            <a:schemeClr val="accent1"/>
+          </a:fillRef>
+          <a:effectRef idx="0">
+            <a:schemeClr val="accent1"/>
+          </a:effectRef>
+          <a:fontRef idx="minor">
+            <a:schemeClr val="lt1"/>
+          </a:fontRef>
+        </p:style>
+        <p:txBody>
+          <a:bodyPr rtlCol="0" anchor="ctr"/>
+          <a:lstStyle/>
+          <a:p>
+            <a:pPr algn="ctr"/>
+            <a:endParaRPr lang="ko-KR" altLang="en-US"/>
+          </a:p>
+        </p:txBody>
+      </p:sp>
+      <p:grpSp>
+        <p:nvGrpSpPr>
+          <p:cNvPr id="22" name="그룹 21"/>
+          <p:cNvGrpSpPr/>
+          <p:nvPr/>
+        </p:nvGrpSpPr>
+        <p:grpSpPr>
+          <a:xfrm>
+            <a:off x="5017450" y="3259688"/>
+            <a:ext cx="465513" cy="465513"/>
+            <a:chOff x="5070764" y="2984269"/>
+            <a:chExt cx="2568632" cy="2568632"/>
+          </a:xfrm>
+        </p:grpSpPr>
+        <p:sp>
+          <p:nvSpPr>
+            <p:cNvPr id="23" name="타원 22"/>
+            <p:cNvSpPr/>
+            <p:nvPr/>
+          </p:nvSpPr>
+          <p:spPr>
+            <a:xfrm>
+              <a:off x="5070764" y="2984269"/>
+              <a:ext cx="2568632" cy="2568632"/>
+            </a:xfrm>
+            <a:prstGeom prst="ellipse">
+              <a:avLst/>
+            </a:prstGeom>
+            <a:solidFill>
+              <a:schemeClr val="bg1"/>
+            </a:solidFill>
+            <a:ln>
+              <a:solidFill>
+                <a:srgbClr val="FFFF00"/>
+              </a:solidFill>
+            </a:ln>
+          </p:spPr>
+          <p:style>
+            <a:lnRef idx="2">
+              <a:schemeClr val="accent1">
+                <a:shade val="50000"/>
+              </a:schemeClr>
+            </a:lnRef>
+            <a:fillRef idx="1">
+              <a:schemeClr val="accent1"/>
+            </a:fillRef>
+            <a:effectRef idx="0">
+              <a:schemeClr val="accent1"/>
+            </a:effectRef>
+            <a:fontRef idx="minor">
+              <a:schemeClr val="lt1"/>
+            </a:fontRef>
+          </p:style>
+          <p:txBody>
+            <a:bodyPr rtlCol="0" anchor="ctr"/>
+            <a:lstStyle/>
+            <a:p>
+              <a:pPr algn="ctr"/>
+              <a:endParaRPr lang="ko-KR" altLang="en-US"/>
+            </a:p>
+          </p:txBody>
+        </p:sp>
+        <p:sp>
+          <p:nvSpPr>
+            <p:cNvPr id="24" name="이등변 삼각형 23"/>
+            <p:cNvSpPr/>
+            <p:nvPr/>
+          </p:nvSpPr>
+          <p:spPr>
+            <a:xfrm>
+              <a:off x="6022405" y="3117272"/>
+              <a:ext cx="665350" cy="573578"/>
+            </a:xfrm>
+            <a:prstGeom prst="triangle">
+              <a:avLst/>
+            </a:prstGeom>
+            <a:solidFill>
+              <a:srgbClr val="FF0000"/>
+            </a:solidFill>
+            <a:ln>
+              <a:solidFill>
+                <a:srgbClr val="FFC000"/>
+              </a:solidFill>
+            </a:ln>
+          </p:spPr>
+          <p:style>
+            <a:lnRef idx="2">
+              <a:schemeClr val="accent1">
+                <a:shade val="50000"/>
+              </a:schemeClr>
+            </a:lnRef>
+            <a:fillRef idx="1">
+              <a:schemeClr val="accent1"/>
+            </a:fillRef>
+            <a:effectRef idx="0">
+              <a:schemeClr val="accent1"/>
+            </a:effectRef>
+            <a:fontRef idx="minor">
+              <a:schemeClr val="lt1"/>
+            </a:fontRef>
+          </p:style>
+          <p:txBody>
+            <a:bodyPr rtlCol="0" anchor="ctr"/>
+            <a:lstStyle/>
+            <a:p>
+              <a:pPr algn="ctr"/>
+              <a:endParaRPr lang="ko-KR" altLang="en-US"/>
+            </a:p>
+          </p:txBody>
+        </p:sp>
+      </p:grpSp>
     </p:spTree>
     <p:extLst>
       <p:ext uri="{BB962C8B-B14F-4D97-AF65-F5344CB8AC3E}">

--- a/Equation/Pictures.pptx
+++ b/Equation/Pictures.pptx
@@ -250,7 +250,7 @@
           <a:p>
             <a:fld id="{F00B919D-B4A1-482F-AA08-41F71413DB50}" type="datetimeFigureOut">
               <a:rPr lang="ko-KR" altLang="en-US" smtClean="0"/>
-              <a:t>2018-11-10</a:t>
+              <a:t>2018-11-14</a:t>
             </a:fld>
             <a:endParaRPr lang="ko-KR" altLang="en-US"/>
           </a:p>
@@ -420,7 +420,7 @@
           <a:p>
             <a:fld id="{F00B919D-B4A1-482F-AA08-41F71413DB50}" type="datetimeFigureOut">
               <a:rPr lang="ko-KR" altLang="en-US" smtClean="0"/>
-              <a:t>2018-11-10</a:t>
+              <a:t>2018-11-14</a:t>
             </a:fld>
             <a:endParaRPr lang="ko-KR" altLang="en-US"/>
           </a:p>
@@ -600,7 +600,7 @@
           <a:p>
             <a:fld id="{F00B919D-B4A1-482F-AA08-41F71413DB50}" type="datetimeFigureOut">
               <a:rPr lang="ko-KR" altLang="en-US" smtClean="0"/>
-              <a:t>2018-11-10</a:t>
+              <a:t>2018-11-14</a:t>
             </a:fld>
             <a:endParaRPr lang="ko-KR" altLang="en-US"/>
           </a:p>
@@ -770,7 +770,7 @@
           <a:p>
             <a:fld id="{F00B919D-B4A1-482F-AA08-41F71413DB50}" type="datetimeFigureOut">
               <a:rPr lang="ko-KR" altLang="en-US" smtClean="0"/>
-              <a:t>2018-11-10</a:t>
+              <a:t>2018-11-14</a:t>
             </a:fld>
             <a:endParaRPr lang="ko-KR" altLang="en-US"/>
           </a:p>
@@ -1016,7 +1016,7 @@
           <a:p>
             <a:fld id="{F00B919D-B4A1-482F-AA08-41F71413DB50}" type="datetimeFigureOut">
               <a:rPr lang="ko-KR" altLang="en-US" smtClean="0"/>
-              <a:t>2018-11-10</a:t>
+              <a:t>2018-11-14</a:t>
             </a:fld>
             <a:endParaRPr lang="ko-KR" altLang="en-US"/>
           </a:p>
@@ -1248,7 +1248,7 @@
           <a:p>
             <a:fld id="{F00B919D-B4A1-482F-AA08-41F71413DB50}" type="datetimeFigureOut">
               <a:rPr lang="ko-KR" altLang="en-US" smtClean="0"/>
-              <a:t>2018-11-10</a:t>
+              <a:t>2018-11-14</a:t>
             </a:fld>
             <a:endParaRPr lang="ko-KR" altLang="en-US"/>
           </a:p>
@@ -1615,7 +1615,7 @@
           <a:p>
             <a:fld id="{F00B919D-B4A1-482F-AA08-41F71413DB50}" type="datetimeFigureOut">
               <a:rPr lang="ko-KR" altLang="en-US" smtClean="0"/>
-              <a:t>2018-11-10</a:t>
+              <a:t>2018-11-14</a:t>
             </a:fld>
             <a:endParaRPr lang="ko-KR" altLang="en-US"/>
           </a:p>
@@ -1733,7 +1733,7 @@
           <a:p>
             <a:fld id="{F00B919D-B4A1-482F-AA08-41F71413DB50}" type="datetimeFigureOut">
               <a:rPr lang="ko-KR" altLang="en-US" smtClean="0"/>
-              <a:t>2018-11-10</a:t>
+              <a:t>2018-11-14</a:t>
             </a:fld>
             <a:endParaRPr lang="ko-KR" altLang="en-US"/>
           </a:p>
@@ -1828,7 +1828,7 @@
           <a:p>
             <a:fld id="{F00B919D-B4A1-482F-AA08-41F71413DB50}" type="datetimeFigureOut">
               <a:rPr lang="ko-KR" altLang="en-US" smtClean="0"/>
-              <a:t>2018-11-10</a:t>
+              <a:t>2018-11-14</a:t>
             </a:fld>
             <a:endParaRPr lang="ko-KR" altLang="en-US"/>
           </a:p>
@@ -2105,7 +2105,7 @@
           <a:p>
             <a:fld id="{F00B919D-B4A1-482F-AA08-41F71413DB50}" type="datetimeFigureOut">
               <a:rPr lang="ko-KR" altLang="en-US" smtClean="0"/>
-              <a:t>2018-11-10</a:t>
+              <a:t>2018-11-14</a:t>
             </a:fld>
             <a:endParaRPr lang="ko-KR" altLang="en-US"/>
           </a:p>
@@ -2358,7 +2358,7 @@
           <a:p>
             <a:fld id="{F00B919D-B4A1-482F-AA08-41F71413DB50}" type="datetimeFigureOut">
               <a:rPr lang="ko-KR" altLang="en-US" smtClean="0"/>
-              <a:t>2018-11-10</a:t>
+              <a:t>2018-11-14</a:t>
             </a:fld>
             <a:endParaRPr lang="ko-KR" altLang="en-US"/>
           </a:p>
@@ -2571,7 +2571,7 @@
           <a:p>
             <a:fld id="{F00B919D-B4A1-482F-AA08-41F71413DB50}" type="datetimeFigureOut">
               <a:rPr lang="ko-KR" altLang="en-US" smtClean="0"/>
-              <a:t>2018-11-10</a:t>
+              <a:t>2018-11-14</a:t>
             </a:fld>
             <a:endParaRPr lang="ko-KR" altLang="en-US"/>
           </a:p>
@@ -6117,16 +6117,13 @@
         <p:spPr>
           <a:xfrm>
             <a:off x="7681448" y="4143453"/>
-            <a:ext cx="1440000" cy="1800000"/>
+            <a:ext cx="720000" cy="900000"/>
           </a:xfrm>
           <a:prstGeom prst="rect">
             <a:avLst/>
           </a:prstGeom>
           <a:solidFill>
-            <a:schemeClr val="tx1">
-              <a:lumMod val="50000"/>
-              <a:lumOff val="50000"/>
-            </a:schemeClr>
+            <a:schemeClr val="tx1"/>
           </a:solidFill>
           <a:ln w="76200">
             <a:solidFill>

--- a/Equation/Pictures.pptx
+++ b/Equation/Pictures.pptx
@@ -8,11 +8,14 @@
     <p:sldId id="263" r:id="rId2"/>
     <p:sldId id="256" r:id="rId3"/>
     <p:sldId id="257" r:id="rId4"/>
-    <p:sldId id="258" r:id="rId5"/>
-    <p:sldId id="259" r:id="rId6"/>
-    <p:sldId id="260" r:id="rId7"/>
-    <p:sldId id="261" r:id="rId8"/>
-    <p:sldId id="262" r:id="rId9"/>
+    <p:sldId id="266" r:id="rId5"/>
+    <p:sldId id="258" r:id="rId6"/>
+    <p:sldId id="259" r:id="rId7"/>
+    <p:sldId id="260" r:id="rId8"/>
+    <p:sldId id="261" r:id="rId9"/>
+    <p:sldId id="264" r:id="rId10"/>
+    <p:sldId id="265" r:id="rId11"/>
+    <p:sldId id="262" r:id="rId12"/>
   </p:sldIdLst>
   <p:sldSz cx="12192000" cy="6858000"/>
   <p:notesSz cx="6858000" cy="9144000"/>
@@ -250,7 +253,7 @@
           <a:p>
             <a:fld id="{F00B919D-B4A1-482F-AA08-41F71413DB50}" type="datetimeFigureOut">
               <a:rPr lang="ko-KR" altLang="en-US" smtClean="0"/>
-              <a:t>2018-11-14</a:t>
+              <a:t>2018-12-07</a:t>
             </a:fld>
             <a:endParaRPr lang="ko-KR" altLang="en-US"/>
           </a:p>
@@ -420,7 +423,7 @@
           <a:p>
             <a:fld id="{F00B919D-B4A1-482F-AA08-41F71413DB50}" type="datetimeFigureOut">
               <a:rPr lang="ko-KR" altLang="en-US" smtClean="0"/>
-              <a:t>2018-11-14</a:t>
+              <a:t>2018-12-07</a:t>
             </a:fld>
             <a:endParaRPr lang="ko-KR" altLang="en-US"/>
           </a:p>
@@ -600,7 +603,7 @@
           <a:p>
             <a:fld id="{F00B919D-B4A1-482F-AA08-41F71413DB50}" type="datetimeFigureOut">
               <a:rPr lang="ko-KR" altLang="en-US" smtClean="0"/>
-              <a:t>2018-11-14</a:t>
+              <a:t>2018-12-07</a:t>
             </a:fld>
             <a:endParaRPr lang="ko-KR" altLang="en-US"/>
           </a:p>
@@ -770,7 +773,7 @@
           <a:p>
             <a:fld id="{F00B919D-B4A1-482F-AA08-41F71413DB50}" type="datetimeFigureOut">
               <a:rPr lang="ko-KR" altLang="en-US" smtClean="0"/>
-              <a:t>2018-11-14</a:t>
+              <a:t>2018-12-07</a:t>
             </a:fld>
             <a:endParaRPr lang="ko-KR" altLang="en-US"/>
           </a:p>
@@ -1016,7 +1019,7 @@
           <a:p>
             <a:fld id="{F00B919D-B4A1-482F-AA08-41F71413DB50}" type="datetimeFigureOut">
               <a:rPr lang="ko-KR" altLang="en-US" smtClean="0"/>
-              <a:t>2018-11-14</a:t>
+              <a:t>2018-12-07</a:t>
             </a:fld>
             <a:endParaRPr lang="ko-KR" altLang="en-US"/>
           </a:p>
@@ -1248,7 +1251,7 @@
           <a:p>
             <a:fld id="{F00B919D-B4A1-482F-AA08-41F71413DB50}" type="datetimeFigureOut">
               <a:rPr lang="ko-KR" altLang="en-US" smtClean="0"/>
-              <a:t>2018-11-14</a:t>
+              <a:t>2018-12-07</a:t>
             </a:fld>
             <a:endParaRPr lang="ko-KR" altLang="en-US"/>
           </a:p>
@@ -1615,7 +1618,7 @@
           <a:p>
             <a:fld id="{F00B919D-B4A1-482F-AA08-41F71413DB50}" type="datetimeFigureOut">
               <a:rPr lang="ko-KR" altLang="en-US" smtClean="0"/>
-              <a:t>2018-11-14</a:t>
+              <a:t>2018-12-07</a:t>
             </a:fld>
             <a:endParaRPr lang="ko-KR" altLang="en-US"/>
           </a:p>
@@ -1733,7 +1736,7 @@
           <a:p>
             <a:fld id="{F00B919D-B4A1-482F-AA08-41F71413DB50}" type="datetimeFigureOut">
               <a:rPr lang="ko-KR" altLang="en-US" smtClean="0"/>
-              <a:t>2018-11-14</a:t>
+              <a:t>2018-12-07</a:t>
             </a:fld>
             <a:endParaRPr lang="ko-KR" altLang="en-US"/>
           </a:p>
@@ -1828,7 +1831,7 @@
           <a:p>
             <a:fld id="{F00B919D-B4A1-482F-AA08-41F71413DB50}" type="datetimeFigureOut">
               <a:rPr lang="ko-KR" altLang="en-US" smtClean="0"/>
-              <a:t>2018-11-14</a:t>
+              <a:t>2018-12-07</a:t>
             </a:fld>
             <a:endParaRPr lang="ko-KR" altLang="en-US"/>
           </a:p>
@@ -2105,7 +2108,7 @@
           <a:p>
             <a:fld id="{F00B919D-B4A1-482F-AA08-41F71413DB50}" type="datetimeFigureOut">
               <a:rPr lang="ko-KR" altLang="en-US" smtClean="0"/>
-              <a:t>2018-11-14</a:t>
+              <a:t>2018-12-07</a:t>
             </a:fld>
             <a:endParaRPr lang="ko-KR" altLang="en-US"/>
           </a:p>
@@ -2358,7 +2361,7 @@
           <a:p>
             <a:fld id="{F00B919D-B4A1-482F-AA08-41F71413DB50}" type="datetimeFigureOut">
               <a:rPr lang="ko-KR" altLang="en-US" smtClean="0"/>
-              <a:t>2018-11-14</a:t>
+              <a:t>2018-12-07</a:t>
             </a:fld>
             <a:endParaRPr lang="ko-KR" altLang="en-US"/>
           </a:p>
@@ -2571,7 +2574,7 @@
           <a:p>
             <a:fld id="{F00B919D-B4A1-482F-AA08-41F71413DB50}" type="datetimeFigureOut">
               <a:rPr lang="ko-KR" altLang="en-US" smtClean="0"/>
-              <a:t>2018-11-14</a:t>
+              <a:t>2018-12-07</a:t>
             </a:fld>
             <a:endParaRPr lang="ko-KR" altLang="en-US"/>
           </a:p>
@@ -3283,6 +3286,472 @@
 </p:sld>
 </file>
 
+<file path=ppt/slides/slide10.xml><?xml version="1.0" encoding="utf-8"?>
+<p:sld xmlns:a="http://schemas.openxmlformats.org/drawingml/2006/main" xmlns:r="http://schemas.openxmlformats.org/officeDocument/2006/relationships" xmlns:p="http://schemas.openxmlformats.org/presentationml/2006/main">
+  <p:cSld>
+    <p:spTree>
+      <p:nvGrpSpPr>
+        <p:cNvPr id="1" name=""/>
+        <p:cNvGrpSpPr/>
+        <p:nvPr/>
+      </p:nvGrpSpPr>
+      <p:grpSpPr>
+        <a:xfrm>
+          <a:off x="0" y="0"/>
+          <a:ext cx="0" cy="0"/>
+          <a:chOff x="0" y="0"/>
+          <a:chExt cx="0" cy="0"/>
+        </a:xfrm>
+      </p:grpSpPr>
+      <p:pic>
+        <p:nvPicPr>
+          <p:cNvPr id="4" name="그림 3"/>
+          <p:cNvPicPr>
+            <a:picLocks noChangeAspect="1"/>
+          </p:cNvPicPr>
+          <p:nvPr/>
+        </p:nvPicPr>
+        <p:blipFill rotWithShape="1">
+          <a:blip r:embed="rId2">
+            <a:extLst>
+              <a:ext uri="{28A0092B-C50C-407E-A947-70E740481C1C}">
+                <a14:useLocalDpi xmlns:a14="http://schemas.microsoft.com/office/drawing/2010/main" val="0"/>
+              </a:ext>
+            </a:extLst>
+          </a:blip>
+          <a:srcRect l="9279" t="10175" r="9180" b="21996"/>
+          <a:stretch/>
+        </p:blipFill>
+        <p:spPr>
+          <a:xfrm>
+            <a:off x="4833257" y="2509935"/>
+            <a:ext cx="1819470" cy="1819470"/>
+          </a:xfrm>
+          <a:prstGeom prst="rect">
+            <a:avLst/>
+          </a:prstGeom>
+        </p:spPr>
+      </p:pic>
+      <p:pic>
+        <p:nvPicPr>
+          <p:cNvPr id="5" name="그림 4"/>
+          <p:cNvPicPr>
+            <a:picLocks noChangeAspect="1"/>
+          </p:cNvPicPr>
+          <p:nvPr/>
+        </p:nvPicPr>
+        <p:blipFill rotWithShape="1">
+          <a:blip r:embed="rId3">
+            <a:extLst>
+              <a:ext uri="{28A0092B-C50C-407E-A947-70E740481C1C}">
+                <a14:useLocalDpi xmlns:a14="http://schemas.microsoft.com/office/drawing/2010/main" val="0"/>
+              </a:ext>
+            </a:extLst>
+          </a:blip>
+          <a:srcRect l="9720" t="9683" r="8934" b="21793"/>
+          <a:stretch/>
+        </p:blipFill>
+        <p:spPr>
+          <a:xfrm>
+            <a:off x="83976" y="177282"/>
+            <a:ext cx="1810138" cy="1838130"/>
+          </a:xfrm>
+          <a:prstGeom prst="rect">
+            <a:avLst/>
+          </a:prstGeom>
+        </p:spPr>
+      </p:pic>
+      <p:pic>
+        <p:nvPicPr>
+          <p:cNvPr id="6" name="그림 5"/>
+          <p:cNvPicPr>
+            <a:picLocks noChangeAspect="1"/>
+          </p:cNvPicPr>
+          <p:nvPr/>
+        </p:nvPicPr>
+        <p:blipFill rotWithShape="1">
+          <a:blip r:embed="rId4">
+            <a:extLst>
+              <a:ext uri="{28A0092B-C50C-407E-A947-70E740481C1C}">
+                <a14:useLocalDpi xmlns:a14="http://schemas.microsoft.com/office/drawing/2010/main" val="0"/>
+              </a:ext>
+            </a:extLst>
+          </a:blip>
+          <a:srcRect l="9677" t="9683" r="8780" b="22141"/>
+          <a:stretch/>
+        </p:blipFill>
+        <p:spPr>
+          <a:xfrm>
+            <a:off x="2174033" y="177281"/>
+            <a:ext cx="1819469" cy="1828801"/>
+          </a:xfrm>
+          <a:prstGeom prst="rect">
+            <a:avLst/>
+          </a:prstGeom>
+        </p:spPr>
+      </p:pic>
+      <p:pic>
+        <p:nvPicPr>
+          <p:cNvPr id="7" name="그림 6"/>
+          <p:cNvPicPr>
+            <a:picLocks noChangeAspect="1"/>
+          </p:cNvPicPr>
+          <p:nvPr/>
+        </p:nvPicPr>
+        <p:blipFill rotWithShape="1">
+          <a:blip r:embed="rId5">
+            <a:extLst>
+              <a:ext uri="{28A0092B-C50C-407E-A947-70E740481C1C}">
+                <a14:useLocalDpi xmlns:a14="http://schemas.microsoft.com/office/drawing/2010/main" val="0"/>
+              </a:ext>
+            </a:extLst>
+          </a:blip>
+          <a:srcRect l="7682" t="10582" r="11193" b="21590"/>
+          <a:stretch/>
+        </p:blipFill>
+        <p:spPr>
+          <a:xfrm>
+            <a:off x="4152122" y="335902"/>
+            <a:ext cx="1810139" cy="1819469"/>
+          </a:xfrm>
+          <a:prstGeom prst="rect">
+            <a:avLst/>
+          </a:prstGeom>
+        </p:spPr>
+      </p:pic>
+      <p:pic>
+        <p:nvPicPr>
+          <p:cNvPr id="8" name="그림 7"/>
+          <p:cNvPicPr>
+            <a:picLocks noChangeAspect="1"/>
+          </p:cNvPicPr>
+          <p:nvPr/>
+        </p:nvPicPr>
+        <p:blipFill rotWithShape="1">
+          <a:blip r:embed="rId6">
+            <a:extLst>
+              <a:ext uri="{28A0092B-C50C-407E-A947-70E740481C1C}">
+                <a14:useLocalDpi xmlns:a14="http://schemas.microsoft.com/office/drawing/2010/main" val="0"/>
+              </a:ext>
+            </a:extLst>
+          </a:blip>
+          <a:srcRect l="9364" t="12146" r="8870" b="20373"/>
+          <a:stretch/>
+        </p:blipFill>
+        <p:spPr>
+          <a:xfrm>
+            <a:off x="6363478" y="335902"/>
+            <a:ext cx="1819469" cy="1810139"/>
+          </a:xfrm>
+          <a:prstGeom prst="rect">
+            <a:avLst/>
+          </a:prstGeom>
+        </p:spPr>
+      </p:pic>
+      <p:pic>
+        <p:nvPicPr>
+          <p:cNvPr id="9" name="그림 8"/>
+          <p:cNvPicPr>
+            <a:picLocks noChangeAspect="1"/>
+          </p:cNvPicPr>
+          <p:nvPr/>
+        </p:nvPicPr>
+        <p:blipFill rotWithShape="1">
+          <a:blip r:embed="rId7">
+            <a:extLst>
+              <a:ext uri="{28A0092B-C50C-407E-A947-70E740481C1C}">
+                <a14:useLocalDpi xmlns:a14="http://schemas.microsoft.com/office/drawing/2010/main" val="0"/>
+              </a:ext>
+            </a:extLst>
+          </a:blip>
+          <a:srcRect l="9504" t="10602" r="8537" b="21763"/>
+          <a:stretch/>
+        </p:blipFill>
+        <p:spPr>
+          <a:xfrm>
+            <a:off x="9274630" y="531845"/>
+            <a:ext cx="1828800" cy="1810140"/>
+          </a:xfrm>
+          <a:prstGeom prst="rect">
+            <a:avLst/>
+          </a:prstGeom>
+        </p:spPr>
+      </p:pic>
+      <p:pic>
+        <p:nvPicPr>
+          <p:cNvPr id="10" name="그림 9"/>
+          <p:cNvPicPr>
+            <a:picLocks noChangeAspect="1"/>
+          </p:cNvPicPr>
+          <p:nvPr/>
+        </p:nvPicPr>
+        <p:blipFill rotWithShape="1">
+          <a:blip r:embed="rId8">
+            <a:extLst>
+              <a:ext uri="{28A0092B-C50C-407E-A947-70E740481C1C}">
+                <a14:useLocalDpi xmlns:a14="http://schemas.microsoft.com/office/drawing/2010/main" val="0"/>
+              </a:ext>
+            </a:extLst>
+          </a:blip>
+          <a:srcRect l="8705" t="10491" r="8692" b="20830"/>
+          <a:stretch/>
+        </p:blipFill>
+        <p:spPr>
+          <a:xfrm>
+            <a:off x="447869" y="2472612"/>
+            <a:ext cx="1838131" cy="1838131"/>
+          </a:xfrm>
+          <a:prstGeom prst="rect">
+            <a:avLst/>
+          </a:prstGeom>
+        </p:spPr>
+      </p:pic>
+      <p:pic>
+        <p:nvPicPr>
+          <p:cNvPr id="11" name="그림 10"/>
+          <p:cNvPicPr>
+            <a:picLocks noChangeAspect="1"/>
+          </p:cNvPicPr>
+          <p:nvPr/>
+        </p:nvPicPr>
+        <p:blipFill rotWithShape="1">
+          <a:blip r:embed="rId9">
+            <a:extLst>
+              <a:ext uri="{28A0092B-C50C-407E-A947-70E740481C1C}">
+                <a14:useLocalDpi xmlns:a14="http://schemas.microsoft.com/office/drawing/2010/main" val="0"/>
+              </a:ext>
+            </a:extLst>
+          </a:blip>
+          <a:srcRect l="9116" t="10536" r="8924" b="21482"/>
+          <a:stretch/>
+        </p:blipFill>
+        <p:spPr>
+          <a:xfrm>
+            <a:off x="2565919" y="2677886"/>
+            <a:ext cx="1828800" cy="1819469"/>
+          </a:xfrm>
+          <a:prstGeom prst="rect">
+            <a:avLst/>
+          </a:prstGeom>
+        </p:spPr>
+      </p:pic>
+      <p:pic>
+        <p:nvPicPr>
+          <p:cNvPr id="12" name="그림 11"/>
+          <p:cNvPicPr>
+            <a:picLocks noChangeAspect="1"/>
+          </p:cNvPicPr>
+          <p:nvPr/>
+        </p:nvPicPr>
+        <p:blipFill rotWithShape="1">
+          <a:blip r:embed="rId10">
+            <a:extLst>
+              <a:ext uri="{28A0092B-C50C-407E-A947-70E740481C1C}">
+                <a14:useLocalDpi xmlns:a14="http://schemas.microsoft.com/office/drawing/2010/main" val="0"/>
+              </a:ext>
+            </a:extLst>
+          </a:blip>
+          <a:srcRect l="9851" t="9129" r="9024" b="23390"/>
+          <a:stretch/>
+        </p:blipFill>
+        <p:spPr>
+          <a:xfrm>
+            <a:off x="6895322" y="2416628"/>
+            <a:ext cx="1810139" cy="1810139"/>
+          </a:xfrm>
+          <a:prstGeom prst="rect">
+            <a:avLst/>
+          </a:prstGeom>
+        </p:spPr>
+      </p:pic>
+      <p:pic>
+        <p:nvPicPr>
+          <p:cNvPr id="13" name="그림 12"/>
+          <p:cNvPicPr>
+            <a:picLocks noChangeAspect="1"/>
+          </p:cNvPicPr>
+          <p:nvPr/>
+        </p:nvPicPr>
+        <p:blipFill rotWithShape="1">
+          <a:blip r:embed="rId11">
+            <a:extLst>
+              <a:ext uri="{28A0092B-C50C-407E-A947-70E740481C1C}">
+                <a14:useLocalDpi xmlns:a14="http://schemas.microsoft.com/office/drawing/2010/main" val="0"/>
+              </a:ext>
+            </a:extLst>
+          </a:blip>
+          <a:srcRect l="8947" t="8687" r="9511" b="22632"/>
+          <a:stretch/>
+        </p:blipFill>
+        <p:spPr>
+          <a:xfrm>
+            <a:off x="9321282" y="2743200"/>
+            <a:ext cx="1819469" cy="1838132"/>
+          </a:xfrm>
+          <a:prstGeom prst="rect">
+            <a:avLst/>
+          </a:prstGeom>
+        </p:spPr>
+      </p:pic>
+      <p:pic>
+        <p:nvPicPr>
+          <p:cNvPr id="14" name="그림 13"/>
+          <p:cNvPicPr>
+            <a:picLocks noChangeAspect="1"/>
+          </p:cNvPicPr>
+          <p:nvPr/>
+        </p:nvPicPr>
+        <p:blipFill rotWithShape="1">
+          <a:blip r:embed="rId12">
+            <a:extLst>
+              <a:ext uri="{28A0092B-C50C-407E-A947-70E740481C1C}">
+                <a14:useLocalDpi xmlns:a14="http://schemas.microsoft.com/office/drawing/2010/main" val="0"/>
+              </a:ext>
+            </a:extLst>
+          </a:blip>
+          <a:srcRect l="11950" t="12522" r="12104" b="19998"/>
+          <a:stretch/>
+        </p:blipFill>
+        <p:spPr>
+          <a:xfrm>
+            <a:off x="8472196" y="4646645"/>
+            <a:ext cx="1838132" cy="1810139"/>
+          </a:xfrm>
+          <a:prstGeom prst="rect">
+            <a:avLst/>
+          </a:prstGeom>
+        </p:spPr>
+      </p:pic>
+      <p:pic>
+        <p:nvPicPr>
+          <p:cNvPr id="15" name="그림 14"/>
+          <p:cNvPicPr>
+            <a:picLocks noChangeAspect="1"/>
+          </p:cNvPicPr>
+          <p:nvPr/>
+        </p:nvPicPr>
+        <p:blipFill rotWithShape="1">
+          <a:blip r:embed="rId13">
+            <a:extLst>
+              <a:ext uri="{28A0092B-C50C-407E-A947-70E740481C1C}">
+                <a14:useLocalDpi xmlns:a14="http://schemas.microsoft.com/office/drawing/2010/main" val="0"/>
+              </a:ext>
+            </a:extLst>
+          </a:blip>
+          <a:srcRect l="4896" t="14237" r="5826" b="17780"/>
+          <a:stretch/>
+        </p:blipFill>
+        <p:spPr>
+          <a:xfrm>
+            <a:off x="3219060" y="4562668"/>
+            <a:ext cx="1828801" cy="1819471"/>
+          </a:xfrm>
+          <a:prstGeom prst="rect">
+            <a:avLst/>
+          </a:prstGeom>
+        </p:spPr>
+      </p:pic>
+      <p:pic>
+        <p:nvPicPr>
+          <p:cNvPr id="16" name="그림 15"/>
+          <p:cNvPicPr>
+            <a:picLocks noChangeAspect="1"/>
+          </p:cNvPicPr>
+          <p:nvPr/>
+        </p:nvPicPr>
+        <p:blipFill rotWithShape="1">
+          <a:blip r:embed="rId14">
+            <a:extLst>
+              <a:ext uri="{28A0092B-C50C-407E-A947-70E740481C1C}">
+                <a14:useLocalDpi xmlns:a14="http://schemas.microsoft.com/office/drawing/2010/main" val="0"/>
+              </a:ext>
+            </a:extLst>
+          </a:blip>
+          <a:srcRect l="7633" t="14266" r="7487" b="18101"/>
+          <a:stretch/>
+        </p:blipFill>
+        <p:spPr>
+          <a:xfrm>
+            <a:off x="6027577" y="4637314"/>
+            <a:ext cx="1800807" cy="1810139"/>
+          </a:xfrm>
+          <a:prstGeom prst="rect">
+            <a:avLst/>
+          </a:prstGeom>
+        </p:spPr>
+      </p:pic>
+      <p:pic>
+        <p:nvPicPr>
+          <p:cNvPr id="17" name="그림 16"/>
+          <p:cNvPicPr>
+            <a:picLocks noChangeAspect="1"/>
+          </p:cNvPicPr>
+          <p:nvPr/>
+        </p:nvPicPr>
+        <p:blipFill rotWithShape="1">
+          <a:blip r:embed="rId15">
+            <a:extLst>
+              <a:ext uri="{28A0092B-C50C-407E-A947-70E740481C1C}">
+                <a14:useLocalDpi xmlns:a14="http://schemas.microsoft.com/office/drawing/2010/main" val="0"/>
+              </a:ext>
+            </a:extLst>
+          </a:blip>
+          <a:srcRect l="12722" t="12955" r="12489" b="19565"/>
+          <a:stretch/>
+        </p:blipFill>
+        <p:spPr>
+          <a:xfrm>
+            <a:off x="307910" y="4758612"/>
+            <a:ext cx="1810139" cy="1810139"/>
+          </a:xfrm>
+          <a:prstGeom prst="rect">
+            <a:avLst/>
+          </a:prstGeom>
+        </p:spPr>
+      </p:pic>
+    </p:spTree>
+    <p:extLst>
+      <p:ext uri="{BB962C8B-B14F-4D97-AF65-F5344CB8AC3E}">
+        <p14:creationId xmlns:p14="http://schemas.microsoft.com/office/powerpoint/2010/main" val="1187032141"/>
+      </p:ext>
+    </p:extLst>
+  </p:cSld>
+  <p:clrMapOvr>
+    <a:masterClrMapping/>
+  </p:clrMapOvr>
+</p:sld>
+</file>
+
+<file path=ppt/slides/slide11.xml><?xml version="1.0" encoding="utf-8"?>
+<p:sld xmlns:a="http://schemas.openxmlformats.org/drawingml/2006/main" xmlns:r="http://schemas.openxmlformats.org/officeDocument/2006/relationships" xmlns:p="http://schemas.openxmlformats.org/presentationml/2006/main">
+  <p:cSld>
+    <p:spTree>
+      <p:nvGrpSpPr>
+        <p:cNvPr id="1" name=""/>
+        <p:cNvGrpSpPr/>
+        <p:nvPr/>
+      </p:nvGrpSpPr>
+      <p:grpSpPr>
+        <a:xfrm>
+          <a:off x="0" y="0"/>
+          <a:ext cx="0" cy="0"/>
+          <a:chOff x="0" y="0"/>
+          <a:chExt cx="0" cy="0"/>
+        </a:xfrm>
+      </p:grpSpPr>
+    </p:spTree>
+    <p:extLst>
+      <p:ext uri="{BB962C8B-B14F-4D97-AF65-F5344CB8AC3E}">
+        <p14:creationId xmlns:p14="http://schemas.microsoft.com/office/powerpoint/2010/main" val="2871182505"/>
+      </p:ext>
+    </p:extLst>
+  </p:cSld>
+  <p:clrMapOvr>
+    <a:masterClrMapping/>
+  </p:clrMapOvr>
+</p:sld>
+</file>
+
 <file path=ppt/slides/slide2.xml><?xml version="1.0" encoding="utf-8"?>
 <p:sld xmlns:a="http://schemas.openxmlformats.org/drawingml/2006/main" xmlns:r="http://schemas.openxmlformats.org/officeDocument/2006/relationships" xmlns:p="http://schemas.openxmlformats.org/presentationml/2006/main">
   <p:cSld>
@@ -4904,6 +5373,791 @@
           <a:chExt cx="0" cy="0"/>
         </a:xfrm>
       </p:grpSpPr>
+      <p:sp>
+        <p:nvSpPr>
+          <p:cNvPr id="17" name="직사각형 16"/>
+          <p:cNvSpPr/>
+          <p:nvPr/>
+        </p:nvSpPr>
+        <p:spPr>
+          <a:xfrm>
+            <a:off x="195943" y="0"/>
+            <a:ext cx="11996057" cy="6764694"/>
+          </a:xfrm>
+          <a:prstGeom prst="rect">
+            <a:avLst/>
+          </a:prstGeom>
+          <a:solidFill>
+            <a:schemeClr val="tx1"/>
+          </a:solidFill>
+        </p:spPr>
+        <p:style>
+          <a:lnRef idx="2">
+            <a:schemeClr val="accent1">
+              <a:shade val="50000"/>
+            </a:schemeClr>
+          </a:lnRef>
+          <a:fillRef idx="1">
+            <a:schemeClr val="accent1"/>
+          </a:fillRef>
+          <a:effectRef idx="0">
+            <a:schemeClr val="accent1"/>
+          </a:effectRef>
+          <a:fontRef idx="minor">
+            <a:schemeClr val="lt1"/>
+          </a:fontRef>
+        </p:style>
+        <p:txBody>
+          <a:bodyPr rtlCol="0" anchor="ctr"/>
+          <a:lstStyle/>
+          <a:p>
+            <a:pPr algn="ctr"/>
+            <a:endParaRPr lang="ko-KR" altLang="en-US"/>
+          </a:p>
+        </p:txBody>
+      </p:sp>
+      <p:sp>
+        <p:nvSpPr>
+          <p:cNvPr id="2" name="TextBox 1"/>
+          <p:cNvSpPr txBox="1"/>
+          <p:nvPr/>
+        </p:nvSpPr>
+        <p:spPr>
+          <a:xfrm>
+            <a:off x="5225225" y="490412"/>
+            <a:ext cx="928459" cy="1631216"/>
+          </a:xfrm>
+          <a:prstGeom prst="rect">
+            <a:avLst/>
+          </a:prstGeom>
+          <a:noFill/>
+        </p:spPr>
+        <p:txBody>
+          <a:bodyPr wrap="none" rtlCol="0">
+            <a:spAutoFit/>
+          </a:bodyPr>
+          <a:lstStyle/>
+          <a:p>
+            <a:r>
+              <a:rPr lang="en-US" altLang="ko-KR" sz="10000" b="1" dirty="0" smtClean="0">
+                <a:solidFill>
+                  <a:schemeClr val="bg1"/>
+                </a:solidFill>
+              </a:rPr>
+              <a:t>4</a:t>
+            </a:r>
+            <a:endParaRPr lang="ko-KR" altLang="en-US" sz="10000" b="1" dirty="0">
+              <a:solidFill>
+                <a:schemeClr val="bg1"/>
+              </a:solidFill>
+            </a:endParaRPr>
+          </a:p>
+        </p:txBody>
+      </p:sp>
+      <p:sp>
+        <p:nvSpPr>
+          <p:cNvPr id="3" name="TextBox 2"/>
+          <p:cNvSpPr txBox="1"/>
+          <p:nvPr/>
+        </p:nvSpPr>
+        <p:spPr>
+          <a:xfrm>
+            <a:off x="4033576" y="606939"/>
+            <a:ext cx="928459" cy="1631216"/>
+          </a:xfrm>
+          <a:prstGeom prst="rect">
+            <a:avLst/>
+          </a:prstGeom>
+          <a:noFill/>
+        </p:spPr>
+        <p:txBody>
+          <a:bodyPr wrap="none" rtlCol="0">
+            <a:spAutoFit/>
+          </a:bodyPr>
+          <a:lstStyle/>
+          <a:p>
+            <a:r>
+              <a:rPr lang="en-US" altLang="ko-KR" sz="10000" b="1" dirty="0" smtClean="0">
+                <a:solidFill>
+                  <a:schemeClr val="bg1"/>
+                </a:solidFill>
+              </a:rPr>
+              <a:t>3</a:t>
+            </a:r>
+            <a:endParaRPr lang="ko-KR" altLang="en-US" sz="10000" b="1" dirty="0">
+              <a:solidFill>
+                <a:schemeClr val="bg1"/>
+              </a:solidFill>
+            </a:endParaRPr>
+          </a:p>
+        </p:txBody>
+      </p:sp>
+      <p:sp>
+        <p:nvSpPr>
+          <p:cNvPr id="4" name="TextBox 3"/>
+          <p:cNvSpPr txBox="1"/>
+          <p:nvPr/>
+        </p:nvSpPr>
+        <p:spPr>
+          <a:xfrm>
+            <a:off x="1650277" y="575079"/>
+            <a:ext cx="928459" cy="1631216"/>
+          </a:xfrm>
+          <a:prstGeom prst="rect">
+            <a:avLst/>
+          </a:prstGeom>
+          <a:noFill/>
+        </p:spPr>
+        <p:txBody>
+          <a:bodyPr wrap="none" rtlCol="0">
+            <a:spAutoFit/>
+          </a:bodyPr>
+          <a:lstStyle/>
+          <a:p>
+            <a:r>
+              <a:rPr lang="en-US" altLang="ko-KR" sz="10000" b="1" dirty="0" smtClean="0">
+                <a:solidFill>
+                  <a:schemeClr val="bg1"/>
+                </a:solidFill>
+              </a:rPr>
+              <a:t>1</a:t>
+            </a:r>
+            <a:endParaRPr lang="ko-KR" altLang="en-US" sz="10000" b="1" dirty="0">
+              <a:solidFill>
+                <a:schemeClr val="bg1"/>
+              </a:solidFill>
+            </a:endParaRPr>
+          </a:p>
+        </p:txBody>
+      </p:sp>
+      <p:sp>
+        <p:nvSpPr>
+          <p:cNvPr id="5" name="TextBox 4"/>
+          <p:cNvSpPr txBox="1"/>
+          <p:nvPr/>
+        </p:nvSpPr>
+        <p:spPr>
+          <a:xfrm>
+            <a:off x="7482007" y="498224"/>
+            <a:ext cx="928459" cy="1631216"/>
+          </a:xfrm>
+          <a:prstGeom prst="rect">
+            <a:avLst/>
+          </a:prstGeom>
+          <a:noFill/>
+        </p:spPr>
+        <p:txBody>
+          <a:bodyPr wrap="none" rtlCol="0">
+            <a:spAutoFit/>
+          </a:bodyPr>
+          <a:lstStyle/>
+          <a:p>
+            <a:r>
+              <a:rPr lang="en-US" altLang="ko-KR" sz="10000" b="1" dirty="0" smtClean="0">
+                <a:solidFill>
+                  <a:schemeClr val="bg1"/>
+                </a:solidFill>
+              </a:rPr>
+              <a:t>6</a:t>
+            </a:r>
+            <a:endParaRPr lang="ko-KR" altLang="en-US" sz="10000" b="1" dirty="0">
+              <a:solidFill>
+                <a:schemeClr val="bg1"/>
+              </a:solidFill>
+            </a:endParaRPr>
+          </a:p>
+        </p:txBody>
+      </p:sp>
+      <p:sp>
+        <p:nvSpPr>
+          <p:cNvPr id="6" name="TextBox 5"/>
+          <p:cNvSpPr txBox="1"/>
+          <p:nvPr/>
+        </p:nvSpPr>
+        <p:spPr>
+          <a:xfrm>
+            <a:off x="2863321" y="596319"/>
+            <a:ext cx="928459" cy="1631216"/>
+          </a:xfrm>
+          <a:prstGeom prst="rect">
+            <a:avLst/>
+          </a:prstGeom>
+          <a:noFill/>
+        </p:spPr>
+        <p:txBody>
+          <a:bodyPr wrap="none" rtlCol="0">
+            <a:spAutoFit/>
+          </a:bodyPr>
+          <a:lstStyle/>
+          <a:p>
+            <a:r>
+              <a:rPr lang="en-US" altLang="ko-KR" sz="10000" b="1" dirty="0" smtClean="0">
+                <a:solidFill>
+                  <a:schemeClr val="bg1"/>
+                </a:solidFill>
+              </a:rPr>
+              <a:t>2</a:t>
+            </a:r>
+            <a:endParaRPr lang="ko-KR" altLang="en-US" sz="10000" b="1" dirty="0">
+              <a:solidFill>
+                <a:schemeClr val="bg1"/>
+              </a:solidFill>
+            </a:endParaRPr>
+          </a:p>
+        </p:txBody>
+      </p:sp>
+      <p:sp>
+        <p:nvSpPr>
+          <p:cNvPr id="7" name="TextBox 6"/>
+          <p:cNvSpPr txBox="1"/>
+          <p:nvPr/>
+        </p:nvSpPr>
+        <p:spPr>
+          <a:xfrm>
+            <a:off x="10993085" y="606939"/>
+            <a:ext cx="928459" cy="1631216"/>
+          </a:xfrm>
+          <a:prstGeom prst="rect">
+            <a:avLst/>
+          </a:prstGeom>
+          <a:noFill/>
+        </p:spPr>
+        <p:txBody>
+          <a:bodyPr wrap="none" rtlCol="0">
+            <a:spAutoFit/>
+          </a:bodyPr>
+          <a:lstStyle/>
+          <a:p>
+            <a:r>
+              <a:rPr lang="en-US" altLang="ko-KR" sz="10000" b="1" dirty="0" smtClean="0">
+                <a:solidFill>
+                  <a:schemeClr val="bg1"/>
+                </a:solidFill>
+              </a:rPr>
+              <a:t>9</a:t>
+            </a:r>
+            <a:endParaRPr lang="ko-KR" altLang="en-US" sz="10000" b="1" dirty="0">
+              <a:solidFill>
+                <a:schemeClr val="bg1"/>
+              </a:solidFill>
+            </a:endParaRPr>
+          </a:p>
+        </p:txBody>
+      </p:sp>
+      <p:sp>
+        <p:nvSpPr>
+          <p:cNvPr id="8" name="TextBox 7"/>
+          <p:cNvSpPr txBox="1"/>
+          <p:nvPr/>
+        </p:nvSpPr>
+        <p:spPr>
+          <a:xfrm>
+            <a:off x="6395480" y="498224"/>
+            <a:ext cx="928459" cy="1631216"/>
+          </a:xfrm>
+          <a:prstGeom prst="rect">
+            <a:avLst/>
+          </a:prstGeom>
+          <a:noFill/>
+        </p:spPr>
+        <p:txBody>
+          <a:bodyPr wrap="none" rtlCol="0">
+            <a:spAutoFit/>
+          </a:bodyPr>
+          <a:lstStyle/>
+          <a:p>
+            <a:r>
+              <a:rPr lang="en-US" altLang="ko-KR" sz="10000" b="1" dirty="0" smtClean="0">
+                <a:solidFill>
+                  <a:schemeClr val="bg1"/>
+                </a:solidFill>
+              </a:rPr>
+              <a:t>5</a:t>
+            </a:r>
+            <a:endParaRPr lang="ko-KR" altLang="en-US" sz="10000" b="1" dirty="0">
+              <a:solidFill>
+                <a:schemeClr val="bg1"/>
+              </a:solidFill>
+            </a:endParaRPr>
+          </a:p>
+        </p:txBody>
+      </p:sp>
+      <p:sp>
+        <p:nvSpPr>
+          <p:cNvPr id="9" name="TextBox 8"/>
+          <p:cNvSpPr txBox="1"/>
+          <p:nvPr/>
+        </p:nvSpPr>
+        <p:spPr>
+          <a:xfrm>
+            <a:off x="9787851" y="606939"/>
+            <a:ext cx="928459" cy="1631216"/>
+          </a:xfrm>
+          <a:prstGeom prst="rect">
+            <a:avLst/>
+          </a:prstGeom>
+          <a:noFill/>
+        </p:spPr>
+        <p:txBody>
+          <a:bodyPr wrap="none" rtlCol="0">
+            <a:spAutoFit/>
+          </a:bodyPr>
+          <a:lstStyle/>
+          <a:p>
+            <a:r>
+              <a:rPr lang="en-US" altLang="ko-KR" sz="10000" b="1" dirty="0" smtClean="0">
+                <a:solidFill>
+                  <a:schemeClr val="bg1"/>
+                </a:solidFill>
+              </a:rPr>
+              <a:t>8</a:t>
+            </a:r>
+            <a:endParaRPr lang="ko-KR" altLang="en-US" sz="10000" b="1" dirty="0">
+              <a:solidFill>
+                <a:schemeClr val="bg1"/>
+              </a:solidFill>
+            </a:endParaRPr>
+          </a:p>
+        </p:txBody>
+      </p:sp>
+      <p:sp>
+        <p:nvSpPr>
+          <p:cNvPr id="10" name="TextBox 9"/>
+          <p:cNvSpPr txBox="1"/>
+          <p:nvPr/>
+        </p:nvSpPr>
+        <p:spPr>
+          <a:xfrm>
+            <a:off x="8701324" y="606939"/>
+            <a:ext cx="928459" cy="1631216"/>
+          </a:xfrm>
+          <a:prstGeom prst="rect">
+            <a:avLst/>
+          </a:prstGeom>
+          <a:noFill/>
+        </p:spPr>
+        <p:txBody>
+          <a:bodyPr wrap="none" rtlCol="0">
+            <a:spAutoFit/>
+          </a:bodyPr>
+          <a:lstStyle/>
+          <a:p>
+            <a:r>
+              <a:rPr lang="en-US" altLang="ko-KR" sz="10000" b="1" dirty="0" smtClean="0">
+                <a:solidFill>
+                  <a:schemeClr val="bg1"/>
+                </a:solidFill>
+              </a:rPr>
+              <a:t>7</a:t>
+            </a:r>
+            <a:endParaRPr lang="ko-KR" altLang="en-US" sz="10000" b="1" dirty="0">
+              <a:solidFill>
+                <a:schemeClr val="bg1"/>
+              </a:solidFill>
+            </a:endParaRPr>
+          </a:p>
+        </p:txBody>
+      </p:sp>
+      <p:sp>
+        <p:nvSpPr>
+          <p:cNvPr id="11" name="TextBox 10"/>
+          <p:cNvSpPr txBox="1"/>
+          <p:nvPr/>
+        </p:nvSpPr>
+        <p:spPr>
+          <a:xfrm>
+            <a:off x="625738" y="575079"/>
+            <a:ext cx="928459" cy="1631216"/>
+          </a:xfrm>
+          <a:prstGeom prst="rect">
+            <a:avLst/>
+          </a:prstGeom>
+          <a:noFill/>
+        </p:spPr>
+        <p:txBody>
+          <a:bodyPr wrap="none" rtlCol="0">
+            <a:spAutoFit/>
+          </a:bodyPr>
+          <a:lstStyle/>
+          <a:p>
+            <a:r>
+              <a:rPr lang="en-US" altLang="ko-KR" sz="10000" b="1" dirty="0">
+                <a:solidFill>
+                  <a:schemeClr val="bg1"/>
+                </a:solidFill>
+              </a:rPr>
+              <a:t>0</a:t>
+            </a:r>
+            <a:endParaRPr lang="ko-KR" altLang="en-US" sz="10000" b="1" dirty="0">
+              <a:solidFill>
+                <a:schemeClr val="bg1"/>
+              </a:solidFill>
+            </a:endParaRPr>
+          </a:p>
+        </p:txBody>
+      </p:sp>
+      <p:sp>
+        <p:nvSpPr>
+          <p:cNvPr id="12" name="TextBox 11"/>
+          <p:cNvSpPr txBox="1"/>
+          <p:nvPr/>
+        </p:nvSpPr>
+        <p:spPr>
+          <a:xfrm>
+            <a:off x="625738" y="2455333"/>
+            <a:ext cx="875561" cy="1631216"/>
+          </a:xfrm>
+          <a:prstGeom prst="rect">
+            <a:avLst/>
+          </a:prstGeom>
+          <a:noFill/>
+        </p:spPr>
+        <p:txBody>
+          <a:bodyPr wrap="none" rtlCol="0">
+            <a:spAutoFit/>
+          </a:bodyPr>
+          <a:lstStyle/>
+          <a:p>
+            <a:r>
+              <a:rPr lang="en-US" altLang="ko-KR" sz="10000" b="1" dirty="0" smtClean="0">
+                <a:solidFill>
+                  <a:schemeClr val="bg1"/>
+                </a:solidFill>
+              </a:rPr>
+              <a:t>x</a:t>
+            </a:r>
+            <a:endParaRPr lang="ko-KR" altLang="en-US" sz="10000" b="1" dirty="0">
+              <a:solidFill>
+                <a:schemeClr val="bg1"/>
+              </a:solidFill>
+            </a:endParaRPr>
+          </a:p>
+        </p:txBody>
+      </p:sp>
+      <p:sp>
+        <p:nvSpPr>
+          <p:cNvPr id="13" name="TextBox 12"/>
+          <p:cNvSpPr txBox="1"/>
+          <p:nvPr/>
+        </p:nvSpPr>
+        <p:spPr>
+          <a:xfrm>
+            <a:off x="2319071" y="2540000"/>
+            <a:ext cx="1106393" cy="1631216"/>
+          </a:xfrm>
+          <a:prstGeom prst="rect">
+            <a:avLst/>
+          </a:prstGeom>
+          <a:noFill/>
+        </p:spPr>
+        <p:txBody>
+          <a:bodyPr wrap="none" rtlCol="0">
+            <a:spAutoFit/>
+          </a:bodyPr>
+          <a:lstStyle/>
+          <a:p>
+            <a:r>
+              <a:rPr lang="en-US" altLang="ko-KR" sz="10000" b="1" dirty="0" smtClean="0">
+                <a:solidFill>
+                  <a:schemeClr val="bg1"/>
+                </a:solidFill>
+              </a:rPr>
+              <a:t>+</a:t>
+            </a:r>
+            <a:endParaRPr lang="ko-KR" altLang="en-US" sz="10000" b="1" dirty="0">
+              <a:solidFill>
+                <a:schemeClr val="bg1"/>
+              </a:solidFill>
+            </a:endParaRPr>
+          </a:p>
+        </p:txBody>
+      </p:sp>
+      <p:sp>
+        <p:nvSpPr>
+          <p:cNvPr id="14" name="TextBox 13"/>
+          <p:cNvSpPr txBox="1"/>
+          <p:nvPr/>
+        </p:nvSpPr>
+        <p:spPr>
+          <a:xfrm>
+            <a:off x="3527976" y="2548467"/>
+            <a:ext cx="715260" cy="1631216"/>
+          </a:xfrm>
+          <a:prstGeom prst="rect">
+            <a:avLst/>
+          </a:prstGeom>
+          <a:noFill/>
+        </p:spPr>
+        <p:txBody>
+          <a:bodyPr wrap="none" rtlCol="0">
+            <a:spAutoFit/>
+          </a:bodyPr>
+          <a:lstStyle/>
+          <a:p>
+            <a:r>
+              <a:rPr lang="en-US" altLang="ko-KR" sz="10000" b="1" dirty="0" smtClean="0">
+                <a:solidFill>
+                  <a:schemeClr val="bg1"/>
+                </a:solidFill>
+              </a:rPr>
+              <a:t>-</a:t>
+            </a:r>
+            <a:endParaRPr lang="ko-KR" altLang="en-US" sz="10000" b="1" dirty="0">
+              <a:solidFill>
+                <a:schemeClr val="bg1"/>
+              </a:solidFill>
+            </a:endParaRPr>
+          </a:p>
+        </p:txBody>
+      </p:sp>
+      <p:sp>
+        <p:nvSpPr>
+          <p:cNvPr id="15" name="TextBox 14"/>
+          <p:cNvSpPr txBox="1"/>
+          <p:nvPr/>
+        </p:nvSpPr>
+        <p:spPr>
+          <a:xfrm>
+            <a:off x="4335699" y="2548467"/>
+            <a:ext cx="1106393" cy="1631216"/>
+          </a:xfrm>
+          <a:prstGeom prst="rect">
+            <a:avLst/>
+          </a:prstGeom>
+          <a:noFill/>
+        </p:spPr>
+        <p:txBody>
+          <a:bodyPr wrap="none" rtlCol="0">
+            <a:spAutoFit/>
+          </a:bodyPr>
+          <a:lstStyle/>
+          <a:p>
+            <a:r>
+              <a:rPr lang="en-US" altLang="ko-KR" sz="10000" b="1" dirty="0" smtClean="0">
+                <a:solidFill>
+                  <a:schemeClr val="bg1"/>
+                </a:solidFill>
+              </a:rPr>
+              <a:t>=</a:t>
+            </a:r>
+            <a:endParaRPr lang="ko-KR" altLang="en-US" sz="10000" b="1" dirty="0">
+              <a:solidFill>
+                <a:schemeClr val="bg1"/>
+              </a:solidFill>
+            </a:endParaRPr>
+          </a:p>
+        </p:txBody>
+      </p:sp>
+      <p:sp>
+        <p:nvSpPr>
+          <p:cNvPr id="16" name="TextBox 15"/>
+          <p:cNvSpPr txBox="1"/>
+          <p:nvPr/>
+        </p:nvSpPr>
+        <p:spPr>
+          <a:xfrm>
+            <a:off x="6037631" y="2634211"/>
+            <a:ext cx="1106393" cy="1631216"/>
+          </a:xfrm>
+          <a:prstGeom prst="rect">
+            <a:avLst/>
+          </a:prstGeom>
+          <a:noFill/>
+        </p:spPr>
+        <p:txBody>
+          <a:bodyPr wrap="none" rtlCol="0">
+            <a:spAutoFit/>
+          </a:bodyPr>
+          <a:lstStyle/>
+          <a:p>
+            <a:r>
+              <a:rPr lang="en-US" altLang="ko-KR" sz="10000" b="1" dirty="0" smtClean="0">
+                <a:solidFill>
+                  <a:schemeClr val="bg1"/>
+                </a:solidFill>
+              </a:rPr>
+              <a:t>÷</a:t>
+            </a:r>
+            <a:endParaRPr lang="ko-KR" altLang="en-US" sz="10000" b="1" dirty="0">
+              <a:solidFill>
+                <a:schemeClr val="bg1"/>
+              </a:solidFill>
+            </a:endParaRPr>
+          </a:p>
+        </p:txBody>
+      </p:sp>
+      <p:sp>
+        <p:nvSpPr>
+          <p:cNvPr id="18" name="직사각형 17"/>
+          <p:cNvSpPr/>
+          <p:nvPr/>
+        </p:nvSpPr>
+        <p:spPr>
+          <a:xfrm>
+            <a:off x="9061159" y="2988733"/>
+            <a:ext cx="912574" cy="127000"/>
+          </a:xfrm>
+          <a:prstGeom prst="rect">
+            <a:avLst/>
+          </a:prstGeom>
+          <a:solidFill>
+            <a:schemeClr val="bg1"/>
+          </a:solidFill>
+          <a:ln>
+            <a:solidFill>
+              <a:schemeClr val="tx1"/>
+            </a:solidFill>
+          </a:ln>
+        </p:spPr>
+        <p:style>
+          <a:lnRef idx="2">
+            <a:schemeClr val="accent1">
+              <a:shade val="50000"/>
+            </a:schemeClr>
+          </a:lnRef>
+          <a:fillRef idx="1">
+            <a:schemeClr val="accent1"/>
+          </a:fillRef>
+          <a:effectRef idx="0">
+            <a:schemeClr val="accent1"/>
+          </a:effectRef>
+          <a:fontRef idx="minor">
+            <a:schemeClr val="lt1"/>
+          </a:fontRef>
+        </p:style>
+        <p:txBody>
+          <a:bodyPr rtlCol="0" anchor="ctr"/>
+          <a:lstStyle/>
+          <a:p>
+            <a:pPr algn="ctr"/>
+            <a:endParaRPr lang="ko-KR" altLang="en-US"/>
+          </a:p>
+        </p:txBody>
+      </p:sp>
+      <p:sp>
+        <p:nvSpPr>
+          <p:cNvPr id="19" name="직사각형 18"/>
+          <p:cNvSpPr/>
+          <p:nvPr/>
+        </p:nvSpPr>
+        <p:spPr>
+          <a:xfrm>
+            <a:off x="1862783" y="5340954"/>
+            <a:ext cx="9748191" cy="145445"/>
+          </a:xfrm>
+          <a:prstGeom prst="rect">
+            <a:avLst/>
+          </a:prstGeom>
+          <a:solidFill>
+            <a:schemeClr val="bg1"/>
+          </a:solidFill>
+          <a:ln>
+            <a:noFill/>
+          </a:ln>
+        </p:spPr>
+        <p:style>
+          <a:lnRef idx="2">
+            <a:schemeClr val="accent1">
+              <a:shade val="50000"/>
+            </a:schemeClr>
+          </a:lnRef>
+          <a:fillRef idx="1">
+            <a:schemeClr val="accent1"/>
+          </a:fillRef>
+          <a:effectRef idx="0">
+            <a:schemeClr val="accent1"/>
+          </a:effectRef>
+          <a:fontRef idx="minor">
+            <a:schemeClr val="lt1"/>
+          </a:fontRef>
+        </p:style>
+        <p:txBody>
+          <a:bodyPr rtlCol="0" anchor="ctr"/>
+          <a:lstStyle/>
+          <a:p>
+            <a:pPr algn="ctr"/>
+            <a:endParaRPr lang="ko-KR" altLang="en-US"/>
+          </a:p>
+        </p:txBody>
+      </p:sp>
+      <p:sp>
+        <p:nvSpPr>
+          <p:cNvPr id="20" name="모서리가 둥근 직사각형 19"/>
+          <p:cNvSpPr/>
+          <p:nvPr/>
+        </p:nvSpPr>
+        <p:spPr>
+          <a:xfrm>
+            <a:off x="1190625" y="4500615"/>
+            <a:ext cx="9748800" cy="144000"/>
+          </a:xfrm>
+          <a:prstGeom prst="roundRect">
+            <a:avLst>
+              <a:gd name="adj" fmla="val 50000"/>
+            </a:avLst>
+          </a:prstGeom>
+          <a:solidFill>
+            <a:schemeClr val="bg1"/>
+          </a:solidFill>
+          <a:ln>
+            <a:noFill/>
+          </a:ln>
+        </p:spPr>
+        <p:style>
+          <a:lnRef idx="2">
+            <a:schemeClr val="accent1">
+              <a:shade val="50000"/>
+            </a:schemeClr>
+          </a:lnRef>
+          <a:fillRef idx="1">
+            <a:schemeClr val="accent1"/>
+          </a:fillRef>
+          <a:effectRef idx="0">
+            <a:schemeClr val="accent1"/>
+          </a:effectRef>
+          <a:fontRef idx="minor">
+            <a:schemeClr val="lt1"/>
+          </a:fontRef>
+        </p:style>
+        <p:txBody>
+          <a:bodyPr rtlCol="0" anchor="ctr"/>
+          <a:lstStyle/>
+          <a:p>
+            <a:pPr algn="ctr"/>
+            <a:endParaRPr lang="ko-KR" altLang="en-US"/>
+          </a:p>
+        </p:txBody>
+      </p:sp>
+    </p:spTree>
+    <p:extLst>
+      <p:ext uri="{BB962C8B-B14F-4D97-AF65-F5344CB8AC3E}">
+        <p14:creationId xmlns:p14="http://schemas.microsoft.com/office/powerpoint/2010/main" val="110271849"/>
+      </p:ext>
+    </p:extLst>
+  </p:cSld>
+  <p:clrMapOvr>
+    <a:masterClrMapping/>
+  </p:clrMapOvr>
+</p:sld>
+</file>
+
+<file path=ppt/slides/slide5.xml><?xml version="1.0" encoding="utf-8"?>
+<p:sld xmlns:a="http://schemas.openxmlformats.org/drawingml/2006/main" xmlns:r="http://schemas.openxmlformats.org/officeDocument/2006/relationships" xmlns:p="http://schemas.openxmlformats.org/presentationml/2006/main">
+  <p:cSld>
+    <p:spTree>
+      <p:nvGrpSpPr>
+        <p:cNvPr id="1" name=""/>
+        <p:cNvGrpSpPr/>
+        <p:nvPr/>
+      </p:nvGrpSpPr>
+      <p:grpSpPr>
+        <a:xfrm>
+          <a:off x="0" y="0"/>
+          <a:ext cx="0" cy="0"/>
+          <a:chOff x="0" y="0"/>
+          <a:chExt cx="0" cy="0"/>
+        </a:xfrm>
+      </p:grpSpPr>
       <p:pic>
         <p:nvPicPr>
           <p:cNvPr id="2" name="그림 1"/>
@@ -5353,7 +6607,7 @@
 </p:sld>
 </file>
 
-<file path=ppt/slides/slide5.xml><?xml version="1.0" encoding="utf-8"?>
+<file path=ppt/slides/slide6.xml><?xml version="1.0" encoding="utf-8"?>
 <p:sld xmlns:a="http://schemas.openxmlformats.org/drawingml/2006/main" xmlns:r="http://schemas.openxmlformats.org/officeDocument/2006/relationships" xmlns:p="http://schemas.openxmlformats.org/presentationml/2006/main">
   <p:cSld>
     <p:spTree>
@@ -6328,7 +7582,7 @@
 </p:sld>
 </file>
 
-<file path=ppt/slides/slide6.xml><?xml version="1.0" encoding="utf-8"?>
+<file path=ppt/slides/slide7.xml><?xml version="1.0" encoding="utf-8"?>
 <p:sld xmlns:a="http://schemas.openxmlformats.org/drawingml/2006/main" xmlns:r="http://schemas.openxmlformats.org/officeDocument/2006/relationships" xmlns:p="http://schemas.openxmlformats.org/presentationml/2006/main">
   <p:cSld>
     <p:spTree>
@@ -6358,36 +7612,6 @@
 </p:sld>
 </file>
 
-<file path=ppt/slides/slide7.xml><?xml version="1.0" encoding="utf-8"?>
-<p:sld xmlns:a="http://schemas.openxmlformats.org/drawingml/2006/main" xmlns:r="http://schemas.openxmlformats.org/officeDocument/2006/relationships" xmlns:p="http://schemas.openxmlformats.org/presentationml/2006/main">
-  <p:cSld>
-    <p:spTree>
-      <p:nvGrpSpPr>
-        <p:cNvPr id="1" name=""/>
-        <p:cNvGrpSpPr/>
-        <p:nvPr/>
-      </p:nvGrpSpPr>
-      <p:grpSpPr>
-        <a:xfrm>
-          <a:off x="0" y="0"/>
-          <a:ext cx="0" cy="0"/>
-          <a:chOff x="0" y="0"/>
-          <a:chExt cx="0" cy="0"/>
-        </a:xfrm>
-      </p:grpSpPr>
-    </p:spTree>
-    <p:extLst>
-      <p:ext uri="{BB962C8B-B14F-4D97-AF65-F5344CB8AC3E}">
-        <p14:creationId xmlns:p14="http://schemas.microsoft.com/office/powerpoint/2010/main" val="3398876871"/>
-      </p:ext>
-    </p:extLst>
-  </p:cSld>
-  <p:clrMapOvr>
-    <a:masterClrMapping/>
-  </p:clrMapOvr>
-</p:sld>
-</file>
-
 <file path=ppt/slides/slide8.xml><?xml version="1.0" encoding="utf-8"?>
 <p:sld xmlns:a="http://schemas.openxmlformats.org/drawingml/2006/main" xmlns:r="http://schemas.openxmlformats.org/officeDocument/2006/relationships" xmlns:p="http://schemas.openxmlformats.org/presentationml/2006/main">
   <p:cSld>
@@ -6405,10 +7629,1262 @@
           <a:chExt cx="0" cy="0"/>
         </a:xfrm>
       </p:grpSpPr>
+      <p:pic>
+        <p:nvPicPr>
+          <p:cNvPr id="2" name="그림 1"/>
+          <p:cNvPicPr>
+            <a:picLocks/>
+          </p:cNvPicPr>
+          <p:nvPr/>
+        </p:nvPicPr>
+        <p:blipFill>
+          <a:blip r:embed="rId2">
+            <a:extLst>
+              <a:ext uri="{28A0092B-C50C-407E-A947-70E740481C1C}">
+                <a14:useLocalDpi xmlns:a14="http://schemas.microsoft.com/office/drawing/2010/main" val="0"/>
+              </a:ext>
+            </a:extLst>
+          </a:blip>
+          <a:stretch>
+            <a:fillRect/>
+          </a:stretch>
+        </p:blipFill>
+        <p:spPr>
+          <a:xfrm>
+            <a:off x="1524000" y="542925"/>
+            <a:ext cx="5760000" cy="5760000"/>
+          </a:xfrm>
+          <a:prstGeom prst="rect">
+            <a:avLst/>
+          </a:prstGeom>
+        </p:spPr>
+      </p:pic>
     </p:spTree>
     <p:extLst>
       <p:ext uri="{BB962C8B-B14F-4D97-AF65-F5344CB8AC3E}">
-        <p14:creationId xmlns:p14="http://schemas.microsoft.com/office/powerpoint/2010/main" val="2871182505"/>
+        <p14:creationId xmlns:p14="http://schemas.microsoft.com/office/powerpoint/2010/main" val="3398876871"/>
+      </p:ext>
+    </p:extLst>
+  </p:cSld>
+  <p:clrMapOvr>
+    <a:masterClrMapping/>
+  </p:clrMapOvr>
+</p:sld>
+</file>
+
+<file path=ppt/slides/slide9.xml><?xml version="1.0" encoding="utf-8"?>
+<p:sld xmlns:a="http://schemas.openxmlformats.org/drawingml/2006/main" xmlns:r="http://schemas.openxmlformats.org/officeDocument/2006/relationships" xmlns:p="http://schemas.openxmlformats.org/presentationml/2006/main">
+  <p:cSld>
+    <p:spTree>
+      <p:nvGrpSpPr>
+        <p:cNvPr id="1" name=""/>
+        <p:cNvGrpSpPr/>
+        <p:nvPr/>
+      </p:nvGrpSpPr>
+      <p:grpSpPr>
+        <a:xfrm>
+          <a:off x="0" y="0"/>
+          <a:ext cx="0" cy="0"/>
+          <a:chOff x="0" y="0"/>
+          <a:chExt cx="0" cy="0"/>
+        </a:xfrm>
+      </p:grpSpPr>
+      <p:pic>
+        <p:nvPicPr>
+          <p:cNvPr id="19" name="그림 18"/>
+          <p:cNvPicPr>
+            <a:picLocks noChangeAspect="1"/>
+          </p:cNvPicPr>
+          <p:nvPr/>
+        </p:nvPicPr>
+        <p:blipFill>
+          <a:blip r:embed="rId2">
+            <a:extLst>
+              <a:ext uri="{28A0092B-C50C-407E-A947-70E740481C1C}">
+                <a14:useLocalDpi xmlns:a14="http://schemas.microsoft.com/office/drawing/2010/main" val="0"/>
+              </a:ext>
+            </a:extLst>
+          </a:blip>
+          <a:stretch>
+            <a:fillRect/>
+          </a:stretch>
+        </p:blipFill>
+        <p:spPr>
+          <a:xfrm>
+            <a:off x="10056048" y="4635565"/>
+            <a:ext cx="1800000" cy="1800000"/>
+          </a:xfrm>
+          <a:prstGeom prst="rect">
+            <a:avLst/>
+          </a:prstGeom>
+        </p:spPr>
+      </p:pic>
+      <p:grpSp>
+        <p:nvGrpSpPr>
+          <p:cNvPr id="37" name="그룹 36"/>
+          <p:cNvGrpSpPr/>
+          <p:nvPr/>
+        </p:nvGrpSpPr>
+        <p:grpSpPr>
+          <a:xfrm>
+            <a:off x="211298" y="231515"/>
+            <a:ext cx="1800000" cy="1800000"/>
+            <a:chOff x="211298" y="231515"/>
+            <a:chExt cx="1800000" cy="1800000"/>
+          </a:xfrm>
+        </p:grpSpPr>
+        <p:pic>
+          <p:nvPicPr>
+            <p:cNvPr id="4" name="그림 3"/>
+            <p:cNvPicPr>
+              <a:picLocks noChangeAspect="1"/>
+            </p:cNvPicPr>
+            <p:nvPr/>
+          </p:nvPicPr>
+          <p:blipFill>
+            <a:blip r:embed="rId2">
+              <a:extLst>
+                <a:ext uri="{28A0092B-C50C-407E-A947-70E740481C1C}">
+                  <a14:useLocalDpi xmlns:a14="http://schemas.microsoft.com/office/drawing/2010/main" val="0"/>
+                </a:ext>
+              </a:extLst>
+            </a:blip>
+            <a:stretch>
+              <a:fillRect/>
+            </a:stretch>
+          </p:blipFill>
+          <p:spPr>
+            <a:xfrm>
+              <a:off x="211298" y="231515"/>
+              <a:ext cx="1800000" cy="1800000"/>
+            </a:xfrm>
+            <a:prstGeom prst="rect">
+              <a:avLst/>
+            </a:prstGeom>
+          </p:spPr>
+        </p:pic>
+        <p:sp>
+          <p:nvSpPr>
+            <p:cNvPr id="20" name="TextBox 19"/>
+            <p:cNvSpPr txBox="1"/>
+            <p:nvPr/>
+          </p:nvSpPr>
+          <p:spPr>
+            <a:xfrm>
+              <a:off x="665502" y="296830"/>
+              <a:ext cx="891591" cy="1631216"/>
+            </a:xfrm>
+            <a:prstGeom prst="rect">
+              <a:avLst/>
+            </a:prstGeom>
+            <a:noFill/>
+          </p:spPr>
+          <p:txBody>
+            <a:bodyPr wrap="none" rtlCol="0">
+              <a:spAutoFit/>
+            </a:bodyPr>
+            <a:lstStyle/>
+            <a:p>
+              <a:r>
+                <a:rPr lang="en-US" altLang="ko-KR" sz="10000" dirty="0" smtClean="0">
+                  <a:solidFill>
+                    <a:schemeClr val="bg1"/>
+                  </a:solidFill>
+                </a:rPr>
+                <a:t>0</a:t>
+              </a:r>
+              <a:endParaRPr lang="ko-KR" altLang="en-US" sz="10000" dirty="0">
+                <a:solidFill>
+                  <a:schemeClr val="bg1"/>
+                </a:solidFill>
+              </a:endParaRPr>
+            </a:p>
+          </p:txBody>
+        </p:sp>
+      </p:grpSp>
+      <p:grpSp>
+        <p:nvGrpSpPr>
+          <p:cNvPr id="38" name="그룹 37"/>
+          <p:cNvGrpSpPr/>
+          <p:nvPr/>
+        </p:nvGrpSpPr>
+        <p:grpSpPr>
+          <a:xfrm>
+            <a:off x="2795877" y="231515"/>
+            <a:ext cx="1800000" cy="1800000"/>
+            <a:chOff x="2795877" y="231515"/>
+            <a:chExt cx="1800000" cy="1800000"/>
+          </a:xfrm>
+        </p:grpSpPr>
+        <p:pic>
+          <p:nvPicPr>
+            <p:cNvPr id="6" name="그림 5"/>
+            <p:cNvPicPr>
+              <a:picLocks noChangeAspect="1"/>
+            </p:cNvPicPr>
+            <p:nvPr/>
+          </p:nvPicPr>
+          <p:blipFill>
+            <a:blip r:embed="rId2">
+              <a:extLst>
+                <a:ext uri="{28A0092B-C50C-407E-A947-70E740481C1C}">
+                  <a14:useLocalDpi xmlns:a14="http://schemas.microsoft.com/office/drawing/2010/main" val="0"/>
+                </a:ext>
+              </a:extLst>
+            </a:blip>
+            <a:stretch>
+              <a:fillRect/>
+            </a:stretch>
+          </p:blipFill>
+          <p:spPr>
+            <a:xfrm>
+              <a:off x="2795877" y="231515"/>
+              <a:ext cx="1800000" cy="1800000"/>
+            </a:xfrm>
+            <a:prstGeom prst="rect">
+              <a:avLst/>
+            </a:prstGeom>
+          </p:spPr>
+        </p:pic>
+        <p:sp>
+          <p:nvSpPr>
+            <p:cNvPr id="21" name="TextBox 20"/>
+            <p:cNvSpPr txBox="1"/>
+            <p:nvPr/>
+          </p:nvSpPr>
+          <p:spPr>
+            <a:xfrm>
+              <a:off x="3250081" y="296830"/>
+              <a:ext cx="891591" cy="1631216"/>
+            </a:xfrm>
+            <a:prstGeom prst="rect">
+              <a:avLst/>
+            </a:prstGeom>
+            <a:noFill/>
+          </p:spPr>
+          <p:txBody>
+            <a:bodyPr wrap="none" rtlCol="0">
+              <a:spAutoFit/>
+            </a:bodyPr>
+            <a:lstStyle/>
+            <a:p>
+              <a:r>
+                <a:rPr lang="en-US" altLang="ko-KR" sz="10000" dirty="0" smtClean="0">
+                  <a:solidFill>
+                    <a:schemeClr val="bg1"/>
+                  </a:solidFill>
+                </a:rPr>
+                <a:t>1</a:t>
+              </a:r>
+              <a:endParaRPr lang="ko-KR" altLang="en-US" sz="10000" dirty="0">
+                <a:solidFill>
+                  <a:schemeClr val="bg1"/>
+                </a:solidFill>
+              </a:endParaRPr>
+            </a:p>
+          </p:txBody>
+        </p:sp>
+      </p:grpSp>
+      <p:grpSp>
+        <p:nvGrpSpPr>
+          <p:cNvPr id="39" name="그룹 38"/>
+          <p:cNvGrpSpPr/>
+          <p:nvPr/>
+        </p:nvGrpSpPr>
+        <p:grpSpPr>
+          <a:xfrm>
+            <a:off x="5128530" y="231515"/>
+            <a:ext cx="1800000" cy="1800000"/>
+            <a:chOff x="5128530" y="231515"/>
+            <a:chExt cx="1800000" cy="1800000"/>
+          </a:xfrm>
+        </p:grpSpPr>
+        <p:pic>
+          <p:nvPicPr>
+            <p:cNvPr id="7" name="그림 6"/>
+            <p:cNvPicPr>
+              <a:picLocks noChangeAspect="1"/>
+            </p:cNvPicPr>
+            <p:nvPr/>
+          </p:nvPicPr>
+          <p:blipFill>
+            <a:blip r:embed="rId2">
+              <a:extLst>
+                <a:ext uri="{28A0092B-C50C-407E-A947-70E740481C1C}">
+                  <a14:useLocalDpi xmlns:a14="http://schemas.microsoft.com/office/drawing/2010/main" val="0"/>
+                </a:ext>
+              </a:extLst>
+            </a:blip>
+            <a:stretch>
+              <a:fillRect/>
+            </a:stretch>
+          </p:blipFill>
+          <p:spPr>
+            <a:xfrm>
+              <a:off x="5128530" y="231515"/>
+              <a:ext cx="1800000" cy="1800000"/>
+            </a:xfrm>
+            <a:prstGeom prst="rect">
+              <a:avLst/>
+            </a:prstGeom>
+          </p:spPr>
+        </p:pic>
+        <p:sp>
+          <p:nvSpPr>
+            <p:cNvPr id="24" name="TextBox 23"/>
+            <p:cNvSpPr txBox="1"/>
+            <p:nvPr/>
+          </p:nvSpPr>
+          <p:spPr>
+            <a:xfrm>
+              <a:off x="5587878" y="296830"/>
+              <a:ext cx="891591" cy="1631216"/>
+            </a:xfrm>
+            <a:prstGeom prst="rect">
+              <a:avLst/>
+            </a:prstGeom>
+            <a:noFill/>
+          </p:spPr>
+          <p:txBody>
+            <a:bodyPr wrap="none" rtlCol="0">
+              <a:spAutoFit/>
+            </a:bodyPr>
+            <a:lstStyle/>
+            <a:p>
+              <a:r>
+                <a:rPr lang="en-US" altLang="ko-KR" sz="10000" dirty="0" smtClean="0">
+                  <a:solidFill>
+                    <a:schemeClr val="bg1"/>
+                  </a:solidFill>
+                </a:rPr>
+                <a:t>2</a:t>
+              </a:r>
+              <a:endParaRPr lang="ko-KR" altLang="en-US" sz="10000" dirty="0">
+                <a:solidFill>
+                  <a:schemeClr val="bg1"/>
+                </a:solidFill>
+              </a:endParaRPr>
+            </a:p>
+          </p:txBody>
+        </p:sp>
+      </p:grpSp>
+      <p:grpSp>
+        <p:nvGrpSpPr>
+          <p:cNvPr id="40" name="그룹 39"/>
+          <p:cNvGrpSpPr/>
+          <p:nvPr/>
+        </p:nvGrpSpPr>
+        <p:grpSpPr>
+          <a:xfrm>
+            <a:off x="7518121" y="231515"/>
+            <a:ext cx="1800000" cy="1800000"/>
+            <a:chOff x="7518121" y="231515"/>
+            <a:chExt cx="1800000" cy="1800000"/>
+          </a:xfrm>
+        </p:grpSpPr>
+        <p:pic>
+          <p:nvPicPr>
+            <p:cNvPr id="8" name="그림 7"/>
+            <p:cNvPicPr>
+              <a:picLocks noChangeAspect="1"/>
+            </p:cNvPicPr>
+            <p:nvPr/>
+          </p:nvPicPr>
+          <p:blipFill>
+            <a:blip r:embed="rId2">
+              <a:extLst>
+                <a:ext uri="{28A0092B-C50C-407E-A947-70E740481C1C}">
+                  <a14:useLocalDpi xmlns:a14="http://schemas.microsoft.com/office/drawing/2010/main" val="0"/>
+                </a:ext>
+              </a:extLst>
+            </a:blip>
+            <a:stretch>
+              <a:fillRect/>
+            </a:stretch>
+          </p:blipFill>
+          <p:spPr>
+            <a:xfrm>
+              <a:off x="7518121" y="231515"/>
+              <a:ext cx="1800000" cy="1800000"/>
+            </a:xfrm>
+            <a:prstGeom prst="rect">
+              <a:avLst/>
+            </a:prstGeom>
+          </p:spPr>
+        </p:pic>
+        <p:sp>
+          <p:nvSpPr>
+            <p:cNvPr id="25" name="TextBox 24"/>
+            <p:cNvSpPr txBox="1"/>
+            <p:nvPr/>
+          </p:nvSpPr>
+          <p:spPr>
+            <a:xfrm>
+              <a:off x="8013630" y="278055"/>
+              <a:ext cx="891591" cy="1631216"/>
+            </a:xfrm>
+            <a:prstGeom prst="rect">
+              <a:avLst/>
+            </a:prstGeom>
+            <a:noFill/>
+          </p:spPr>
+          <p:txBody>
+            <a:bodyPr wrap="none" rtlCol="0">
+              <a:spAutoFit/>
+            </a:bodyPr>
+            <a:lstStyle/>
+            <a:p>
+              <a:r>
+                <a:rPr lang="en-US" altLang="ko-KR" sz="10000" dirty="0" smtClean="0">
+                  <a:solidFill>
+                    <a:schemeClr val="bg1"/>
+                  </a:solidFill>
+                </a:rPr>
+                <a:t>3</a:t>
+              </a:r>
+              <a:endParaRPr lang="ko-KR" altLang="en-US" sz="10000" dirty="0">
+                <a:solidFill>
+                  <a:schemeClr val="bg1"/>
+                </a:solidFill>
+              </a:endParaRPr>
+            </a:p>
+          </p:txBody>
+        </p:sp>
+      </p:grpSp>
+      <p:grpSp>
+        <p:nvGrpSpPr>
+          <p:cNvPr id="41" name="그룹 40"/>
+          <p:cNvGrpSpPr/>
+          <p:nvPr/>
+        </p:nvGrpSpPr>
+        <p:grpSpPr>
+          <a:xfrm>
+            <a:off x="10056048" y="296830"/>
+            <a:ext cx="1800000" cy="1800000"/>
+            <a:chOff x="10056048" y="296830"/>
+            <a:chExt cx="1800000" cy="1800000"/>
+          </a:xfrm>
+        </p:grpSpPr>
+        <p:pic>
+          <p:nvPicPr>
+            <p:cNvPr id="9" name="그림 8"/>
+            <p:cNvPicPr>
+              <a:picLocks noChangeAspect="1"/>
+            </p:cNvPicPr>
+            <p:nvPr/>
+          </p:nvPicPr>
+          <p:blipFill>
+            <a:blip r:embed="rId2">
+              <a:extLst>
+                <a:ext uri="{28A0092B-C50C-407E-A947-70E740481C1C}">
+                  <a14:useLocalDpi xmlns:a14="http://schemas.microsoft.com/office/drawing/2010/main" val="0"/>
+                </a:ext>
+              </a:extLst>
+            </a:blip>
+            <a:stretch>
+              <a:fillRect/>
+            </a:stretch>
+          </p:blipFill>
+          <p:spPr>
+            <a:xfrm>
+              <a:off x="10056048" y="296830"/>
+              <a:ext cx="1800000" cy="1800000"/>
+            </a:xfrm>
+            <a:prstGeom prst="rect">
+              <a:avLst/>
+            </a:prstGeom>
+          </p:spPr>
+        </p:pic>
+        <p:sp>
+          <p:nvSpPr>
+            <p:cNvPr id="26" name="TextBox 25"/>
+            <p:cNvSpPr txBox="1"/>
+            <p:nvPr/>
+          </p:nvSpPr>
+          <p:spPr>
+            <a:xfrm>
+              <a:off x="10510252" y="315907"/>
+              <a:ext cx="891591" cy="1631216"/>
+            </a:xfrm>
+            <a:prstGeom prst="rect">
+              <a:avLst/>
+            </a:prstGeom>
+            <a:noFill/>
+          </p:spPr>
+          <p:txBody>
+            <a:bodyPr wrap="none" rtlCol="0">
+              <a:spAutoFit/>
+            </a:bodyPr>
+            <a:lstStyle/>
+            <a:p>
+              <a:r>
+                <a:rPr lang="en-US" altLang="ko-KR" sz="10000" dirty="0" smtClean="0">
+                  <a:solidFill>
+                    <a:schemeClr val="bg1"/>
+                  </a:solidFill>
+                </a:rPr>
+                <a:t>4</a:t>
+              </a:r>
+              <a:endParaRPr lang="ko-KR" altLang="en-US" sz="10000" dirty="0">
+                <a:solidFill>
+                  <a:schemeClr val="bg1"/>
+                </a:solidFill>
+              </a:endParaRPr>
+            </a:p>
+          </p:txBody>
+        </p:sp>
+      </p:grpSp>
+      <p:grpSp>
+        <p:nvGrpSpPr>
+          <p:cNvPr id="42" name="그룹 41"/>
+          <p:cNvGrpSpPr/>
+          <p:nvPr/>
+        </p:nvGrpSpPr>
+        <p:grpSpPr>
+          <a:xfrm>
+            <a:off x="211298" y="2442870"/>
+            <a:ext cx="1800000" cy="1800000"/>
+            <a:chOff x="211298" y="2442870"/>
+            <a:chExt cx="1800000" cy="1800000"/>
+          </a:xfrm>
+        </p:grpSpPr>
+        <p:pic>
+          <p:nvPicPr>
+            <p:cNvPr id="10" name="그림 9"/>
+            <p:cNvPicPr>
+              <a:picLocks noChangeAspect="1"/>
+            </p:cNvPicPr>
+            <p:nvPr/>
+          </p:nvPicPr>
+          <p:blipFill>
+            <a:blip r:embed="rId2">
+              <a:extLst>
+                <a:ext uri="{28A0092B-C50C-407E-A947-70E740481C1C}">
+                  <a14:useLocalDpi xmlns:a14="http://schemas.microsoft.com/office/drawing/2010/main" val="0"/>
+                </a:ext>
+              </a:extLst>
+            </a:blip>
+            <a:stretch>
+              <a:fillRect/>
+            </a:stretch>
+          </p:blipFill>
+          <p:spPr>
+            <a:xfrm>
+              <a:off x="211298" y="2442870"/>
+              <a:ext cx="1800000" cy="1800000"/>
+            </a:xfrm>
+            <a:prstGeom prst="rect">
+              <a:avLst/>
+            </a:prstGeom>
+          </p:spPr>
+        </p:pic>
+        <p:sp>
+          <p:nvSpPr>
+            <p:cNvPr id="27" name="TextBox 26"/>
+            <p:cNvSpPr txBox="1"/>
+            <p:nvPr/>
+          </p:nvSpPr>
+          <p:spPr>
+            <a:xfrm>
+              <a:off x="665502" y="2488858"/>
+              <a:ext cx="891591" cy="1631216"/>
+            </a:xfrm>
+            <a:prstGeom prst="rect">
+              <a:avLst/>
+            </a:prstGeom>
+            <a:noFill/>
+          </p:spPr>
+          <p:txBody>
+            <a:bodyPr wrap="none" rtlCol="0">
+              <a:spAutoFit/>
+            </a:bodyPr>
+            <a:lstStyle/>
+            <a:p>
+              <a:r>
+                <a:rPr lang="en-US" altLang="ko-KR" sz="10000" dirty="0" smtClean="0">
+                  <a:solidFill>
+                    <a:schemeClr val="bg1"/>
+                  </a:solidFill>
+                </a:rPr>
+                <a:t>5</a:t>
+              </a:r>
+              <a:endParaRPr lang="ko-KR" altLang="en-US" sz="10000" dirty="0">
+                <a:solidFill>
+                  <a:schemeClr val="bg1"/>
+                </a:solidFill>
+              </a:endParaRPr>
+            </a:p>
+          </p:txBody>
+        </p:sp>
+      </p:grpSp>
+      <p:grpSp>
+        <p:nvGrpSpPr>
+          <p:cNvPr id="43" name="그룹 42"/>
+          <p:cNvGrpSpPr/>
+          <p:nvPr/>
+        </p:nvGrpSpPr>
+        <p:grpSpPr>
+          <a:xfrm>
+            <a:off x="2795877" y="2442870"/>
+            <a:ext cx="1800000" cy="1800000"/>
+            <a:chOff x="2795877" y="2442870"/>
+            <a:chExt cx="1800000" cy="1800000"/>
+          </a:xfrm>
+        </p:grpSpPr>
+        <p:pic>
+          <p:nvPicPr>
+            <p:cNvPr id="11" name="그림 10"/>
+            <p:cNvPicPr>
+              <a:picLocks noChangeAspect="1"/>
+            </p:cNvPicPr>
+            <p:nvPr/>
+          </p:nvPicPr>
+          <p:blipFill>
+            <a:blip r:embed="rId2">
+              <a:extLst>
+                <a:ext uri="{28A0092B-C50C-407E-A947-70E740481C1C}">
+                  <a14:useLocalDpi xmlns:a14="http://schemas.microsoft.com/office/drawing/2010/main" val="0"/>
+                </a:ext>
+              </a:extLst>
+            </a:blip>
+            <a:stretch>
+              <a:fillRect/>
+            </a:stretch>
+          </p:blipFill>
+          <p:spPr>
+            <a:xfrm>
+              <a:off x="2795877" y="2442870"/>
+              <a:ext cx="1800000" cy="1800000"/>
+            </a:xfrm>
+            <a:prstGeom prst="rect">
+              <a:avLst/>
+            </a:prstGeom>
+          </p:spPr>
+        </p:pic>
+        <p:sp>
+          <p:nvSpPr>
+            <p:cNvPr id="28" name="TextBox 27"/>
+            <p:cNvSpPr txBox="1"/>
+            <p:nvPr/>
+          </p:nvSpPr>
+          <p:spPr>
+            <a:xfrm>
+              <a:off x="3250081" y="2488858"/>
+              <a:ext cx="891591" cy="1631216"/>
+            </a:xfrm>
+            <a:prstGeom prst="rect">
+              <a:avLst/>
+            </a:prstGeom>
+            <a:noFill/>
+          </p:spPr>
+          <p:txBody>
+            <a:bodyPr wrap="none" rtlCol="0">
+              <a:spAutoFit/>
+            </a:bodyPr>
+            <a:lstStyle/>
+            <a:p>
+              <a:r>
+                <a:rPr lang="en-US" altLang="ko-KR" sz="10000" dirty="0" smtClean="0">
+                  <a:solidFill>
+                    <a:schemeClr val="bg1"/>
+                  </a:solidFill>
+                </a:rPr>
+                <a:t>6</a:t>
+              </a:r>
+              <a:endParaRPr lang="ko-KR" altLang="en-US" sz="10000" dirty="0">
+                <a:solidFill>
+                  <a:schemeClr val="bg1"/>
+                </a:solidFill>
+              </a:endParaRPr>
+            </a:p>
+          </p:txBody>
+        </p:sp>
+      </p:grpSp>
+      <p:grpSp>
+        <p:nvGrpSpPr>
+          <p:cNvPr id="44" name="그룹 43"/>
+          <p:cNvGrpSpPr/>
+          <p:nvPr/>
+        </p:nvGrpSpPr>
+        <p:grpSpPr>
+          <a:xfrm>
+            <a:off x="5128530" y="2442870"/>
+            <a:ext cx="1800000" cy="1800000"/>
+            <a:chOff x="5128530" y="2442870"/>
+            <a:chExt cx="1800000" cy="1800000"/>
+          </a:xfrm>
+        </p:grpSpPr>
+        <p:pic>
+          <p:nvPicPr>
+            <p:cNvPr id="12" name="그림 11"/>
+            <p:cNvPicPr>
+              <a:picLocks noChangeAspect="1"/>
+            </p:cNvPicPr>
+            <p:nvPr/>
+          </p:nvPicPr>
+          <p:blipFill>
+            <a:blip r:embed="rId2">
+              <a:extLst>
+                <a:ext uri="{28A0092B-C50C-407E-A947-70E740481C1C}">
+                  <a14:useLocalDpi xmlns:a14="http://schemas.microsoft.com/office/drawing/2010/main" val="0"/>
+                </a:ext>
+              </a:extLst>
+            </a:blip>
+            <a:stretch>
+              <a:fillRect/>
+            </a:stretch>
+          </p:blipFill>
+          <p:spPr>
+            <a:xfrm>
+              <a:off x="5128530" y="2442870"/>
+              <a:ext cx="1800000" cy="1800000"/>
+            </a:xfrm>
+            <a:prstGeom prst="rect">
+              <a:avLst/>
+            </a:prstGeom>
+          </p:spPr>
+        </p:pic>
+        <p:sp>
+          <p:nvSpPr>
+            <p:cNvPr id="29" name="TextBox 28"/>
+            <p:cNvSpPr txBox="1"/>
+            <p:nvPr/>
+          </p:nvSpPr>
+          <p:spPr>
+            <a:xfrm>
+              <a:off x="5587878" y="2488858"/>
+              <a:ext cx="891591" cy="1631216"/>
+            </a:xfrm>
+            <a:prstGeom prst="rect">
+              <a:avLst/>
+            </a:prstGeom>
+            <a:noFill/>
+          </p:spPr>
+          <p:txBody>
+            <a:bodyPr wrap="none" rtlCol="0">
+              <a:spAutoFit/>
+            </a:bodyPr>
+            <a:lstStyle/>
+            <a:p>
+              <a:r>
+                <a:rPr lang="en-US" altLang="ko-KR" sz="10000" dirty="0" smtClean="0">
+                  <a:solidFill>
+                    <a:schemeClr val="bg1"/>
+                  </a:solidFill>
+                </a:rPr>
+                <a:t>7</a:t>
+              </a:r>
+              <a:endParaRPr lang="ko-KR" altLang="en-US" sz="10000" dirty="0">
+                <a:solidFill>
+                  <a:schemeClr val="bg1"/>
+                </a:solidFill>
+              </a:endParaRPr>
+            </a:p>
+          </p:txBody>
+        </p:sp>
+      </p:grpSp>
+      <p:grpSp>
+        <p:nvGrpSpPr>
+          <p:cNvPr id="45" name="그룹 44"/>
+          <p:cNvGrpSpPr/>
+          <p:nvPr/>
+        </p:nvGrpSpPr>
+        <p:grpSpPr>
+          <a:xfrm>
+            <a:off x="7518121" y="2442870"/>
+            <a:ext cx="1800000" cy="1800000"/>
+            <a:chOff x="7518121" y="2442870"/>
+            <a:chExt cx="1800000" cy="1800000"/>
+          </a:xfrm>
+        </p:grpSpPr>
+        <p:pic>
+          <p:nvPicPr>
+            <p:cNvPr id="13" name="그림 12"/>
+            <p:cNvPicPr>
+              <a:picLocks noChangeAspect="1"/>
+            </p:cNvPicPr>
+            <p:nvPr/>
+          </p:nvPicPr>
+          <p:blipFill>
+            <a:blip r:embed="rId2">
+              <a:extLst>
+                <a:ext uri="{28A0092B-C50C-407E-A947-70E740481C1C}">
+                  <a14:useLocalDpi xmlns:a14="http://schemas.microsoft.com/office/drawing/2010/main" val="0"/>
+                </a:ext>
+              </a:extLst>
+            </a:blip>
+            <a:stretch>
+              <a:fillRect/>
+            </a:stretch>
+          </p:blipFill>
+          <p:spPr>
+            <a:xfrm>
+              <a:off x="7518121" y="2442870"/>
+              <a:ext cx="1800000" cy="1800000"/>
+            </a:xfrm>
+            <a:prstGeom prst="rect">
+              <a:avLst/>
+            </a:prstGeom>
+          </p:spPr>
+        </p:pic>
+        <p:sp>
+          <p:nvSpPr>
+            <p:cNvPr id="30" name="TextBox 29"/>
+            <p:cNvSpPr txBox="1"/>
+            <p:nvPr/>
+          </p:nvSpPr>
+          <p:spPr>
+            <a:xfrm>
+              <a:off x="7972323" y="2534607"/>
+              <a:ext cx="891591" cy="1631216"/>
+            </a:xfrm>
+            <a:prstGeom prst="rect">
+              <a:avLst/>
+            </a:prstGeom>
+            <a:noFill/>
+          </p:spPr>
+          <p:txBody>
+            <a:bodyPr wrap="none" rtlCol="0">
+              <a:spAutoFit/>
+            </a:bodyPr>
+            <a:lstStyle/>
+            <a:p>
+              <a:r>
+                <a:rPr lang="en-US" altLang="ko-KR" sz="10000" dirty="0" smtClean="0">
+                  <a:solidFill>
+                    <a:schemeClr val="bg1"/>
+                  </a:solidFill>
+                </a:rPr>
+                <a:t>8</a:t>
+              </a:r>
+              <a:endParaRPr lang="ko-KR" altLang="en-US" sz="10000" dirty="0">
+                <a:solidFill>
+                  <a:schemeClr val="bg1"/>
+                </a:solidFill>
+              </a:endParaRPr>
+            </a:p>
+          </p:txBody>
+        </p:sp>
+      </p:grpSp>
+      <p:grpSp>
+        <p:nvGrpSpPr>
+          <p:cNvPr id="46" name="그룹 45"/>
+          <p:cNvGrpSpPr/>
+          <p:nvPr/>
+        </p:nvGrpSpPr>
+        <p:grpSpPr>
+          <a:xfrm>
+            <a:off x="10056048" y="2508185"/>
+            <a:ext cx="1800000" cy="1800000"/>
+            <a:chOff x="10056048" y="2508185"/>
+            <a:chExt cx="1800000" cy="1800000"/>
+          </a:xfrm>
+        </p:grpSpPr>
+        <p:pic>
+          <p:nvPicPr>
+            <p:cNvPr id="14" name="그림 13"/>
+            <p:cNvPicPr>
+              <a:picLocks noChangeAspect="1"/>
+            </p:cNvPicPr>
+            <p:nvPr/>
+          </p:nvPicPr>
+          <p:blipFill>
+            <a:blip r:embed="rId2">
+              <a:extLst>
+                <a:ext uri="{28A0092B-C50C-407E-A947-70E740481C1C}">
+                  <a14:useLocalDpi xmlns:a14="http://schemas.microsoft.com/office/drawing/2010/main" val="0"/>
+                </a:ext>
+              </a:extLst>
+            </a:blip>
+            <a:stretch>
+              <a:fillRect/>
+            </a:stretch>
+          </p:blipFill>
+          <p:spPr>
+            <a:xfrm>
+              <a:off x="10056048" y="2508185"/>
+              <a:ext cx="1800000" cy="1800000"/>
+            </a:xfrm>
+            <a:prstGeom prst="rect">
+              <a:avLst/>
+            </a:prstGeom>
+          </p:spPr>
+        </p:pic>
+        <p:sp>
+          <p:nvSpPr>
+            <p:cNvPr id="31" name="TextBox 30"/>
+            <p:cNvSpPr txBox="1"/>
+            <p:nvPr/>
+          </p:nvSpPr>
+          <p:spPr>
+            <a:xfrm>
+              <a:off x="10519417" y="2592577"/>
+              <a:ext cx="891591" cy="1631216"/>
+            </a:xfrm>
+            <a:prstGeom prst="rect">
+              <a:avLst/>
+            </a:prstGeom>
+            <a:noFill/>
+          </p:spPr>
+          <p:txBody>
+            <a:bodyPr wrap="none" rtlCol="0">
+              <a:spAutoFit/>
+            </a:bodyPr>
+            <a:lstStyle/>
+            <a:p>
+              <a:r>
+                <a:rPr lang="en-US" altLang="ko-KR" sz="10000" dirty="0" smtClean="0">
+                  <a:solidFill>
+                    <a:schemeClr val="bg1"/>
+                  </a:solidFill>
+                </a:rPr>
+                <a:t>9</a:t>
+              </a:r>
+              <a:endParaRPr lang="ko-KR" altLang="en-US" sz="10000" dirty="0">
+                <a:solidFill>
+                  <a:schemeClr val="bg1"/>
+                </a:solidFill>
+              </a:endParaRPr>
+            </a:p>
+          </p:txBody>
+        </p:sp>
+      </p:grpSp>
+      <p:grpSp>
+        <p:nvGrpSpPr>
+          <p:cNvPr id="47" name="그룹 46"/>
+          <p:cNvGrpSpPr/>
+          <p:nvPr/>
+        </p:nvGrpSpPr>
+        <p:grpSpPr>
+          <a:xfrm>
+            <a:off x="211298" y="4570250"/>
+            <a:ext cx="1800000" cy="1800000"/>
+            <a:chOff x="211298" y="4570250"/>
+            <a:chExt cx="1800000" cy="1800000"/>
+          </a:xfrm>
+        </p:grpSpPr>
+        <p:pic>
+          <p:nvPicPr>
+            <p:cNvPr id="15" name="그림 14"/>
+            <p:cNvPicPr>
+              <a:picLocks noChangeAspect="1"/>
+            </p:cNvPicPr>
+            <p:nvPr/>
+          </p:nvPicPr>
+          <p:blipFill>
+            <a:blip r:embed="rId2">
+              <a:extLst>
+                <a:ext uri="{28A0092B-C50C-407E-A947-70E740481C1C}">
+                  <a14:useLocalDpi xmlns:a14="http://schemas.microsoft.com/office/drawing/2010/main" val="0"/>
+                </a:ext>
+              </a:extLst>
+            </a:blip>
+            <a:stretch>
+              <a:fillRect/>
+            </a:stretch>
+          </p:blipFill>
+          <p:spPr>
+            <a:xfrm>
+              <a:off x="211298" y="4570250"/>
+              <a:ext cx="1800000" cy="1800000"/>
+            </a:xfrm>
+            <a:prstGeom prst="rect">
+              <a:avLst/>
+            </a:prstGeom>
+          </p:spPr>
+        </p:pic>
+        <p:sp>
+          <p:nvSpPr>
+            <p:cNvPr id="32" name="TextBox 31"/>
+            <p:cNvSpPr txBox="1"/>
+            <p:nvPr/>
+          </p:nvSpPr>
+          <p:spPr>
+            <a:xfrm>
+              <a:off x="564180" y="4570250"/>
+              <a:ext cx="1083951" cy="1631216"/>
+            </a:xfrm>
+            <a:prstGeom prst="rect">
+              <a:avLst/>
+            </a:prstGeom>
+            <a:noFill/>
+          </p:spPr>
+          <p:txBody>
+            <a:bodyPr wrap="none" rtlCol="0">
+              <a:spAutoFit/>
+            </a:bodyPr>
+            <a:lstStyle/>
+            <a:p>
+              <a:r>
+                <a:rPr lang="en-US" altLang="ko-KR" sz="10000" dirty="0" smtClean="0">
+                  <a:solidFill>
+                    <a:schemeClr val="bg1"/>
+                  </a:solidFill>
+                </a:rPr>
+                <a:t>+</a:t>
+              </a:r>
+              <a:endParaRPr lang="ko-KR" altLang="en-US" sz="10000" dirty="0">
+                <a:solidFill>
+                  <a:schemeClr val="bg1"/>
+                </a:solidFill>
+              </a:endParaRPr>
+            </a:p>
+          </p:txBody>
+        </p:sp>
+      </p:grpSp>
+      <p:grpSp>
+        <p:nvGrpSpPr>
+          <p:cNvPr id="48" name="그룹 47"/>
+          <p:cNvGrpSpPr/>
+          <p:nvPr/>
+        </p:nvGrpSpPr>
+        <p:grpSpPr>
+          <a:xfrm>
+            <a:off x="2795877" y="4523595"/>
+            <a:ext cx="1800000" cy="1846655"/>
+            <a:chOff x="2795877" y="4523595"/>
+            <a:chExt cx="1800000" cy="1846655"/>
+          </a:xfrm>
+        </p:grpSpPr>
+        <p:pic>
+          <p:nvPicPr>
+            <p:cNvPr id="16" name="그림 15"/>
+            <p:cNvPicPr>
+              <a:picLocks noChangeAspect="1"/>
+            </p:cNvPicPr>
+            <p:nvPr/>
+          </p:nvPicPr>
+          <p:blipFill>
+            <a:blip r:embed="rId2">
+              <a:extLst>
+                <a:ext uri="{28A0092B-C50C-407E-A947-70E740481C1C}">
+                  <a14:useLocalDpi xmlns:a14="http://schemas.microsoft.com/office/drawing/2010/main" val="0"/>
+                </a:ext>
+              </a:extLst>
+            </a:blip>
+            <a:stretch>
+              <a:fillRect/>
+            </a:stretch>
+          </p:blipFill>
+          <p:spPr>
+            <a:xfrm>
+              <a:off x="2795877" y="4570250"/>
+              <a:ext cx="1800000" cy="1800000"/>
+            </a:xfrm>
+            <a:prstGeom prst="rect">
+              <a:avLst/>
+            </a:prstGeom>
+          </p:spPr>
+        </p:pic>
+        <p:sp>
+          <p:nvSpPr>
+            <p:cNvPr id="33" name="TextBox 32"/>
+            <p:cNvSpPr txBox="1"/>
+            <p:nvPr/>
+          </p:nvSpPr>
+          <p:spPr>
+            <a:xfrm>
+              <a:off x="3348198" y="4523595"/>
+              <a:ext cx="710451" cy="1631216"/>
+            </a:xfrm>
+            <a:prstGeom prst="rect">
+              <a:avLst/>
+            </a:prstGeom>
+            <a:noFill/>
+          </p:spPr>
+          <p:txBody>
+            <a:bodyPr wrap="none" rtlCol="0">
+              <a:spAutoFit/>
+            </a:bodyPr>
+            <a:lstStyle/>
+            <a:p>
+              <a:r>
+                <a:rPr lang="en-US" altLang="ko-KR" sz="10000" dirty="0" smtClean="0">
+                  <a:solidFill>
+                    <a:schemeClr val="bg1"/>
+                  </a:solidFill>
+                </a:rPr>
+                <a:t>-</a:t>
+              </a:r>
+              <a:endParaRPr lang="ko-KR" altLang="en-US" sz="10000" dirty="0">
+                <a:solidFill>
+                  <a:schemeClr val="bg1"/>
+                </a:solidFill>
+              </a:endParaRPr>
+            </a:p>
+          </p:txBody>
+        </p:sp>
+      </p:grpSp>
+      <p:grpSp>
+        <p:nvGrpSpPr>
+          <p:cNvPr id="49" name="그룹 48"/>
+          <p:cNvGrpSpPr/>
+          <p:nvPr/>
+        </p:nvGrpSpPr>
+        <p:grpSpPr>
+          <a:xfrm>
+            <a:off x="5128530" y="4570250"/>
+            <a:ext cx="1800000" cy="1800000"/>
+            <a:chOff x="5128530" y="4570250"/>
+            <a:chExt cx="1800000" cy="1800000"/>
+          </a:xfrm>
+        </p:grpSpPr>
+        <p:pic>
+          <p:nvPicPr>
+            <p:cNvPr id="17" name="그림 16"/>
+            <p:cNvPicPr>
+              <a:picLocks noChangeAspect="1"/>
+            </p:cNvPicPr>
+            <p:nvPr/>
+          </p:nvPicPr>
+          <p:blipFill>
+            <a:blip r:embed="rId2">
+              <a:extLst>
+                <a:ext uri="{28A0092B-C50C-407E-A947-70E740481C1C}">
+                  <a14:useLocalDpi xmlns:a14="http://schemas.microsoft.com/office/drawing/2010/main" val="0"/>
+                </a:ext>
+              </a:extLst>
+            </a:blip>
+            <a:stretch>
+              <a:fillRect/>
+            </a:stretch>
+          </p:blipFill>
+          <p:spPr>
+            <a:xfrm>
+              <a:off x="5128530" y="4570250"/>
+              <a:ext cx="1800000" cy="1800000"/>
+            </a:xfrm>
+            <a:prstGeom prst="rect">
+              <a:avLst/>
+            </a:prstGeom>
+          </p:spPr>
+        </p:pic>
+        <p:sp>
+          <p:nvSpPr>
+            <p:cNvPr id="34" name="TextBox 33"/>
+            <p:cNvSpPr txBox="1"/>
+            <p:nvPr/>
+          </p:nvSpPr>
+          <p:spPr>
+            <a:xfrm>
+              <a:off x="5486554" y="4570250"/>
+              <a:ext cx="1083951" cy="1631216"/>
+            </a:xfrm>
+            <a:prstGeom prst="rect">
+              <a:avLst/>
+            </a:prstGeom>
+            <a:noFill/>
+          </p:spPr>
+          <p:txBody>
+            <a:bodyPr wrap="none" rtlCol="0">
+              <a:spAutoFit/>
+            </a:bodyPr>
+            <a:lstStyle/>
+            <a:p>
+              <a:r>
+                <a:rPr lang="en-US" altLang="ko-KR" sz="10000" dirty="0">
+                  <a:solidFill>
+                    <a:schemeClr val="bg1"/>
+                  </a:solidFill>
+                </a:rPr>
+                <a:t>÷</a:t>
+              </a:r>
+              <a:endParaRPr lang="ko-KR" altLang="en-US" sz="10000" dirty="0">
+                <a:solidFill>
+                  <a:schemeClr val="bg1"/>
+                </a:solidFill>
+              </a:endParaRPr>
+            </a:p>
+          </p:txBody>
+        </p:sp>
+      </p:grpSp>
+      <p:grpSp>
+        <p:nvGrpSpPr>
+          <p:cNvPr id="50" name="그룹 49"/>
+          <p:cNvGrpSpPr/>
+          <p:nvPr/>
+        </p:nvGrpSpPr>
+        <p:grpSpPr>
+          <a:xfrm>
+            <a:off x="7518121" y="4523595"/>
+            <a:ext cx="1800000" cy="1846655"/>
+            <a:chOff x="7518121" y="4523595"/>
+            <a:chExt cx="1800000" cy="1846655"/>
+          </a:xfrm>
+        </p:grpSpPr>
+        <p:pic>
+          <p:nvPicPr>
+            <p:cNvPr id="18" name="그림 17"/>
+            <p:cNvPicPr>
+              <a:picLocks noChangeAspect="1"/>
+            </p:cNvPicPr>
+            <p:nvPr/>
+          </p:nvPicPr>
+          <p:blipFill>
+            <a:blip r:embed="rId2">
+              <a:extLst>
+                <a:ext uri="{28A0092B-C50C-407E-A947-70E740481C1C}">
+                  <a14:useLocalDpi xmlns:a14="http://schemas.microsoft.com/office/drawing/2010/main" val="0"/>
+                </a:ext>
+              </a:extLst>
+            </a:blip>
+            <a:stretch>
+              <a:fillRect/>
+            </a:stretch>
+          </p:blipFill>
+          <p:spPr>
+            <a:xfrm>
+              <a:off x="7518121" y="4570250"/>
+              <a:ext cx="1800000" cy="1800000"/>
+            </a:xfrm>
+            <a:prstGeom prst="rect">
+              <a:avLst/>
+            </a:prstGeom>
+          </p:spPr>
+        </p:pic>
+        <p:sp>
+          <p:nvSpPr>
+            <p:cNvPr id="35" name="TextBox 34"/>
+            <p:cNvSpPr txBox="1"/>
+            <p:nvPr/>
+          </p:nvSpPr>
+          <p:spPr>
+            <a:xfrm>
+              <a:off x="8027628" y="4523595"/>
+              <a:ext cx="780983" cy="1631216"/>
+            </a:xfrm>
+            <a:prstGeom prst="rect">
+              <a:avLst/>
+            </a:prstGeom>
+            <a:noFill/>
+          </p:spPr>
+          <p:txBody>
+            <a:bodyPr wrap="none" rtlCol="0">
+              <a:spAutoFit/>
+            </a:bodyPr>
+            <a:lstStyle/>
+            <a:p>
+              <a:r>
+                <a:rPr lang="en-US" altLang="ko-KR" sz="10000" dirty="0" smtClean="0">
+                  <a:solidFill>
+                    <a:schemeClr val="bg1"/>
+                  </a:solidFill>
+                </a:rPr>
+                <a:t>x</a:t>
+              </a:r>
+              <a:endParaRPr lang="ko-KR" altLang="en-US" sz="10000" dirty="0">
+                <a:solidFill>
+                  <a:schemeClr val="bg1"/>
+                </a:solidFill>
+              </a:endParaRPr>
+            </a:p>
+          </p:txBody>
+        </p:sp>
+      </p:grpSp>
+    </p:spTree>
+    <p:extLst>
+      <p:ext uri="{BB962C8B-B14F-4D97-AF65-F5344CB8AC3E}">
+        <p14:creationId xmlns:p14="http://schemas.microsoft.com/office/powerpoint/2010/main" val="32488044"/>
       </p:ext>
     </p:extLst>
   </p:cSld>

--- a/Equation/Pictures.pptx
+++ b/Equation/Pictures.pptx
@@ -12,10 +12,13 @@
     <p:sldId id="258" r:id="rId6"/>
     <p:sldId id="259" r:id="rId7"/>
     <p:sldId id="260" r:id="rId8"/>
-    <p:sldId id="261" r:id="rId9"/>
-    <p:sldId id="264" r:id="rId10"/>
-    <p:sldId id="265" r:id="rId11"/>
-    <p:sldId id="262" r:id="rId12"/>
+    <p:sldId id="267" r:id="rId9"/>
+    <p:sldId id="268" r:id="rId10"/>
+    <p:sldId id="261" r:id="rId11"/>
+    <p:sldId id="264" r:id="rId12"/>
+    <p:sldId id="265" r:id="rId13"/>
+    <p:sldId id="262" r:id="rId14"/>
+    <p:sldId id="269" r:id="rId15"/>
   </p:sldIdLst>
   <p:sldSz cx="12192000" cy="6858000"/>
   <p:notesSz cx="6858000" cy="9144000"/>
@@ -253,7 +256,7 @@
           <a:p>
             <a:fld id="{F00B919D-B4A1-482F-AA08-41F71413DB50}" type="datetimeFigureOut">
               <a:rPr lang="ko-KR" altLang="en-US" smtClean="0"/>
-              <a:t>2018-12-07</a:t>
+              <a:t>2018-12-16</a:t>
             </a:fld>
             <a:endParaRPr lang="ko-KR" altLang="en-US"/>
           </a:p>
@@ -423,7 +426,7 @@
           <a:p>
             <a:fld id="{F00B919D-B4A1-482F-AA08-41F71413DB50}" type="datetimeFigureOut">
               <a:rPr lang="ko-KR" altLang="en-US" smtClean="0"/>
-              <a:t>2018-12-07</a:t>
+              <a:t>2018-12-16</a:t>
             </a:fld>
             <a:endParaRPr lang="ko-KR" altLang="en-US"/>
           </a:p>
@@ -603,7 +606,7 @@
           <a:p>
             <a:fld id="{F00B919D-B4A1-482F-AA08-41F71413DB50}" type="datetimeFigureOut">
               <a:rPr lang="ko-KR" altLang="en-US" smtClean="0"/>
-              <a:t>2018-12-07</a:t>
+              <a:t>2018-12-16</a:t>
             </a:fld>
             <a:endParaRPr lang="ko-KR" altLang="en-US"/>
           </a:p>
@@ -773,7 +776,7 @@
           <a:p>
             <a:fld id="{F00B919D-B4A1-482F-AA08-41F71413DB50}" type="datetimeFigureOut">
               <a:rPr lang="ko-KR" altLang="en-US" smtClean="0"/>
-              <a:t>2018-12-07</a:t>
+              <a:t>2018-12-16</a:t>
             </a:fld>
             <a:endParaRPr lang="ko-KR" altLang="en-US"/>
           </a:p>
@@ -1019,7 +1022,7 @@
           <a:p>
             <a:fld id="{F00B919D-B4A1-482F-AA08-41F71413DB50}" type="datetimeFigureOut">
               <a:rPr lang="ko-KR" altLang="en-US" smtClean="0"/>
-              <a:t>2018-12-07</a:t>
+              <a:t>2018-12-16</a:t>
             </a:fld>
             <a:endParaRPr lang="ko-KR" altLang="en-US"/>
           </a:p>
@@ -1251,7 +1254,7 @@
           <a:p>
             <a:fld id="{F00B919D-B4A1-482F-AA08-41F71413DB50}" type="datetimeFigureOut">
               <a:rPr lang="ko-KR" altLang="en-US" smtClean="0"/>
-              <a:t>2018-12-07</a:t>
+              <a:t>2018-12-16</a:t>
             </a:fld>
             <a:endParaRPr lang="ko-KR" altLang="en-US"/>
           </a:p>
@@ -1618,7 +1621,7 @@
           <a:p>
             <a:fld id="{F00B919D-B4A1-482F-AA08-41F71413DB50}" type="datetimeFigureOut">
               <a:rPr lang="ko-KR" altLang="en-US" smtClean="0"/>
-              <a:t>2018-12-07</a:t>
+              <a:t>2018-12-16</a:t>
             </a:fld>
             <a:endParaRPr lang="ko-KR" altLang="en-US"/>
           </a:p>
@@ -1736,7 +1739,7 @@
           <a:p>
             <a:fld id="{F00B919D-B4A1-482F-AA08-41F71413DB50}" type="datetimeFigureOut">
               <a:rPr lang="ko-KR" altLang="en-US" smtClean="0"/>
-              <a:t>2018-12-07</a:t>
+              <a:t>2018-12-16</a:t>
             </a:fld>
             <a:endParaRPr lang="ko-KR" altLang="en-US"/>
           </a:p>
@@ -1831,7 +1834,7 @@
           <a:p>
             <a:fld id="{F00B919D-B4A1-482F-AA08-41F71413DB50}" type="datetimeFigureOut">
               <a:rPr lang="ko-KR" altLang="en-US" smtClean="0"/>
-              <a:t>2018-12-07</a:t>
+              <a:t>2018-12-16</a:t>
             </a:fld>
             <a:endParaRPr lang="ko-KR" altLang="en-US"/>
           </a:p>
@@ -2108,7 +2111,7 @@
           <a:p>
             <a:fld id="{F00B919D-B4A1-482F-AA08-41F71413DB50}" type="datetimeFigureOut">
               <a:rPr lang="ko-KR" altLang="en-US" smtClean="0"/>
-              <a:t>2018-12-07</a:t>
+              <a:t>2018-12-16</a:t>
             </a:fld>
             <a:endParaRPr lang="ko-KR" altLang="en-US"/>
           </a:p>
@@ -2361,7 +2364,7 @@
           <a:p>
             <a:fld id="{F00B919D-B4A1-482F-AA08-41F71413DB50}" type="datetimeFigureOut">
               <a:rPr lang="ko-KR" altLang="en-US" smtClean="0"/>
-              <a:t>2018-12-07</a:t>
+              <a:t>2018-12-16</a:t>
             </a:fld>
             <a:endParaRPr lang="ko-KR" altLang="en-US"/>
           </a:p>
@@ -2574,7 +2577,7 @@
           <a:p>
             <a:fld id="{F00B919D-B4A1-482F-AA08-41F71413DB50}" type="datetimeFigureOut">
               <a:rPr lang="ko-KR" altLang="en-US" smtClean="0"/>
-              <a:t>2018-12-07</a:t>
+              <a:t>2018-12-16</a:t>
             </a:fld>
             <a:endParaRPr lang="ko-KR" altLang="en-US"/>
           </a:p>
@@ -3305,13 +3308,13 @@
       </p:grpSpPr>
       <p:pic>
         <p:nvPicPr>
-          <p:cNvPr id="4" name="그림 3"/>
+          <p:cNvPr id="2" name="그림 1"/>
           <p:cNvPicPr>
-            <a:picLocks noChangeAspect="1"/>
+            <a:picLocks/>
           </p:cNvPicPr>
           <p:nvPr/>
         </p:nvPicPr>
-        <p:blipFill rotWithShape="1">
+        <p:blipFill>
           <a:blip r:embed="rId2">
             <a:extLst>
               <a:ext uri="{28A0092B-C50C-407E-A947-70E740481C1C}">
@@ -3319,13 +3322,14 @@
               </a:ext>
             </a:extLst>
           </a:blip>
-          <a:srcRect l="9279" t="10175" r="9180" b="21996"/>
-          <a:stretch/>
+          <a:stretch>
+            <a:fillRect/>
+          </a:stretch>
         </p:blipFill>
         <p:spPr>
           <a:xfrm>
-            <a:off x="4833257" y="2509935"/>
-            <a:ext cx="1819470" cy="1819470"/>
+            <a:off x="1524000" y="542925"/>
+            <a:ext cx="5760000" cy="5760000"/>
           </a:xfrm>
           <a:prstGeom prst="rect">
             <a:avLst/>
@@ -3334,13 +3338,13 @@
       </p:pic>
       <p:pic>
         <p:nvPicPr>
-          <p:cNvPr id="5" name="그림 4"/>
+          <p:cNvPr id="3" name="그림 2"/>
           <p:cNvPicPr>
             <a:picLocks noChangeAspect="1"/>
           </p:cNvPicPr>
           <p:nvPr/>
         </p:nvPicPr>
-        <p:blipFill rotWithShape="1">
+        <p:blipFill>
           <a:blip r:embed="rId3">
             <a:extLst>
               <a:ext uri="{28A0092B-C50C-407E-A947-70E740481C1C}">
@@ -3348,22 +3352,174 @@
               </a:ext>
             </a:extLst>
           </a:blip>
-          <a:srcRect l="9720" t="9683" r="8934" b="21793"/>
-          <a:stretch/>
+          <a:stretch>
+            <a:fillRect/>
+          </a:stretch>
         </p:blipFill>
         <p:spPr>
           <a:xfrm>
-            <a:off x="83976" y="177282"/>
-            <a:ext cx="1810138" cy="1838130"/>
+            <a:off x="4306598" y="2292494"/>
+            <a:ext cx="752475" cy="942975"/>
           </a:xfrm>
           <a:prstGeom prst="rect">
             <a:avLst/>
           </a:prstGeom>
         </p:spPr>
       </p:pic>
+      <p:grpSp>
+        <p:nvGrpSpPr>
+          <p:cNvPr id="7" name="그룹 6"/>
+          <p:cNvGrpSpPr/>
+          <p:nvPr/>
+        </p:nvGrpSpPr>
+        <p:grpSpPr>
+          <a:xfrm>
+            <a:off x="8142317" y="2049086"/>
+            <a:ext cx="2244436" cy="2086495"/>
+            <a:chOff x="8142317" y="2049086"/>
+            <a:chExt cx="2244436" cy="2086495"/>
+          </a:xfrm>
+        </p:grpSpPr>
+        <p:sp>
+          <p:nvSpPr>
+            <p:cNvPr id="4" name="폭발 2 3"/>
+            <p:cNvSpPr/>
+            <p:nvPr/>
+          </p:nvSpPr>
+          <p:spPr>
+            <a:xfrm rot="4716631">
+              <a:off x="8221287" y="1970116"/>
+              <a:ext cx="2086495" cy="2244436"/>
+            </a:xfrm>
+            <a:prstGeom prst="irregularSeal2">
+              <a:avLst/>
+            </a:prstGeom>
+            <a:solidFill>
+              <a:srgbClr val="FF0000"/>
+            </a:solidFill>
+            <a:ln>
+              <a:solidFill>
+                <a:srgbClr val="FFFF00"/>
+              </a:solidFill>
+            </a:ln>
+          </p:spPr>
+          <p:style>
+            <a:lnRef idx="2">
+              <a:schemeClr val="accent1">
+                <a:shade val="50000"/>
+              </a:schemeClr>
+            </a:lnRef>
+            <a:fillRef idx="1">
+              <a:schemeClr val="accent1"/>
+            </a:fillRef>
+            <a:effectRef idx="0">
+              <a:schemeClr val="accent1"/>
+            </a:effectRef>
+            <a:fontRef idx="minor">
+              <a:schemeClr val="lt1"/>
+            </a:fontRef>
+          </p:style>
+          <p:txBody>
+            <a:bodyPr rtlCol="0" anchor="ctr"/>
+            <a:lstStyle/>
+            <a:p>
+              <a:pPr algn="ctr"/>
+              <a:endParaRPr lang="ko-KR" altLang="en-US"/>
+            </a:p>
+          </p:txBody>
+        </p:sp>
+        <p:sp>
+          <p:nvSpPr>
+            <p:cNvPr id="6" name="폭발 2 5"/>
+            <p:cNvSpPr/>
+            <p:nvPr/>
+          </p:nvSpPr>
+          <p:spPr>
+            <a:xfrm rot="4716631">
+              <a:off x="8379477" y="2187126"/>
+              <a:ext cx="1761766" cy="1715030"/>
+            </a:xfrm>
+            <a:prstGeom prst="irregularSeal2">
+              <a:avLst/>
+            </a:prstGeom>
+            <a:solidFill>
+              <a:srgbClr val="FFFF00"/>
+            </a:solidFill>
+            <a:ln>
+              <a:solidFill>
+                <a:srgbClr val="FFC000"/>
+              </a:solidFill>
+            </a:ln>
+          </p:spPr>
+          <p:style>
+            <a:lnRef idx="2">
+              <a:schemeClr val="accent1">
+                <a:shade val="50000"/>
+              </a:schemeClr>
+            </a:lnRef>
+            <a:fillRef idx="1">
+              <a:schemeClr val="accent1"/>
+            </a:fillRef>
+            <a:effectRef idx="0">
+              <a:schemeClr val="accent1"/>
+            </a:effectRef>
+            <a:fontRef idx="minor">
+              <a:schemeClr val="lt1"/>
+            </a:fontRef>
+          </p:style>
+          <p:txBody>
+            <a:bodyPr rtlCol="0" anchor="ctr"/>
+            <a:lstStyle/>
+            <a:p>
+              <a:pPr algn="ctr"/>
+              <a:endParaRPr lang="ko-KR" altLang="en-US"/>
+            </a:p>
+          </p:txBody>
+        </p:sp>
+      </p:grpSp>
+      <p:sp>
+        <p:nvSpPr>
+          <p:cNvPr id="5" name="직사각형 4"/>
+          <p:cNvSpPr/>
+          <p:nvPr/>
+        </p:nvSpPr>
+        <p:spPr>
+          <a:xfrm>
+            <a:off x="7680960" y="1793730"/>
+            <a:ext cx="3790604" cy="1556299"/>
+          </a:xfrm>
+          <a:prstGeom prst="rect">
+            <a:avLst/>
+          </a:prstGeom>
+        </p:spPr>
+        <p:style>
+          <a:lnRef idx="2">
+            <a:schemeClr val="accent1">
+              <a:shade val="50000"/>
+            </a:schemeClr>
+          </a:lnRef>
+          <a:fillRef idx="1">
+            <a:schemeClr val="accent1"/>
+          </a:fillRef>
+          <a:effectRef idx="0">
+            <a:schemeClr val="accent1"/>
+          </a:effectRef>
+          <a:fontRef idx="minor">
+            <a:schemeClr val="lt1"/>
+          </a:fontRef>
+        </p:style>
+        <p:txBody>
+          <a:bodyPr rtlCol="0" anchor="ctr"/>
+          <a:lstStyle/>
+          <a:p>
+            <a:pPr algn="ctr"/>
+            <a:endParaRPr lang="ko-KR" altLang="en-US"/>
+          </a:p>
+        </p:txBody>
+      </p:sp>
       <p:pic>
         <p:nvPicPr>
-          <p:cNvPr id="6" name="그림 5"/>
+          <p:cNvPr id="8" name="그림 7"/>
           <p:cNvPicPr>
             <a:picLocks noChangeAspect="1"/>
           </p:cNvPicPr>
@@ -3377,71 +3533,13 @@
               </a:ext>
             </a:extLst>
           </a:blip>
-          <a:srcRect l="9677" t="9683" r="8780" b="22141"/>
+          <a:srcRect l="24903" t="64472" r="11012"/>
           <a:stretch/>
         </p:blipFill>
         <p:spPr>
           <a:xfrm>
-            <a:off x="2174033" y="177281"/>
-            <a:ext cx="1819469" cy="1828801"/>
-          </a:xfrm>
-          <a:prstGeom prst="rect">
-            <a:avLst/>
-          </a:prstGeom>
-        </p:spPr>
-      </p:pic>
-      <p:pic>
-        <p:nvPicPr>
-          <p:cNvPr id="7" name="그림 6"/>
-          <p:cNvPicPr>
-            <a:picLocks noChangeAspect="1"/>
-          </p:cNvPicPr>
-          <p:nvPr/>
-        </p:nvPicPr>
-        <p:blipFill rotWithShape="1">
-          <a:blip r:embed="rId5">
-            <a:extLst>
-              <a:ext uri="{28A0092B-C50C-407E-A947-70E740481C1C}">
-                <a14:useLocalDpi xmlns:a14="http://schemas.microsoft.com/office/drawing/2010/main" val="0"/>
-              </a:ext>
-            </a:extLst>
-          </a:blip>
-          <a:srcRect l="7682" t="10582" r="11193" b="21590"/>
-          <a:stretch/>
-        </p:blipFill>
-        <p:spPr>
-          <a:xfrm>
-            <a:off x="4152122" y="335902"/>
-            <a:ext cx="1810139" cy="1819469"/>
-          </a:xfrm>
-          <a:prstGeom prst="rect">
-            <a:avLst/>
-          </a:prstGeom>
-        </p:spPr>
-      </p:pic>
-      <p:pic>
-        <p:nvPicPr>
-          <p:cNvPr id="8" name="그림 7"/>
-          <p:cNvPicPr>
-            <a:picLocks noChangeAspect="1"/>
-          </p:cNvPicPr>
-          <p:nvPr/>
-        </p:nvPicPr>
-        <p:blipFill rotWithShape="1">
-          <a:blip r:embed="rId6">
-            <a:extLst>
-              <a:ext uri="{28A0092B-C50C-407E-A947-70E740481C1C}">
-                <a14:useLocalDpi xmlns:a14="http://schemas.microsoft.com/office/drawing/2010/main" val="0"/>
-              </a:ext>
-            </a:extLst>
-          </a:blip>
-          <a:srcRect l="9364" t="12146" r="8870" b="20373"/>
-          <a:stretch/>
-        </p:blipFill>
-        <p:spPr>
-          <a:xfrm>
-            <a:off x="6363478" y="335902"/>
-            <a:ext cx="1819469" cy="1810139"/>
+            <a:off x="8337665" y="4754880"/>
+            <a:ext cx="1562793" cy="695269"/>
           </a:xfrm>
           <a:prstGeom prst="rect">
             <a:avLst/>
@@ -3457,252 +3555,20 @@
           <p:nvPr/>
         </p:nvPicPr>
         <p:blipFill rotWithShape="1">
-          <a:blip r:embed="rId7">
+          <a:blip r:embed="rId4">
             <a:extLst>
               <a:ext uri="{28A0092B-C50C-407E-A947-70E740481C1C}">
                 <a14:useLocalDpi xmlns:a14="http://schemas.microsoft.com/office/drawing/2010/main" val="0"/>
               </a:ext>
             </a:extLst>
           </a:blip>
-          <a:srcRect l="9504" t="10602" r="8537" b="21763"/>
+          <a:srcRect l="24903" t="64472" r="11012"/>
           <a:stretch/>
         </p:blipFill>
         <p:spPr>
           <a:xfrm>
-            <a:off x="9274630" y="531845"/>
-            <a:ext cx="1828800" cy="1810140"/>
-          </a:xfrm>
-          <a:prstGeom prst="rect">
-            <a:avLst/>
-          </a:prstGeom>
-        </p:spPr>
-      </p:pic>
-      <p:pic>
-        <p:nvPicPr>
-          <p:cNvPr id="10" name="그림 9"/>
-          <p:cNvPicPr>
-            <a:picLocks noChangeAspect="1"/>
-          </p:cNvPicPr>
-          <p:nvPr/>
-        </p:nvPicPr>
-        <p:blipFill rotWithShape="1">
-          <a:blip r:embed="rId8">
-            <a:extLst>
-              <a:ext uri="{28A0092B-C50C-407E-A947-70E740481C1C}">
-                <a14:useLocalDpi xmlns:a14="http://schemas.microsoft.com/office/drawing/2010/main" val="0"/>
-              </a:ext>
-            </a:extLst>
-          </a:blip>
-          <a:srcRect l="8705" t="10491" r="8692" b="20830"/>
-          <a:stretch/>
-        </p:blipFill>
-        <p:spPr>
-          <a:xfrm>
-            <a:off x="447869" y="2472612"/>
-            <a:ext cx="1838131" cy="1838131"/>
-          </a:xfrm>
-          <a:prstGeom prst="rect">
-            <a:avLst/>
-          </a:prstGeom>
-        </p:spPr>
-      </p:pic>
-      <p:pic>
-        <p:nvPicPr>
-          <p:cNvPr id="11" name="그림 10"/>
-          <p:cNvPicPr>
-            <a:picLocks noChangeAspect="1"/>
-          </p:cNvPicPr>
-          <p:nvPr/>
-        </p:nvPicPr>
-        <p:blipFill rotWithShape="1">
-          <a:blip r:embed="rId9">
-            <a:extLst>
-              <a:ext uri="{28A0092B-C50C-407E-A947-70E740481C1C}">
-                <a14:useLocalDpi xmlns:a14="http://schemas.microsoft.com/office/drawing/2010/main" val="0"/>
-              </a:ext>
-            </a:extLst>
-          </a:blip>
-          <a:srcRect l="9116" t="10536" r="8924" b="21482"/>
-          <a:stretch/>
-        </p:blipFill>
-        <p:spPr>
-          <a:xfrm>
-            <a:off x="2565919" y="2677886"/>
-            <a:ext cx="1828800" cy="1819469"/>
-          </a:xfrm>
-          <a:prstGeom prst="rect">
-            <a:avLst/>
-          </a:prstGeom>
-        </p:spPr>
-      </p:pic>
-      <p:pic>
-        <p:nvPicPr>
-          <p:cNvPr id="12" name="그림 11"/>
-          <p:cNvPicPr>
-            <a:picLocks noChangeAspect="1"/>
-          </p:cNvPicPr>
-          <p:nvPr/>
-        </p:nvPicPr>
-        <p:blipFill rotWithShape="1">
-          <a:blip r:embed="rId10">
-            <a:extLst>
-              <a:ext uri="{28A0092B-C50C-407E-A947-70E740481C1C}">
-                <a14:useLocalDpi xmlns:a14="http://schemas.microsoft.com/office/drawing/2010/main" val="0"/>
-              </a:ext>
-            </a:extLst>
-          </a:blip>
-          <a:srcRect l="9851" t="9129" r="9024" b="23390"/>
-          <a:stretch/>
-        </p:blipFill>
-        <p:spPr>
-          <a:xfrm>
-            <a:off x="6895322" y="2416628"/>
-            <a:ext cx="1810139" cy="1810139"/>
-          </a:xfrm>
-          <a:prstGeom prst="rect">
-            <a:avLst/>
-          </a:prstGeom>
-        </p:spPr>
-      </p:pic>
-      <p:pic>
-        <p:nvPicPr>
-          <p:cNvPr id="13" name="그림 12"/>
-          <p:cNvPicPr>
-            <a:picLocks noChangeAspect="1"/>
-          </p:cNvPicPr>
-          <p:nvPr/>
-        </p:nvPicPr>
-        <p:blipFill rotWithShape="1">
-          <a:blip r:embed="rId11">
-            <a:extLst>
-              <a:ext uri="{28A0092B-C50C-407E-A947-70E740481C1C}">
-                <a14:useLocalDpi xmlns:a14="http://schemas.microsoft.com/office/drawing/2010/main" val="0"/>
-              </a:ext>
-            </a:extLst>
-          </a:blip>
-          <a:srcRect l="8947" t="8687" r="9511" b="22632"/>
-          <a:stretch/>
-        </p:blipFill>
-        <p:spPr>
-          <a:xfrm>
-            <a:off x="9321282" y="2743200"/>
-            <a:ext cx="1819469" cy="1838132"/>
-          </a:xfrm>
-          <a:prstGeom prst="rect">
-            <a:avLst/>
-          </a:prstGeom>
-        </p:spPr>
-      </p:pic>
-      <p:pic>
-        <p:nvPicPr>
-          <p:cNvPr id="14" name="그림 13"/>
-          <p:cNvPicPr>
-            <a:picLocks noChangeAspect="1"/>
-          </p:cNvPicPr>
-          <p:nvPr/>
-        </p:nvPicPr>
-        <p:blipFill rotWithShape="1">
-          <a:blip r:embed="rId12">
-            <a:extLst>
-              <a:ext uri="{28A0092B-C50C-407E-A947-70E740481C1C}">
-                <a14:useLocalDpi xmlns:a14="http://schemas.microsoft.com/office/drawing/2010/main" val="0"/>
-              </a:ext>
-            </a:extLst>
-          </a:blip>
-          <a:srcRect l="11950" t="12522" r="12104" b="19998"/>
-          <a:stretch/>
-        </p:blipFill>
-        <p:spPr>
-          <a:xfrm>
-            <a:off x="8472196" y="4646645"/>
-            <a:ext cx="1838132" cy="1810139"/>
-          </a:xfrm>
-          <a:prstGeom prst="rect">
-            <a:avLst/>
-          </a:prstGeom>
-        </p:spPr>
-      </p:pic>
-      <p:pic>
-        <p:nvPicPr>
-          <p:cNvPr id="15" name="그림 14"/>
-          <p:cNvPicPr>
-            <a:picLocks noChangeAspect="1"/>
-          </p:cNvPicPr>
-          <p:nvPr/>
-        </p:nvPicPr>
-        <p:blipFill rotWithShape="1">
-          <a:blip r:embed="rId13">
-            <a:extLst>
-              <a:ext uri="{28A0092B-C50C-407E-A947-70E740481C1C}">
-                <a14:useLocalDpi xmlns:a14="http://schemas.microsoft.com/office/drawing/2010/main" val="0"/>
-              </a:ext>
-            </a:extLst>
-          </a:blip>
-          <a:srcRect l="4896" t="14237" r="5826" b="17780"/>
-          <a:stretch/>
-        </p:blipFill>
-        <p:spPr>
-          <a:xfrm>
-            <a:off x="3219060" y="4562668"/>
-            <a:ext cx="1828801" cy="1819471"/>
-          </a:xfrm>
-          <a:prstGeom prst="rect">
-            <a:avLst/>
-          </a:prstGeom>
-        </p:spPr>
-      </p:pic>
-      <p:pic>
-        <p:nvPicPr>
-          <p:cNvPr id="16" name="그림 15"/>
-          <p:cNvPicPr>
-            <a:picLocks noChangeAspect="1"/>
-          </p:cNvPicPr>
-          <p:nvPr/>
-        </p:nvPicPr>
-        <p:blipFill rotWithShape="1">
-          <a:blip r:embed="rId14">
-            <a:extLst>
-              <a:ext uri="{28A0092B-C50C-407E-A947-70E740481C1C}">
-                <a14:useLocalDpi xmlns:a14="http://schemas.microsoft.com/office/drawing/2010/main" val="0"/>
-              </a:ext>
-            </a:extLst>
-          </a:blip>
-          <a:srcRect l="7633" t="14266" r="7487" b="18101"/>
-          <a:stretch/>
-        </p:blipFill>
-        <p:spPr>
-          <a:xfrm>
-            <a:off x="6027577" y="4637314"/>
-            <a:ext cx="1800807" cy="1810139"/>
-          </a:xfrm>
-          <a:prstGeom prst="rect">
-            <a:avLst/>
-          </a:prstGeom>
-        </p:spPr>
-      </p:pic>
-      <p:pic>
-        <p:nvPicPr>
-          <p:cNvPr id="17" name="그림 16"/>
-          <p:cNvPicPr>
-            <a:picLocks noChangeAspect="1"/>
-          </p:cNvPicPr>
-          <p:nvPr/>
-        </p:nvPicPr>
-        <p:blipFill rotWithShape="1">
-          <a:blip r:embed="rId15">
-            <a:extLst>
-              <a:ext uri="{28A0092B-C50C-407E-A947-70E740481C1C}">
-                <a14:useLocalDpi xmlns:a14="http://schemas.microsoft.com/office/drawing/2010/main" val="0"/>
-              </a:ext>
-            </a:extLst>
-          </a:blip>
-          <a:srcRect l="12722" t="12955" r="12489" b="19565"/>
-          <a:stretch/>
-        </p:blipFill>
-        <p:spPr>
-          <a:xfrm>
-            <a:off x="307910" y="4758612"/>
-            <a:ext cx="1810139" cy="1810139"/>
+            <a:off x="8437419" y="4754880"/>
+            <a:ext cx="1313411" cy="584322"/>
           </a:xfrm>
           <a:prstGeom prst="rect">
             <a:avLst/>
@@ -3712,7 +3578,7 @@
     </p:spTree>
     <p:extLst>
       <p:ext uri="{BB962C8B-B14F-4D97-AF65-F5344CB8AC3E}">
-        <p14:creationId xmlns:p14="http://schemas.microsoft.com/office/powerpoint/2010/main" val="1187032141"/>
+        <p14:creationId xmlns:p14="http://schemas.microsoft.com/office/powerpoint/2010/main" val="3398876871"/>
       </p:ext>
     </p:extLst>
   </p:cSld>
@@ -3739,10 +3605,1839 @@
           <a:chExt cx="0" cy="0"/>
         </a:xfrm>
       </p:grpSpPr>
+      <p:pic>
+        <p:nvPicPr>
+          <p:cNvPr id="19" name="그림 18"/>
+          <p:cNvPicPr>
+            <a:picLocks noChangeAspect="1"/>
+          </p:cNvPicPr>
+          <p:nvPr/>
+        </p:nvPicPr>
+        <p:blipFill>
+          <a:blip r:embed="rId2">
+            <a:extLst>
+              <a:ext uri="{28A0092B-C50C-407E-A947-70E740481C1C}">
+                <a14:useLocalDpi xmlns:a14="http://schemas.microsoft.com/office/drawing/2010/main" val="0"/>
+              </a:ext>
+            </a:extLst>
+          </a:blip>
+          <a:stretch>
+            <a:fillRect/>
+          </a:stretch>
+        </p:blipFill>
+        <p:spPr>
+          <a:xfrm>
+            <a:off x="10056048" y="4635565"/>
+            <a:ext cx="1800000" cy="1800000"/>
+          </a:xfrm>
+          <a:prstGeom prst="rect">
+            <a:avLst/>
+          </a:prstGeom>
+        </p:spPr>
+      </p:pic>
+      <p:grpSp>
+        <p:nvGrpSpPr>
+          <p:cNvPr id="37" name="그룹 36"/>
+          <p:cNvGrpSpPr/>
+          <p:nvPr/>
+        </p:nvGrpSpPr>
+        <p:grpSpPr>
+          <a:xfrm>
+            <a:off x="211298" y="231515"/>
+            <a:ext cx="1800000" cy="1800000"/>
+            <a:chOff x="211298" y="231515"/>
+            <a:chExt cx="1800000" cy="1800000"/>
+          </a:xfrm>
+        </p:grpSpPr>
+        <p:pic>
+          <p:nvPicPr>
+            <p:cNvPr id="4" name="그림 3"/>
+            <p:cNvPicPr>
+              <a:picLocks noChangeAspect="1"/>
+            </p:cNvPicPr>
+            <p:nvPr/>
+          </p:nvPicPr>
+          <p:blipFill>
+            <a:blip r:embed="rId2">
+              <a:extLst>
+                <a:ext uri="{28A0092B-C50C-407E-A947-70E740481C1C}">
+                  <a14:useLocalDpi xmlns:a14="http://schemas.microsoft.com/office/drawing/2010/main" val="0"/>
+                </a:ext>
+              </a:extLst>
+            </a:blip>
+            <a:stretch>
+              <a:fillRect/>
+            </a:stretch>
+          </p:blipFill>
+          <p:spPr>
+            <a:xfrm>
+              <a:off x="211298" y="231515"/>
+              <a:ext cx="1800000" cy="1800000"/>
+            </a:xfrm>
+            <a:prstGeom prst="rect">
+              <a:avLst/>
+            </a:prstGeom>
+          </p:spPr>
+        </p:pic>
+        <p:sp>
+          <p:nvSpPr>
+            <p:cNvPr id="20" name="TextBox 19"/>
+            <p:cNvSpPr txBox="1"/>
+            <p:nvPr/>
+          </p:nvSpPr>
+          <p:spPr>
+            <a:xfrm>
+              <a:off x="665502" y="296830"/>
+              <a:ext cx="891591" cy="1631216"/>
+            </a:xfrm>
+            <a:prstGeom prst="rect">
+              <a:avLst/>
+            </a:prstGeom>
+            <a:noFill/>
+          </p:spPr>
+          <p:txBody>
+            <a:bodyPr wrap="none" rtlCol="0">
+              <a:spAutoFit/>
+            </a:bodyPr>
+            <a:lstStyle/>
+            <a:p>
+              <a:r>
+                <a:rPr lang="en-US" altLang="ko-KR" sz="10000" dirty="0" smtClean="0">
+                  <a:solidFill>
+                    <a:schemeClr val="bg1"/>
+                  </a:solidFill>
+                </a:rPr>
+                <a:t>0</a:t>
+              </a:r>
+              <a:endParaRPr lang="ko-KR" altLang="en-US" sz="10000" dirty="0">
+                <a:solidFill>
+                  <a:schemeClr val="bg1"/>
+                </a:solidFill>
+              </a:endParaRPr>
+            </a:p>
+          </p:txBody>
+        </p:sp>
+      </p:grpSp>
+      <p:grpSp>
+        <p:nvGrpSpPr>
+          <p:cNvPr id="38" name="그룹 37"/>
+          <p:cNvGrpSpPr/>
+          <p:nvPr/>
+        </p:nvGrpSpPr>
+        <p:grpSpPr>
+          <a:xfrm>
+            <a:off x="2795877" y="231515"/>
+            <a:ext cx="1800000" cy="1800000"/>
+            <a:chOff x="2795877" y="231515"/>
+            <a:chExt cx="1800000" cy="1800000"/>
+          </a:xfrm>
+        </p:grpSpPr>
+        <p:pic>
+          <p:nvPicPr>
+            <p:cNvPr id="6" name="그림 5"/>
+            <p:cNvPicPr>
+              <a:picLocks noChangeAspect="1"/>
+            </p:cNvPicPr>
+            <p:nvPr/>
+          </p:nvPicPr>
+          <p:blipFill>
+            <a:blip r:embed="rId2">
+              <a:extLst>
+                <a:ext uri="{28A0092B-C50C-407E-A947-70E740481C1C}">
+                  <a14:useLocalDpi xmlns:a14="http://schemas.microsoft.com/office/drawing/2010/main" val="0"/>
+                </a:ext>
+              </a:extLst>
+            </a:blip>
+            <a:stretch>
+              <a:fillRect/>
+            </a:stretch>
+          </p:blipFill>
+          <p:spPr>
+            <a:xfrm>
+              <a:off x="2795877" y="231515"/>
+              <a:ext cx="1800000" cy="1800000"/>
+            </a:xfrm>
+            <a:prstGeom prst="rect">
+              <a:avLst/>
+            </a:prstGeom>
+          </p:spPr>
+        </p:pic>
+        <p:sp>
+          <p:nvSpPr>
+            <p:cNvPr id="21" name="TextBox 20"/>
+            <p:cNvSpPr txBox="1"/>
+            <p:nvPr/>
+          </p:nvSpPr>
+          <p:spPr>
+            <a:xfrm>
+              <a:off x="3250081" y="296830"/>
+              <a:ext cx="891591" cy="1631216"/>
+            </a:xfrm>
+            <a:prstGeom prst="rect">
+              <a:avLst/>
+            </a:prstGeom>
+            <a:noFill/>
+          </p:spPr>
+          <p:txBody>
+            <a:bodyPr wrap="none" rtlCol="0">
+              <a:spAutoFit/>
+            </a:bodyPr>
+            <a:lstStyle/>
+            <a:p>
+              <a:r>
+                <a:rPr lang="en-US" altLang="ko-KR" sz="10000" dirty="0" smtClean="0">
+                  <a:solidFill>
+                    <a:schemeClr val="bg1"/>
+                  </a:solidFill>
+                </a:rPr>
+                <a:t>1</a:t>
+              </a:r>
+              <a:endParaRPr lang="ko-KR" altLang="en-US" sz="10000" dirty="0">
+                <a:solidFill>
+                  <a:schemeClr val="bg1"/>
+                </a:solidFill>
+              </a:endParaRPr>
+            </a:p>
+          </p:txBody>
+        </p:sp>
+      </p:grpSp>
+      <p:grpSp>
+        <p:nvGrpSpPr>
+          <p:cNvPr id="39" name="그룹 38"/>
+          <p:cNvGrpSpPr/>
+          <p:nvPr/>
+        </p:nvGrpSpPr>
+        <p:grpSpPr>
+          <a:xfrm>
+            <a:off x="5128530" y="231515"/>
+            <a:ext cx="1800000" cy="1800000"/>
+            <a:chOff x="5128530" y="231515"/>
+            <a:chExt cx="1800000" cy="1800000"/>
+          </a:xfrm>
+        </p:grpSpPr>
+        <p:pic>
+          <p:nvPicPr>
+            <p:cNvPr id="7" name="그림 6"/>
+            <p:cNvPicPr>
+              <a:picLocks noChangeAspect="1"/>
+            </p:cNvPicPr>
+            <p:nvPr/>
+          </p:nvPicPr>
+          <p:blipFill>
+            <a:blip r:embed="rId2">
+              <a:extLst>
+                <a:ext uri="{28A0092B-C50C-407E-A947-70E740481C1C}">
+                  <a14:useLocalDpi xmlns:a14="http://schemas.microsoft.com/office/drawing/2010/main" val="0"/>
+                </a:ext>
+              </a:extLst>
+            </a:blip>
+            <a:stretch>
+              <a:fillRect/>
+            </a:stretch>
+          </p:blipFill>
+          <p:spPr>
+            <a:xfrm>
+              <a:off x="5128530" y="231515"/>
+              <a:ext cx="1800000" cy="1800000"/>
+            </a:xfrm>
+            <a:prstGeom prst="rect">
+              <a:avLst/>
+            </a:prstGeom>
+          </p:spPr>
+        </p:pic>
+        <p:sp>
+          <p:nvSpPr>
+            <p:cNvPr id="24" name="TextBox 23"/>
+            <p:cNvSpPr txBox="1"/>
+            <p:nvPr/>
+          </p:nvSpPr>
+          <p:spPr>
+            <a:xfrm>
+              <a:off x="5587878" y="296830"/>
+              <a:ext cx="891591" cy="1631216"/>
+            </a:xfrm>
+            <a:prstGeom prst="rect">
+              <a:avLst/>
+            </a:prstGeom>
+            <a:noFill/>
+          </p:spPr>
+          <p:txBody>
+            <a:bodyPr wrap="none" rtlCol="0">
+              <a:spAutoFit/>
+            </a:bodyPr>
+            <a:lstStyle/>
+            <a:p>
+              <a:r>
+                <a:rPr lang="en-US" altLang="ko-KR" sz="10000" dirty="0" smtClean="0">
+                  <a:solidFill>
+                    <a:schemeClr val="bg1"/>
+                  </a:solidFill>
+                </a:rPr>
+                <a:t>2</a:t>
+              </a:r>
+              <a:endParaRPr lang="ko-KR" altLang="en-US" sz="10000" dirty="0">
+                <a:solidFill>
+                  <a:schemeClr val="bg1"/>
+                </a:solidFill>
+              </a:endParaRPr>
+            </a:p>
+          </p:txBody>
+        </p:sp>
+      </p:grpSp>
+      <p:grpSp>
+        <p:nvGrpSpPr>
+          <p:cNvPr id="40" name="그룹 39"/>
+          <p:cNvGrpSpPr/>
+          <p:nvPr/>
+        </p:nvGrpSpPr>
+        <p:grpSpPr>
+          <a:xfrm>
+            <a:off x="7518121" y="231515"/>
+            <a:ext cx="1800000" cy="1800000"/>
+            <a:chOff x="7518121" y="231515"/>
+            <a:chExt cx="1800000" cy="1800000"/>
+          </a:xfrm>
+        </p:grpSpPr>
+        <p:pic>
+          <p:nvPicPr>
+            <p:cNvPr id="8" name="그림 7"/>
+            <p:cNvPicPr>
+              <a:picLocks noChangeAspect="1"/>
+            </p:cNvPicPr>
+            <p:nvPr/>
+          </p:nvPicPr>
+          <p:blipFill>
+            <a:blip r:embed="rId2">
+              <a:extLst>
+                <a:ext uri="{28A0092B-C50C-407E-A947-70E740481C1C}">
+                  <a14:useLocalDpi xmlns:a14="http://schemas.microsoft.com/office/drawing/2010/main" val="0"/>
+                </a:ext>
+              </a:extLst>
+            </a:blip>
+            <a:stretch>
+              <a:fillRect/>
+            </a:stretch>
+          </p:blipFill>
+          <p:spPr>
+            <a:xfrm>
+              <a:off x="7518121" y="231515"/>
+              <a:ext cx="1800000" cy="1800000"/>
+            </a:xfrm>
+            <a:prstGeom prst="rect">
+              <a:avLst/>
+            </a:prstGeom>
+          </p:spPr>
+        </p:pic>
+        <p:sp>
+          <p:nvSpPr>
+            <p:cNvPr id="25" name="TextBox 24"/>
+            <p:cNvSpPr txBox="1"/>
+            <p:nvPr/>
+          </p:nvSpPr>
+          <p:spPr>
+            <a:xfrm>
+              <a:off x="8013630" y="278055"/>
+              <a:ext cx="891591" cy="1631216"/>
+            </a:xfrm>
+            <a:prstGeom prst="rect">
+              <a:avLst/>
+            </a:prstGeom>
+            <a:noFill/>
+          </p:spPr>
+          <p:txBody>
+            <a:bodyPr wrap="none" rtlCol="0">
+              <a:spAutoFit/>
+            </a:bodyPr>
+            <a:lstStyle/>
+            <a:p>
+              <a:r>
+                <a:rPr lang="en-US" altLang="ko-KR" sz="10000" dirty="0" smtClean="0">
+                  <a:solidFill>
+                    <a:schemeClr val="bg1"/>
+                  </a:solidFill>
+                </a:rPr>
+                <a:t>3</a:t>
+              </a:r>
+              <a:endParaRPr lang="ko-KR" altLang="en-US" sz="10000" dirty="0">
+                <a:solidFill>
+                  <a:schemeClr val="bg1"/>
+                </a:solidFill>
+              </a:endParaRPr>
+            </a:p>
+          </p:txBody>
+        </p:sp>
+      </p:grpSp>
+      <p:grpSp>
+        <p:nvGrpSpPr>
+          <p:cNvPr id="41" name="그룹 40"/>
+          <p:cNvGrpSpPr/>
+          <p:nvPr/>
+        </p:nvGrpSpPr>
+        <p:grpSpPr>
+          <a:xfrm>
+            <a:off x="10056048" y="296830"/>
+            <a:ext cx="1800000" cy="1800000"/>
+            <a:chOff x="10056048" y="296830"/>
+            <a:chExt cx="1800000" cy="1800000"/>
+          </a:xfrm>
+        </p:grpSpPr>
+        <p:pic>
+          <p:nvPicPr>
+            <p:cNvPr id="9" name="그림 8"/>
+            <p:cNvPicPr>
+              <a:picLocks noChangeAspect="1"/>
+            </p:cNvPicPr>
+            <p:nvPr/>
+          </p:nvPicPr>
+          <p:blipFill>
+            <a:blip r:embed="rId2">
+              <a:extLst>
+                <a:ext uri="{28A0092B-C50C-407E-A947-70E740481C1C}">
+                  <a14:useLocalDpi xmlns:a14="http://schemas.microsoft.com/office/drawing/2010/main" val="0"/>
+                </a:ext>
+              </a:extLst>
+            </a:blip>
+            <a:stretch>
+              <a:fillRect/>
+            </a:stretch>
+          </p:blipFill>
+          <p:spPr>
+            <a:xfrm>
+              <a:off x="10056048" y="296830"/>
+              <a:ext cx="1800000" cy="1800000"/>
+            </a:xfrm>
+            <a:prstGeom prst="rect">
+              <a:avLst/>
+            </a:prstGeom>
+          </p:spPr>
+        </p:pic>
+        <p:sp>
+          <p:nvSpPr>
+            <p:cNvPr id="26" name="TextBox 25"/>
+            <p:cNvSpPr txBox="1"/>
+            <p:nvPr/>
+          </p:nvSpPr>
+          <p:spPr>
+            <a:xfrm>
+              <a:off x="10510252" y="315907"/>
+              <a:ext cx="891591" cy="1631216"/>
+            </a:xfrm>
+            <a:prstGeom prst="rect">
+              <a:avLst/>
+            </a:prstGeom>
+            <a:noFill/>
+          </p:spPr>
+          <p:txBody>
+            <a:bodyPr wrap="none" rtlCol="0">
+              <a:spAutoFit/>
+            </a:bodyPr>
+            <a:lstStyle/>
+            <a:p>
+              <a:r>
+                <a:rPr lang="en-US" altLang="ko-KR" sz="10000" dirty="0" smtClean="0">
+                  <a:solidFill>
+                    <a:schemeClr val="bg1"/>
+                  </a:solidFill>
+                </a:rPr>
+                <a:t>4</a:t>
+              </a:r>
+              <a:endParaRPr lang="ko-KR" altLang="en-US" sz="10000" dirty="0">
+                <a:solidFill>
+                  <a:schemeClr val="bg1"/>
+                </a:solidFill>
+              </a:endParaRPr>
+            </a:p>
+          </p:txBody>
+        </p:sp>
+      </p:grpSp>
+      <p:grpSp>
+        <p:nvGrpSpPr>
+          <p:cNvPr id="42" name="그룹 41"/>
+          <p:cNvGrpSpPr/>
+          <p:nvPr/>
+        </p:nvGrpSpPr>
+        <p:grpSpPr>
+          <a:xfrm>
+            <a:off x="211298" y="2442870"/>
+            <a:ext cx="1800000" cy="1800000"/>
+            <a:chOff x="211298" y="2442870"/>
+            <a:chExt cx="1800000" cy="1800000"/>
+          </a:xfrm>
+        </p:grpSpPr>
+        <p:pic>
+          <p:nvPicPr>
+            <p:cNvPr id="10" name="그림 9"/>
+            <p:cNvPicPr>
+              <a:picLocks noChangeAspect="1"/>
+            </p:cNvPicPr>
+            <p:nvPr/>
+          </p:nvPicPr>
+          <p:blipFill>
+            <a:blip r:embed="rId2">
+              <a:extLst>
+                <a:ext uri="{28A0092B-C50C-407E-A947-70E740481C1C}">
+                  <a14:useLocalDpi xmlns:a14="http://schemas.microsoft.com/office/drawing/2010/main" val="0"/>
+                </a:ext>
+              </a:extLst>
+            </a:blip>
+            <a:stretch>
+              <a:fillRect/>
+            </a:stretch>
+          </p:blipFill>
+          <p:spPr>
+            <a:xfrm>
+              <a:off x="211298" y="2442870"/>
+              <a:ext cx="1800000" cy="1800000"/>
+            </a:xfrm>
+            <a:prstGeom prst="rect">
+              <a:avLst/>
+            </a:prstGeom>
+          </p:spPr>
+        </p:pic>
+        <p:sp>
+          <p:nvSpPr>
+            <p:cNvPr id="27" name="TextBox 26"/>
+            <p:cNvSpPr txBox="1"/>
+            <p:nvPr/>
+          </p:nvSpPr>
+          <p:spPr>
+            <a:xfrm>
+              <a:off x="665502" y="2488858"/>
+              <a:ext cx="891591" cy="1631216"/>
+            </a:xfrm>
+            <a:prstGeom prst="rect">
+              <a:avLst/>
+            </a:prstGeom>
+            <a:noFill/>
+          </p:spPr>
+          <p:txBody>
+            <a:bodyPr wrap="none" rtlCol="0">
+              <a:spAutoFit/>
+            </a:bodyPr>
+            <a:lstStyle/>
+            <a:p>
+              <a:r>
+                <a:rPr lang="en-US" altLang="ko-KR" sz="10000" dirty="0" smtClean="0">
+                  <a:solidFill>
+                    <a:schemeClr val="bg1"/>
+                  </a:solidFill>
+                </a:rPr>
+                <a:t>5</a:t>
+              </a:r>
+              <a:endParaRPr lang="ko-KR" altLang="en-US" sz="10000" dirty="0">
+                <a:solidFill>
+                  <a:schemeClr val="bg1"/>
+                </a:solidFill>
+              </a:endParaRPr>
+            </a:p>
+          </p:txBody>
+        </p:sp>
+      </p:grpSp>
+      <p:grpSp>
+        <p:nvGrpSpPr>
+          <p:cNvPr id="43" name="그룹 42"/>
+          <p:cNvGrpSpPr/>
+          <p:nvPr/>
+        </p:nvGrpSpPr>
+        <p:grpSpPr>
+          <a:xfrm>
+            <a:off x="2795877" y="2442870"/>
+            <a:ext cx="1800000" cy="1800000"/>
+            <a:chOff x="2795877" y="2442870"/>
+            <a:chExt cx="1800000" cy="1800000"/>
+          </a:xfrm>
+        </p:grpSpPr>
+        <p:pic>
+          <p:nvPicPr>
+            <p:cNvPr id="11" name="그림 10"/>
+            <p:cNvPicPr>
+              <a:picLocks noChangeAspect="1"/>
+            </p:cNvPicPr>
+            <p:nvPr/>
+          </p:nvPicPr>
+          <p:blipFill>
+            <a:blip r:embed="rId2">
+              <a:extLst>
+                <a:ext uri="{28A0092B-C50C-407E-A947-70E740481C1C}">
+                  <a14:useLocalDpi xmlns:a14="http://schemas.microsoft.com/office/drawing/2010/main" val="0"/>
+                </a:ext>
+              </a:extLst>
+            </a:blip>
+            <a:stretch>
+              <a:fillRect/>
+            </a:stretch>
+          </p:blipFill>
+          <p:spPr>
+            <a:xfrm>
+              <a:off x="2795877" y="2442870"/>
+              <a:ext cx="1800000" cy="1800000"/>
+            </a:xfrm>
+            <a:prstGeom prst="rect">
+              <a:avLst/>
+            </a:prstGeom>
+          </p:spPr>
+        </p:pic>
+        <p:sp>
+          <p:nvSpPr>
+            <p:cNvPr id="28" name="TextBox 27"/>
+            <p:cNvSpPr txBox="1"/>
+            <p:nvPr/>
+          </p:nvSpPr>
+          <p:spPr>
+            <a:xfrm>
+              <a:off x="3250081" y="2488858"/>
+              <a:ext cx="891591" cy="1631216"/>
+            </a:xfrm>
+            <a:prstGeom prst="rect">
+              <a:avLst/>
+            </a:prstGeom>
+            <a:noFill/>
+          </p:spPr>
+          <p:txBody>
+            <a:bodyPr wrap="none" rtlCol="0">
+              <a:spAutoFit/>
+            </a:bodyPr>
+            <a:lstStyle/>
+            <a:p>
+              <a:r>
+                <a:rPr lang="en-US" altLang="ko-KR" sz="10000" dirty="0" smtClean="0">
+                  <a:solidFill>
+                    <a:schemeClr val="bg1"/>
+                  </a:solidFill>
+                </a:rPr>
+                <a:t>6</a:t>
+              </a:r>
+              <a:endParaRPr lang="ko-KR" altLang="en-US" sz="10000" dirty="0">
+                <a:solidFill>
+                  <a:schemeClr val="bg1"/>
+                </a:solidFill>
+              </a:endParaRPr>
+            </a:p>
+          </p:txBody>
+        </p:sp>
+      </p:grpSp>
+      <p:grpSp>
+        <p:nvGrpSpPr>
+          <p:cNvPr id="44" name="그룹 43"/>
+          <p:cNvGrpSpPr/>
+          <p:nvPr/>
+        </p:nvGrpSpPr>
+        <p:grpSpPr>
+          <a:xfrm>
+            <a:off x="5128530" y="2442870"/>
+            <a:ext cx="1800000" cy="1800000"/>
+            <a:chOff x="5128530" y="2442870"/>
+            <a:chExt cx="1800000" cy="1800000"/>
+          </a:xfrm>
+        </p:grpSpPr>
+        <p:pic>
+          <p:nvPicPr>
+            <p:cNvPr id="12" name="그림 11"/>
+            <p:cNvPicPr>
+              <a:picLocks noChangeAspect="1"/>
+            </p:cNvPicPr>
+            <p:nvPr/>
+          </p:nvPicPr>
+          <p:blipFill>
+            <a:blip r:embed="rId2">
+              <a:extLst>
+                <a:ext uri="{28A0092B-C50C-407E-A947-70E740481C1C}">
+                  <a14:useLocalDpi xmlns:a14="http://schemas.microsoft.com/office/drawing/2010/main" val="0"/>
+                </a:ext>
+              </a:extLst>
+            </a:blip>
+            <a:stretch>
+              <a:fillRect/>
+            </a:stretch>
+          </p:blipFill>
+          <p:spPr>
+            <a:xfrm>
+              <a:off x="5128530" y="2442870"/>
+              <a:ext cx="1800000" cy="1800000"/>
+            </a:xfrm>
+            <a:prstGeom prst="rect">
+              <a:avLst/>
+            </a:prstGeom>
+          </p:spPr>
+        </p:pic>
+        <p:sp>
+          <p:nvSpPr>
+            <p:cNvPr id="29" name="TextBox 28"/>
+            <p:cNvSpPr txBox="1"/>
+            <p:nvPr/>
+          </p:nvSpPr>
+          <p:spPr>
+            <a:xfrm>
+              <a:off x="5587878" y="2488858"/>
+              <a:ext cx="891591" cy="1631216"/>
+            </a:xfrm>
+            <a:prstGeom prst="rect">
+              <a:avLst/>
+            </a:prstGeom>
+            <a:noFill/>
+          </p:spPr>
+          <p:txBody>
+            <a:bodyPr wrap="none" rtlCol="0">
+              <a:spAutoFit/>
+            </a:bodyPr>
+            <a:lstStyle/>
+            <a:p>
+              <a:r>
+                <a:rPr lang="en-US" altLang="ko-KR" sz="10000" dirty="0" smtClean="0">
+                  <a:solidFill>
+                    <a:schemeClr val="bg1"/>
+                  </a:solidFill>
+                </a:rPr>
+                <a:t>7</a:t>
+              </a:r>
+              <a:endParaRPr lang="ko-KR" altLang="en-US" sz="10000" dirty="0">
+                <a:solidFill>
+                  <a:schemeClr val="bg1"/>
+                </a:solidFill>
+              </a:endParaRPr>
+            </a:p>
+          </p:txBody>
+        </p:sp>
+      </p:grpSp>
+      <p:grpSp>
+        <p:nvGrpSpPr>
+          <p:cNvPr id="45" name="그룹 44"/>
+          <p:cNvGrpSpPr/>
+          <p:nvPr/>
+        </p:nvGrpSpPr>
+        <p:grpSpPr>
+          <a:xfrm>
+            <a:off x="7518121" y="2442870"/>
+            <a:ext cx="1800000" cy="1800000"/>
+            <a:chOff x="7518121" y="2442870"/>
+            <a:chExt cx="1800000" cy="1800000"/>
+          </a:xfrm>
+        </p:grpSpPr>
+        <p:pic>
+          <p:nvPicPr>
+            <p:cNvPr id="13" name="그림 12"/>
+            <p:cNvPicPr>
+              <a:picLocks noChangeAspect="1"/>
+            </p:cNvPicPr>
+            <p:nvPr/>
+          </p:nvPicPr>
+          <p:blipFill>
+            <a:blip r:embed="rId2">
+              <a:extLst>
+                <a:ext uri="{28A0092B-C50C-407E-A947-70E740481C1C}">
+                  <a14:useLocalDpi xmlns:a14="http://schemas.microsoft.com/office/drawing/2010/main" val="0"/>
+                </a:ext>
+              </a:extLst>
+            </a:blip>
+            <a:stretch>
+              <a:fillRect/>
+            </a:stretch>
+          </p:blipFill>
+          <p:spPr>
+            <a:xfrm>
+              <a:off x="7518121" y="2442870"/>
+              <a:ext cx="1800000" cy="1800000"/>
+            </a:xfrm>
+            <a:prstGeom prst="rect">
+              <a:avLst/>
+            </a:prstGeom>
+          </p:spPr>
+        </p:pic>
+        <p:sp>
+          <p:nvSpPr>
+            <p:cNvPr id="30" name="TextBox 29"/>
+            <p:cNvSpPr txBox="1"/>
+            <p:nvPr/>
+          </p:nvSpPr>
+          <p:spPr>
+            <a:xfrm>
+              <a:off x="7972323" y="2534607"/>
+              <a:ext cx="891591" cy="1631216"/>
+            </a:xfrm>
+            <a:prstGeom prst="rect">
+              <a:avLst/>
+            </a:prstGeom>
+            <a:noFill/>
+          </p:spPr>
+          <p:txBody>
+            <a:bodyPr wrap="none" rtlCol="0">
+              <a:spAutoFit/>
+            </a:bodyPr>
+            <a:lstStyle/>
+            <a:p>
+              <a:r>
+                <a:rPr lang="en-US" altLang="ko-KR" sz="10000" dirty="0" smtClean="0">
+                  <a:solidFill>
+                    <a:schemeClr val="bg1"/>
+                  </a:solidFill>
+                </a:rPr>
+                <a:t>8</a:t>
+              </a:r>
+              <a:endParaRPr lang="ko-KR" altLang="en-US" sz="10000" dirty="0">
+                <a:solidFill>
+                  <a:schemeClr val="bg1"/>
+                </a:solidFill>
+              </a:endParaRPr>
+            </a:p>
+          </p:txBody>
+        </p:sp>
+      </p:grpSp>
+      <p:grpSp>
+        <p:nvGrpSpPr>
+          <p:cNvPr id="46" name="그룹 45"/>
+          <p:cNvGrpSpPr/>
+          <p:nvPr/>
+        </p:nvGrpSpPr>
+        <p:grpSpPr>
+          <a:xfrm>
+            <a:off x="10056048" y="2508185"/>
+            <a:ext cx="1800000" cy="1800000"/>
+            <a:chOff x="10056048" y="2508185"/>
+            <a:chExt cx="1800000" cy="1800000"/>
+          </a:xfrm>
+        </p:grpSpPr>
+        <p:pic>
+          <p:nvPicPr>
+            <p:cNvPr id="14" name="그림 13"/>
+            <p:cNvPicPr>
+              <a:picLocks noChangeAspect="1"/>
+            </p:cNvPicPr>
+            <p:nvPr/>
+          </p:nvPicPr>
+          <p:blipFill>
+            <a:blip r:embed="rId2">
+              <a:extLst>
+                <a:ext uri="{28A0092B-C50C-407E-A947-70E740481C1C}">
+                  <a14:useLocalDpi xmlns:a14="http://schemas.microsoft.com/office/drawing/2010/main" val="0"/>
+                </a:ext>
+              </a:extLst>
+            </a:blip>
+            <a:stretch>
+              <a:fillRect/>
+            </a:stretch>
+          </p:blipFill>
+          <p:spPr>
+            <a:xfrm>
+              <a:off x="10056048" y="2508185"/>
+              <a:ext cx="1800000" cy="1800000"/>
+            </a:xfrm>
+            <a:prstGeom prst="rect">
+              <a:avLst/>
+            </a:prstGeom>
+          </p:spPr>
+        </p:pic>
+        <p:sp>
+          <p:nvSpPr>
+            <p:cNvPr id="31" name="TextBox 30"/>
+            <p:cNvSpPr txBox="1"/>
+            <p:nvPr/>
+          </p:nvSpPr>
+          <p:spPr>
+            <a:xfrm>
+              <a:off x="10519417" y="2592577"/>
+              <a:ext cx="891591" cy="1631216"/>
+            </a:xfrm>
+            <a:prstGeom prst="rect">
+              <a:avLst/>
+            </a:prstGeom>
+            <a:noFill/>
+          </p:spPr>
+          <p:txBody>
+            <a:bodyPr wrap="none" rtlCol="0">
+              <a:spAutoFit/>
+            </a:bodyPr>
+            <a:lstStyle/>
+            <a:p>
+              <a:r>
+                <a:rPr lang="en-US" altLang="ko-KR" sz="10000" dirty="0" smtClean="0">
+                  <a:solidFill>
+                    <a:schemeClr val="bg1"/>
+                  </a:solidFill>
+                </a:rPr>
+                <a:t>9</a:t>
+              </a:r>
+              <a:endParaRPr lang="ko-KR" altLang="en-US" sz="10000" dirty="0">
+                <a:solidFill>
+                  <a:schemeClr val="bg1"/>
+                </a:solidFill>
+              </a:endParaRPr>
+            </a:p>
+          </p:txBody>
+        </p:sp>
+      </p:grpSp>
+      <p:grpSp>
+        <p:nvGrpSpPr>
+          <p:cNvPr id="47" name="그룹 46"/>
+          <p:cNvGrpSpPr/>
+          <p:nvPr/>
+        </p:nvGrpSpPr>
+        <p:grpSpPr>
+          <a:xfrm>
+            <a:off x="211298" y="4570250"/>
+            <a:ext cx="1800000" cy="1800000"/>
+            <a:chOff x="211298" y="4570250"/>
+            <a:chExt cx="1800000" cy="1800000"/>
+          </a:xfrm>
+        </p:grpSpPr>
+        <p:pic>
+          <p:nvPicPr>
+            <p:cNvPr id="15" name="그림 14"/>
+            <p:cNvPicPr>
+              <a:picLocks noChangeAspect="1"/>
+            </p:cNvPicPr>
+            <p:nvPr/>
+          </p:nvPicPr>
+          <p:blipFill>
+            <a:blip r:embed="rId2">
+              <a:extLst>
+                <a:ext uri="{28A0092B-C50C-407E-A947-70E740481C1C}">
+                  <a14:useLocalDpi xmlns:a14="http://schemas.microsoft.com/office/drawing/2010/main" val="0"/>
+                </a:ext>
+              </a:extLst>
+            </a:blip>
+            <a:stretch>
+              <a:fillRect/>
+            </a:stretch>
+          </p:blipFill>
+          <p:spPr>
+            <a:xfrm>
+              <a:off x="211298" y="4570250"/>
+              <a:ext cx="1800000" cy="1800000"/>
+            </a:xfrm>
+            <a:prstGeom prst="rect">
+              <a:avLst/>
+            </a:prstGeom>
+          </p:spPr>
+        </p:pic>
+        <p:sp>
+          <p:nvSpPr>
+            <p:cNvPr id="32" name="TextBox 31"/>
+            <p:cNvSpPr txBox="1"/>
+            <p:nvPr/>
+          </p:nvSpPr>
+          <p:spPr>
+            <a:xfrm>
+              <a:off x="564180" y="4570250"/>
+              <a:ext cx="1083951" cy="1631216"/>
+            </a:xfrm>
+            <a:prstGeom prst="rect">
+              <a:avLst/>
+            </a:prstGeom>
+            <a:noFill/>
+          </p:spPr>
+          <p:txBody>
+            <a:bodyPr wrap="none" rtlCol="0">
+              <a:spAutoFit/>
+            </a:bodyPr>
+            <a:lstStyle/>
+            <a:p>
+              <a:r>
+                <a:rPr lang="en-US" altLang="ko-KR" sz="10000" dirty="0" smtClean="0">
+                  <a:solidFill>
+                    <a:schemeClr val="bg1"/>
+                  </a:solidFill>
+                </a:rPr>
+                <a:t>+</a:t>
+              </a:r>
+              <a:endParaRPr lang="ko-KR" altLang="en-US" sz="10000" dirty="0">
+                <a:solidFill>
+                  <a:schemeClr val="bg1"/>
+                </a:solidFill>
+              </a:endParaRPr>
+            </a:p>
+          </p:txBody>
+        </p:sp>
+      </p:grpSp>
+      <p:grpSp>
+        <p:nvGrpSpPr>
+          <p:cNvPr id="48" name="그룹 47"/>
+          <p:cNvGrpSpPr/>
+          <p:nvPr/>
+        </p:nvGrpSpPr>
+        <p:grpSpPr>
+          <a:xfrm>
+            <a:off x="2795877" y="4523595"/>
+            <a:ext cx="1800000" cy="1846655"/>
+            <a:chOff x="2795877" y="4523595"/>
+            <a:chExt cx="1800000" cy="1846655"/>
+          </a:xfrm>
+        </p:grpSpPr>
+        <p:pic>
+          <p:nvPicPr>
+            <p:cNvPr id="16" name="그림 15"/>
+            <p:cNvPicPr>
+              <a:picLocks noChangeAspect="1"/>
+            </p:cNvPicPr>
+            <p:nvPr/>
+          </p:nvPicPr>
+          <p:blipFill>
+            <a:blip r:embed="rId2">
+              <a:extLst>
+                <a:ext uri="{28A0092B-C50C-407E-A947-70E740481C1C}">
+                  <a14:useLocalDpi xmlns:a14="http://schemas.microsoft.com/office/drawing/2010/main" val="0"/>
+                </a:ext>
+              </a:extLst>
+            </a:blip>
+            <a:stretch>
+              <a:fillRect/>
+            </a:stretch>
+          </p:blipFill>
+          <p:spPr>
+            <a:xfrm>
+              <a:off x="2795877" y="4570250"/>
+              <a:ext cx="1800000" cy="1800000"/>
+            </a:xfrm>
+            <a:prstGeom prst="rect">
+              <a:avLst/>
+            </a:prstGeom>
+          </p:spPr>
+        </p:pic>
+        <p:sp>
+          <p:nvSpPr>
+            <p:cNvPr id="33" name="TextBox 32"/>
+            <p:cNvSpPr txBox="1"/>
+            <p:nvPr/>
+          </p:nvSpPr>
+          <p:spPr>
+            <a:xfrm>
+              <a:off x="3348198" y="4523595"/>
+              <a:ext cx="710451" cy="1631216"/>
+            </a:xfrm>
+            <a:prstGeom prst="rect">
+              <a:avLst/>
+            </a:prstGeom>
+            <a:noFill/>
+          </p:spPr>
+          <p:txBody>
+            <a:bodyPr wrap="none" rtlCol="0">
+              <a:spAutoFit/>
+            </a:bodyPr>
+            <a:lstStyle/>
+            <a:p>
+              <a:r>
+                <a:rPr lang="en-US" altLang="ko-KR" sz="10000" dirty="0" smtClean="0">
+                  <a:solidFill>
+                    <a:schemeClr val="bg1"/>
+                  </a:solidFill>
+                </a:rPr>
+                <a:t>-</a:t>
+              </a:r>
+              <a:endParaRPr lang="ko-KR" altLang="en-US" sz="10000" dirty="0">
+                <a:solidFill>
+                  <a:schemeClr val="bg1"/>
+                </a:solidFill>
+              </a:endParaRPr>
+            </a:p>
+          </p:txBody>
+        </p:sp>
+      </p:grpSp>
+      <p:grpSp>
+        <p:nvGrpSpPr>
+          <p:cNvPr id="49" name="그룹 48"/>
+          <p:cNvGrpSpPr/>
+          <p:nvPr/>
+        </p:nvGrpSpPr>
+        <p:grpSpPr>
+          <a:xfrm>
+            <a:off x="5128530" y="4570250"/>
+            <a:ext cx="1800000" cy="1800000"/>
+            <a:chOff x="5128530" y="4570250"/>
+            <a:chExt cx="1800000" cy="1800000"/>
+          </a:xfrm>
+        </p:grpSpPr>
+        <p:pic>
+          <p:nvPicPr>
+            <p:cNvPr id="17" name="그림 16"/>
+            <p:cNvPicPr>
+              <a:picLocks noChangeAspect="1"/>
+            </p:cNvPicPr>
+            <p:nvPr/>
+          </p:nvPicPr>
+          <p:blipFill>
+            <a:blip r:embed="rId2">
+              <a:extLst>
+                <a:ext uri="{28A0092B-C50C-407E-A947-70E740481C1C}">
+                  <a14:useLocalDpi xmlns:a14="http://schemas.microsoft.com/office/drawing/2010/main" val="0"/>
+                </a:ext>
+              </a:extLst>
+            </a:blip>
+            <a:stretch>
+              <a:fillRect/>
+            </a:stretch>
+          </p:blipFill>
+          <p:spPr>
+            <a:xfrm>
+              <a:off x="5128530" y="4570250"/>
+              <a:ext cx="1800000" cy="1800000"/>
+            </a:xfrm>
+            <a:prstGeom prst="rect">
+              <a:avLst/>
+            </a:prstGeom>
+          </p:spPr>
+        </p:pic>
+        <p:sp>
+          <p:nvSpPr>
+            <p:cNvPr id="34" name="TextBox 33"/>
+            <p:cNvSpPr txBox="1"/>
+            <p:nvPr/>
+          </p:nvSpPr>
+          <p:spPr>
+            <a:xfrm>
+              <a:off x="5486554" y="4570250"/>
+              <a:ext cx="1083951" cy="1631216"/>
+            </a:xfrm>
+            <a:prstGeom prst="rect">
+              <a:avLst/>
+            </a:prstGeom>
+            <a:noFill/>
+          </p:spPr>
+          <p:txBody>
+            <a:bodyPr wrap="none" rtlCol="0">
+              <a:spAutoFit/>
+            </a:bodyPr>
+            <a:lstStyle/>
+            <a:p>
+              <a:r>
+                <a:rPr lang="en-US" altLang="ko-KR" sz="10000" dirty="0">
+                  <a:solidFill>
+                    <a:schemeClr val="bg1"/>
+                  </a:solidFill>
+                </a:rPr>
+                <a:t>÷</a:t>
+              </a:r>
+              <a:endParaRPr lang="ko-KR" altLang="en-US" sz="10000" dirty="0">
+                <a:solidFill>
+                  <a:schemeClr val="bg1"/>
+                </a:solidFill>
+              </a:endParaRPr>
+            </a:p>
+          </p:txBody>
+        </p:sp>
+      </p:grpSp>
+      <p:grpSp>
+        <p:nvGrpSpPr>
+          <p:cNvPr id="50" name="그룹 49"/>
+          <p:cNvGrpSpPr/>
+          <p:nvPr/>
+        </p:nvGrpSpPr>
+        <p:grpSpPr>
+          <a:xfrm>
+            <a:off x="7518121" y="4523595"/>
+            <a:ext cx="1800000" cy="1846655"/>
+            <a:chOff x="7518121" y="4523595"/>
+            <a:chExt cx="1800000" cy="1846655"/>
+          </a:xfrm>
+        </p:grpSpPr>
+        <p:pic>
+          <p:nvPicPr>
+            <p:cNvPr id="18" name="그림 17"/>
+            <p:cNvPicPr>
+              <a:picLocks noChangeAspect="1"/>
+            </p:cNvPicPr>
+            <p:nvPr/>
+          </p:nvPicPr>
+          <p:blipFill>
+            <a:blip r:embed="rId2">
+              <a:extLst>
+                <a:ext uri="{28A0092B-C50C-407E-A947-70E740481C1C}">
+                  <a14:useLocalDpi xmlns:a14="http://schemas.microsoft.com/office/drawing/2010/main" val="0"/>
+                </a:ext>
+              </a:extLst>
+            </a:blip>
+            <a:stretch>
+              <a:fillRect/>
+            </a:stretch>
+          </p:blipFill>
+          <p:spPr>
+            <a:xfrm>
+              <a:off x="7518121" y="4570250"/>
+              <a:ext cx="1800000" cy="1800000"/>
+            </a:xfrm>
+            <a:prstGeom prst="rect">
+              <a:avLst/>
+            </a:prstGeom>
+          </p:spPr>
+        </p:pic>
+        <p:sp>
+          <p:nvSpPr>
+            <p:cNvPr id="35" name="TextBox 34"/>
+            <p:cNvSpPr txBox="1"/>
+            <p:nvPr/>
+          </p:nvSpPr>
+          <p:spPr>
+            <a:xfrm>
+              <a:off x="8027628" y="4523595"/>
+              <a:ext cx="780983" cy="1631216"/>
+            </a:xfrm>
+            <a:prstGeom prst="rect">
+              <a:avLst/>
+            </a:prstGeom>
+            <a:noFill/>
+          </p:spPr>
+          <p:txBody>
+            <a:bodyPr wrap="none" rtlCol="0">
+              <a:spAutoFit/>
+            </a:bodyPr>
+            <a:lstStyle/>
+            <a:p>
+              <a:r>
+                <a:rPr lang="en-US" altLang="ko-KR" sz="10000" dirty="0" smtClean="0">
+                  <a:solidFill>
+                    <a:schemeClr val="bg1"/>
+                  </a:solidFill>
+                </a:rPr>
+                <a:t>x</a:t>
+              </a:r>
+              <a:endParaRPr lang="ko-KR" altLang="en-US" sz="10000" dirty="0">
+                <a:solidFill>
+                  <a:schemeClr val="bg1"/>
+                </a:solidFill>
+              </a:endParaRPr>
+            </a:p>
+          </p:txBody>
+        </p:sp>
+      </p:grpSp>
+    </p:spTree>
+    <p:extLst>
+      <p:ext uri="{BB962C8B-B14F-4D97-AF65-F5344CB8AC3E}">
+        <p14:creationId xmlns:p14="http://schemas.microsoft.com/office/powerpoint/2010/main" val="32488044"/>
+      </p:ext>
+    </p:extLst>
+  </p:cSld>
+  <p:clrMapOvr>
+    <a:masterClrMapping/>
+  </p:clrMapOvr>
+</p:sld>
+</file>
+
+<file path=ppt/slides/slide12.xml><?xml version="1.0" encoding="utf-8"?>
+<p:sld xmlns:a="http://schemas.openxmlformats.org/drawingml/2006/main" xmlns:r="http://schemas.openxmlformats.org/officeDocument/2006/relationships" xmlns:p="http://schemas.openxmlformats.org/presentationml/2006/main">
+  <p:cSld>
+    <p:spTree>
+      <p:nvGrpSpPr>
+        <p:cNvPr id="1" name=""/>
+        <p:cNvGrpSpPr/>
+        <p:nvPr/>
+      </p:nvGrpSpPr>
+      <p:grpSpPr>
+        <a:xfrm>
+          <a:off x="0" y="0"/>
+          <a:ext cx="0" cy="0"/>
+          <a:chOff x="0" y="0"/>
+          <a:chExt cx="0" cy="0"/>
+        </a:xfrm>
+      </p:grpSpPr>
+      <p:pic>
+        <p:nvPicPr>
+          <p:cNvPr id="4" name="그림 3"/>
+          <p:cNvPicPr>
+            <a:picLocks noChangeAspect="1"/>
+          </p:cNvPicPr>
+          <p:nvPr/>
+        </p:nvPicPr>
+        <p:blipFill rotWithShape="1">
+          <a:blip r:embed="rId2">
+            <a:extLst>
+              <a:ext uri="{28A0092B-C50C-407E-A947-70E740481C1C}">
+                <a14:useLocalDpi xmlns:a14="http://schemas.microsoft.com/office/drawing/2010/main" val="0"/>
+              </a:ext>
+            </a:extLst>
+          </a:blip>
+          <a:srcRect l="9279" t="10175" r="9180" b="21996"/>
+          <a:stretch/>
+        </p:blipFill>
+        <p:spPr>
+          <a:xfrm>
+            <a:off x="4833257" y="2509935"/>
+            <a:ext cx="1819470" cy="1819470"/>
+          </a:xfrm>
+          <a:prstGeom prst="rect">
+            <a:avLst/>
+          </a:prstGeom>
+        </p:spPr>
+      </p:pic>
+      <p:pic>
+        <p:nvPicPr>
+          <p:cNvPr id="5" name="그림 4"/>
+          <p:cNvPicPr>
+            <a:picLocks noChangeAspect="1"/>
+          </p:cNvPicPr>
+          <p:nvPr/>
+        </p:nvPicPr>
+        <p:blipFill rotWithShape="1">
+          <a:blip r:embed="rId3">
+            <a:extLst>
+              <a:ext uri="{28A0092B-C50C-407E-A947-70E740481C1C}">
+                <a14:useLocalDpi xmlns:a14="http://schemas.microsoft.com/office/drawing/2010/main" val="0"/>
+              </a:ext>
+            </a:extLst>
+          </a:blip>
+          <a:srcRect l="9720" t="9683" r="8934" b="21793"/>
+          <a:stretch/>
+        </p:blipFill>
+        <p:spPr>
+          <a:xfrm>
+            <a:off x="83976" y="177282"/>
+            <a:ext cx="1810138" cy="1838130"/>
+          </a:xfrm>
+          <a:prstGeom prst="rect">
+            <a:avLst/>
+          </a:prstGeom>
+        </p:spPr>
+      </p:pic>
+      <p:pic>
+        <p:nvPicPr>
+          <p:cNvPr id="6" name="그림 5"/>
+          <p:cNvPicPr>
+            <a:picLocks noChangeAspect="1"/>
+          </p:cNvPicPr>
+          <p:nvPr/>
+        </p:nvPicPr>
+        <p:blipFill rotWithShape="1">
+          <a:blip r:embed="rId4">
+            <a:extLst>
+              <a:ext uri="{28A0092B-C50C-407E-A947-70E740481C1C}">
+                <a14:useLocalDpi xmlns:a14="http://schemas.microsoft.com/office/drawing/2010/main" val="0"/>
+              </a:ext>
+            </a:extLst>
+          </a:blip>
+          <a:srcRect l="9677" t="9683" r="8780" b="22141"/>
+          <a:stretch/>
+        </p:blipFill>
+        <p:spPr>
+          <a:xfrm>
+            <a:off x="2174033" y="177281"/>
+            <a:ext cx="1819469" cy="1828801"/>
+          </a:xfrm>
+          <a:prstGeom prst="rect">
+            <a:avLst/>
+          </a:prstGeom>
+        </p:spPr>
+      </p:pic>
+      <p:pic>
+        <p:nvPicPr>
+          <p:cNvPr id="7" name="그림 6"/>
+          <p:cNvPicPr>
+            <a:picLocks noChangeAspect="1"/>
+          </p:cNvPicPr>
+          <p:nvPr/>
+        </p:nvPicPr>
+        <p:blipFill rotWithShape="1">
+          <a:blip r:embed="rId5">
+            <a:extLst>
+              <a:ext uri="{28A0092B-C50C-407E-A947-70E740481C1C}">
+                <a14:useLocalDpi xmlns:a14="http://schemas.microsoft.com/office/drawing/2010/main" val="0"/>
+              </a:ext>
+            </a:extLst>
+          </a:blip>
+          <a:srcRect l="7682" t="10582" r="11193" b="21590"/>
+          <a:stretch/>
+        </p:blipFill>
+        <p:spPr>
+          <a:xfrm>
+            <a:off x="4152122" y="335902"/>
+            <a:ext cx="1810139" cy="1819469"/>
+          </a:xfrm>
+          <a:prstGeom prst="rect">
+            <a:avLst/>
+          </a:prstGeom>
+        </p:spPr>
+      </p:pic>
+      <p:pic>
+        <p:nvPicPr>
+          <p:cNvPr id="8" name="그림 7"/>
+          <p:cNvPicPr>
+            <a:picLocks noChangeAspect="1"/>
+          </p:cNvPicPr>
+          <p:nvPr/>
+        </p:nvPicPr>
+        <p:blipFill rotWithShape="1">
+          <a:blip r:embed="rId6">
+            <a:extLst>
+              <a:ext uri="{28A0092B-C50C-407E-A947-70E740481C1C}">
+                <a14:useLocalDpi xmlns:a14="http://schemas.microsoft.com/office/drawing/2010/main" val="0"/>
+              </a:ext>
+            </a:extLst>
+          </a:blip>
+          <a:srcRect l="9364" t="12146" r="8870" b="20373"/>
+          <a:stretch/>
+        </p:blipFill>
+        <p:spPr>
+          <a:xfrm>
+            <a:off x="6363478" y="335902"/>
+            <a:ext cx="1819469" cy="1810139"/>
+          </a:xfrm>
+          <a:prstGeom prst="rect">
+            <a:avLst/>
+          </a:prstGeom>
+        </p:spPr>
+      </p:pic>
+      <p:pic>
+        <p:nvPicPr>
+          <p:cNvPr id="9" name="그림 8"/>
+          <p:cNvPicPr>
+            <a:picLocks noChangeAspect="1"/>
+          </p:cNvPicPr>
+          <p:nvPr/>
+        </p:nvPicPr>
+        <p:blipFill rotWithShape="1">
+          <a:blip r:embed="rId7">
+            <a:extLst>
+              <a:ext uri="{28A0092B-C50C-407E-A947-70E740481C1C}">
+                <a14:useLocalDpi xmlns:a14="http://schemas.microsoft.com/office/drawing/2010/main" val="0"/>
+              </a:ext>
+            </a:extLst>
+          </a:blip>
+          <a:srcRect l="9504" t="10602" r="8537" b="21763"/>
+          <a:stretch/>
+        </p:blipFill>
+        <p:spPr>
+          <a:xfrm>
+            <a:off x="9274630" y="531845"/>
+            <a:ext cx="1828800" cy="1810140"/>
+          </a:xfrm>
+          <a:prstGeom prst="rect">
+            <a:avLst/>
+          </a:prstGeom>
+        </p:spPr>
+      </p:pic>
+      <p:pic>
+        <p:nvPicPr>
+          <p:cNvPr id="10" name="그림 9"/>
+          <p:cNvPicPr>
+            <a:picLocks noChangeAspect="1"/>
+          </p:cNvPicPr>
+          <p:nvPr/>
+        </p:nvPicPr>
+        <p:blipFill rotWithShape="1">
+          <a:blip r:embed="rId8">
+            <a:extLst>
+              <a:ext uri="{28A0092B-C50C-407E-A947-70E740481C1C}">
+                <a14:useLocalDpi xmlns:a14="http://schemas.microsoft.com/office/drawing/2010/main" val="0"/>
+              </a:ext>
+            </a:extLst>
+          </a:blip>
+          <a:srcRect l="8705" t="10491" r="8692" b="20830"/>
+          <a:stretch/>
+        </p:blipFill>
+        <p:spPr>
+          <a:xfrm>
+            <a:off x="447869" y="2472612"/>
+            <a:ext cx="1838131" cy="1838131"/>
+          </a:xfrm>
+          <a:prstGeom prst="rect">
+            <a:avLst/>
+          </a:prstGeom>
+        </p:spPr>
+      </p:pic>
+      <p:pic>
+        <p:nvPicPr>
+          <p:cNvPr id="11" name="그림 10"/>
+          <p:cNvPicPr>
+            <a:picLocks noChangeAspect="1"/>
+          </p:cNvPicPr>
+          <p:nvPr/>
+        </p:nvPicPr>
+        <p:blipFill rotWithShape="1">
+          <a:blip r:embed="rId9">
+            <a:extLst>
+              <a:ext uri="{28A0092B-C50C-407E-A947-70E740481C1C}">
+                <a14:useLocalDpi xmlns:a14="http://schemas.microsoft.com/office/drawing/2010/main" val="0"/>
+              </a:ext>
+            </a:extLst>
+          </a:blip>
+          <a:srcRect l="9116" t="10536" r="8924" b="21482"/>
+          <a:stretch/>
+        </p:blipFill>
+        <p:spPr>
+          <a:xfrm>
+            <a:off x="2565919" y="2677886"/>
+            <a:ext cx="1828800" cy="1819469"/>
+          </a:xfrm>
+          <a:prstGeom prst="rect">
+            <a:avLst/>
+          </a:prstGeom>
+        </p:spPr>
+      </p:pic>
+      <p:pic>
+        <p:nvPicPr>
+          <p:cNvPr id="12" name="그림 11"/>
+          <p:cNvPicPr>
+            <a:picLocks noChangeAspect="1"/>
+          </p:cNvPicPr>
+          <p:nvPr/>
+        </p:nvPicPr>
+        <p:blipFill rotWithShape="1">
+          <a:blip r:embed="rId10">
+            <a:extLst>
+              <a:ext uri="{28A0092B-C50C-407E-A947-70E740481C1C}">
+                <a14:useLocalDpi xmlns:a14="http://schemas.microsoft.com/office/drawing/2010/main" val="0"/>
+              </a:ext>
+            </a:extLst>
+          </a:blip>
+          <a:srcRect l="9851" t="9129" r="9024" b="23390"/>
+          <a:stretch/>
+        </p:blipFill>
+        <p:spPr>
+          <a:xfrm>
+            <a:off x="6895322" y="2416628"/>
+            <a:ext cx="1810139" cy="1810139"/>
+          </a:xfrm>
+          <a:prstGeom prst="rect">
+            <a:avLst/>
+          </a:prstGeom>
+        </p:spPr>
+      </p:pic>
+      <p:pic>
+        <p:nvPicPr>
+          <p:cNvPr id="13" name="그림 12"/>
+          <p:cNvPicPr>
+            <a:picLocks noChangeAspect="1"/>
+          </p:cNvPicPr>
+          <p:nvPr/>
+        </p:nvPicPr>
+        <p:blipFill rotWithShape="1">
+          <a:blip r:embed="rId11">
+            <a:extLst>
+              <a:ext uri="{28A0092B-C50C-407E-A947-70E740481C1C}">
+                <a14:useLocalDpi xmlns:a14="http://schemas.microsoft.com/office/drawing/2010/main" val="0"/>
+              </a:ext>
+            </a:extLst>
+          </a:blip>
+          <a:srcRect l="8947" t="8687" r="9511" b="22632"/>
+          <a:stretch/>
+        </p:blipFill>
+        <p:spPr>
+          <a:xfrm>
+            <a:off x="9321282" y="2743200"/>
+            <a:ext cx="1819469" cy="1838132"/>
+          </a:xfrm>
+          <a:prstGeom prst="rect">
+            <a:avLst/>
+          </a:prstGeom>
+        </p:spPr>
+      </p:pic>
+      <p:pic>
+        <p:nvPicPr>
+          <p:cNvPr id="14" name="그림 13"/>
+          <p:cNvPicPr>
+            <a:picLocks noChangeAspect="1"/>
+          </p:cNvPicPr>
+          <p:nvPr/>
+        </p:nvPicPr>
+        <p:blipFill rotWithShape="1">
+          <a:blip r:embed="rId12">
+            <a:extLst>
+              <a:ext uri="{28A0092B-C50C-407E-A947-70E740481C1C}">
+                <a14:useLocalDpi xmlns:a14="http://schemas.microsoft.com/office/drawing/2010/main" val="0"/>
+              </a:ext>
+            </a:extLst>
+          </a:blip>
+          <a:srcRect l="11950" t="12522" r="12104" b="19998"/>
+          <a:stretch/>
+        </p:blipFill>
+        <p:spPr>
+          <a:xfrm>
+            <a:off x="8472196" y="4646645"/>
+            <a:ext cx="1838132" cy="1810139"/>
+          </a:xfrm>
+          <a:prstGeom prst="rect">
+            <a:avLst/>
+          </a:prstGeom>
+        </p:spPr>
+      </p:pic>
+      <p:pic>
+        <p:nvPicPr>
+          <p:cNvPr id="15" name="그림 14"/>
+          <p:cNvPicPr>
+            <a:picLocks noChangeAspect="1"/>
+          </p:cNvPicPr>
+          <p:nvPr/>
+        </p:nvPicPr>
+        <p:blipFill rotWithShape="1">
+          <a:blip r:embed="rId13">
+            <a:extLst>
+              <a:ext uri="{28A0092B-C50C-407E-A947-70E740481C1C}">
+                <a14:useLocalDpi xmlns:a14="http://schemas.microsoft.com/office/drawing/2010/main" val="0"/>
+              </a:ext>
+            </a:extLst>
+          </a:blip>
+          <a:srcRect l="4896" t="14237" r="5826" b="17780"/>
+          <a:stretch/>
+        </p:blipFill>
+        <p:spPr>
+          <a:xfrm>
+            <a:off x="3219060" y="4562668"/>
+            <a:ext cx="1828801" cy="1819471"/>
+          </a:xfrm>
+          <a:prstGeom prst="rect">
+            <a:avLst/>
+          </a:prstGeom>
+        </p:spPr>
+      </p:pic>
+      <p:pic>
+        <p:nvPicPr>
+          <p:cNvPr id="16" name="그림 15"/>
+          <p:cNvPicPr>
+            <a:picLocks noChangeAspect="1"/>
+          </p:cNvPicPr>
+          <p:nvPr/>
+        </p:nvPicPr>
+        <p:blipFill rotWithShape="1">
+          <a:blip r:embed="rId14">
+            <a:extLst>
+              <a:ext uri="{28A0092B-C50C-407E-A947-70E740481C1C}">
+                <a14:useLocalDpi xmlns:a14="http://schemas.microsoft.com/office/drawing/2010/main" val="0"/>
+              </a:ext>
+            </a:extLst>
+          </a:blip>
+          <a:srcRect l="7633" t="14266" r="7487" b="18101"/>
+          <a:stretch/>
+        </p:blipFill>
+        <p:spPr>
+          <a:xfrm>
+            <a:off x="6027577" y="4637314"/>
+            <a:ext cx="1800807" cy="1810139"/>
+          </a:xfrm>
+          <a:prstGeom prst="rect">
+            <a:avLst/>
+          </a:prstGeom>
+        </p:spPr>
+      </p:pic>
+      <p:pic>
+        <p:nvPicPr>
+          <p:cNvPr id="17" name="그림 16"/>
+          <p:cNvPicPr>
+            <a:picLocks noChangeAspect="1"/>
+          </p:cNvPicPr>
+          <p:nvPr/>
+        </p:nvPicPr>
+        <p:blipFill rotWithShape="1">
+          <a:blip r:embed="rId15">
+            <a:extLst>
+              <a:ext uri="{28A0092B-C50C-407E-A947-70E740481C1C}">
+                <a14:useLocalDpi xmlns:a14="http://schemas.microsoft.com/office/drawing/2010/main" val="0"/>
+              </a:ext>
+            </a:extLst>
+          </a:blip>
+          <a:srcRect l="12722" t="12955" r="12489" b="19565"/>
+          <a:stretch/>
+        </p:blipFill>
+        <p:spPr>
+          <a:xfrm>
+            <a:off x="307910" y="4758612"/>
+            <a:ext cx="1810139" cy="1810139"/>
+          </a:xfrm>
+          <a:prstGeom prst="rect">
+            <a:avLst/>
+          </a:prstGeom>
+        </p:spPr>
+      </p:pic>
+    </p:spTree>
+    <p:extLst>
+      <p:ext uri="{BB962C8B-B14F-4D97-AF65-F5344CB8AC3E}">
+        <p14:creationId xmlns:p14="http://schemas.microsoft.com/office/powerpoint/2010/main" val="1187032141"/>
+      </p:ext>
+    </p:extLst>
+  </p:cSld>
+  <p:clrMapOvr>
+    <a:masterClrMapping/>
+  </p:clrMapOvr>
+</p:sld>
+</file>
+
+<file path=ppt/slides/slide13.xml><?xml version="1.0" encoding="utf-8"?>
+<p:sld xmlns:a="http://schemas.openxmlformats.org/drawingml/2006/main" xmlns:r="http://schemas.openxmlformats.org/officeDocument/2006/relationships" xmlns:p="http://schemas.openxmlformats.org/presentationml/2006/main">
+  <p:cSld>
+    <p:spTree>
+      <p:nvGrpSpPr>
+        <p:cNvPr id="1" name=""/>
+        <p:cNvGrpSpPr/>
+        <p:nvPr/>
+      </p:nvGrpSpPr>
+      <p:grpSpPr>
+        <a:xfrm>
+          <a:off x="0" y="0"/>
+          <a:ext cx="0" cy="0"/>
+          <a:chOff x="0" y="0"/>
+          <a:chExt cx="0" cy="0"/>
+        </a:xfrm>
+      </p:grpSpPr>
+      <p:pic>
+        <p:nvPicPr>
+          <p:cNvPr id="3" name="그림 2"/>
+          <p:cNvPicPr>
+            <a:picLocks noChangeAspect="1"/>
+          </p:cNvPicPr>
+          <p:nvPr/>
+        </p:nvPicPr>
+        <p:blipFill>
+          <a:blip r:embed="rId2">
+            <a:extLst>
+              <a:ext uri="{28A0092B-C50C-407E-A947-70E740481C1C}">
+                <a14:useLocalDpi xmlns:a14="http://schemas.microsoft.com/office/drawing/2010/main" val="0"/>
+              </a:ext>
+            </a:extLst>
+          </a:blip>
+          <a:stretch>
+            <a:fillRect/>
+          </a:stretch>
+        </p:blipFill>
+        <p:spPr>
+          <a:xfrm>
+            <a:off x="203316" y="301075"/>
+            <a:ext cx="5549092" cy="2529733"/>
+          </a:xfrm>
+          <a:prstGeom prst="rect">
+            <a:avLst/>
+          </a:prstGeom>
+        </p:spPr>
+      </p:pic>
+      <p:grpSp>
+        <p:nvGrpSpPr>
+          <p:cNvPr id="8" name="그룹 7"/>
+          <p:cNvGrpSpPr/>
+          <p:nvPr/>
+        </p:nvGrpSpPr>
+        <p:grpSpPr>
+          <a:xfrm>
+            <a:off x="319694" y="3160653"/>
+            <a:ext cx="5547600" cy="2530800"/>
+            <a:chOff x="319694" y="3160653"/>
+            <a:chExt cx="5547600" cy="2530800"/>
+          </a:xfrm>
+        </p:grpSpPr>
+        <p:sp>
+          <p:nvSpPr>
+            <p:cNvPr id="6" name="모서리가 둥근 직사각형 5"/>
+            <p:cNvSpPr/>
+            <p:nvPr/>
+          </p:nvSpPr>
+          <p:spPr>
+            <a:xfrm>
+              <a:off x="319694" y="3160653"/>
+              <a:ext cx="5547600" cy="2530800"/>
+            </a:xfrm>
+            <a:prstGeom prst="roundRect">
+              <a:avLst>
+                <a:gd name="adj" fmla="val 31776"/>
+              </a:avLst>
+            </a:prstGeom>
+            <a:solidFill>
+              <a:srgbClr val="FF5E5E"/>
+            </a:solidFill>
+            <a:ln w="76200">
+              <a:noFill/>
+            </a:ln>
+          </p:spPr>
+          <p:style>
+            <a:lnRef idx="2">
+              <a:schemeClr val="accent1">
+                <a:shade val="50000"/>
+              </a:schemeClr>
+            </a:lnRef>
+            <a:fillRef idx="1">
+              <a:schemeClr val="accent1"/>
+            </a:fillRef>
+            <a:effectRef idx="0">
+              <a:schemeClr val="accent1"/>
+            </a:effectRef>
+            <a:fontRef idx="minor">
+              <a:schemeClr val="lt1"/>
+            </a:fontRef>
+          </p:style>
+          <p:txBody>
+            <a:bodyPr rtlCol="0" anchor="ctr"/>
+            <a:lstStyle/>
+            <a:p>
+              <a:pPr algn="ctr"/>
+              <a:endParaRPr lang="ko-KR" altLang="en-US"/>
+            </a:p>
+          </p:txBody>
+        </p:sp>
+        <p:sp>
+          <p:nvSpPr>
+            <p:cNvPr id="7" name="모서리가 둥근 직사각형 6"/>
+            <p:cNvSpPr/>
+            <p:nvPr/>
+          </p:nvSpPr>
+          <p:spPr>
+            <a:xfrm>
+              <a:off x="498763" y="3341715"/>
+              <a:ext cx="5195455" cy="2161310"/>
+            </a:xfrm>
+            <a:prstGeom prst="roundRect">
+              <a:avLst>
+                <a:gd name="adj" fmla="val 29359"/>
+              </a:avLst>
+            </a:prstGeom>
+            <a:solidFill>
+              <a:srgbClr val="35436D"/>
+            </a:solidFill>
+            <a:ln>
+              <a:noFill/>
+            </a:ln>
+          </p:spPr>
+          <p:style>
+            <a:lnRef idx="2">
+              <a:schemeClr val="accent1">
+                <a:shade val="50000"/>
+              </a:schemeClr>
+            </a:lnRef>
+            <a:fillRef idx="1">
+              <a:schemeClr val="accent1"/>
+            </a:fillRef>
+            <a:effectRef idx="0">
+              <a:schemeClr val="accent1"/>
+            </a:effectRef>
+            <a:fontRef idx="minor">
+              <a:schemeClr val="lt1"/>
+            </a:fontRef>
+          </p:style>
+          <p:txBody>
+            <a:bodyPr rtlCol="0" anchor="ctr"/>
+            <a:lstStyle/>
+            <a:p>
+              <a:pPr algn="ctr"/>
+              <a:endParaRPr lang="ko-KR" altLang="en-US"/>
+            </a:p>
+          </p:txBody>
+        </p:sp>
+      </p:grpSp>
     </p:spTree>
     <p:extLst>
       <p:ext uri="{BB962C8B-B14F-4D97-AF65-F5344CB8AC3E}">
         <p14:creationId xmlns:p14="http://schemas.microsoft.com/office/powerpoint/2010/main" val="2871182505"/>
+      </p:ext>
+    </p:extLst>
+  </p:cSld>
+  <p:clrMapOvr>
+    <a:masterClrMapping/>
+  </p:clrMapOvr>
+</p:sld>
+</file>
+
+<file path=ppt/slides/slide14.xml><?xml version="1.0" encoding="utf-8"?>
+<p:sld xmlns:a="http://schemas.openxmlformats.org/drawingml/2006/main" xmlns:r="http://schemas.openxmlformats.org/officeDocument/2006/relationships" xmlns:p="http://schemas.openxmlformats.org/presentationml/2006/main">
+  <p:cSld>
+    <p:spTree>
+      <p:nvGrpSpPr>
+        <p:cNvPr id="1" name=""/>
+        <p:cNvGrpSpPr/>
+        <p:nvPr/>
+      </p:nvGrpSpPr>
+      <p:grpSpPr>
+        <a:xfrm>
+          <a:off x="0" y="0"/>
+          <a:ext cx="0" cy="0"/>
+          <a:chOff x="0" y="0"/>
+          <a:chExt cx="0" cy="0"/>
+        </a:xfrm>
+      </p:grpSpPr>
+    </p:spTree>
+    <p:extLst>
+      <p:ext uri="{BB962C8B-B14F-4D97-AF65-F5344CB8AC3E}">
+        <p14:creationId xmlns:p14="http://schemas.microsoft.com/office/powerpoint/2010/main" val="1134618301"/>
       </p:ext>
     </p:extLst>
   </p:cSld>
@@ -7599,6 +9294,50 @@
           <a:chExt cx="0" cy="0"/>
         </a:xfrm>
       </p:grpSpPr>
+      <p:sp>
+        <p:nvSpPr>
+          <p:cNvPr id="3" name="모서리가 둥근 직사각형 2"/>
+          <p:cNvSpPr/>
+          <p:nvPr/>
+        </p:nvSpPr>
+        <p:spPr>
+          <a:xfrm>
+            <a:off x="914399" y="922712"/>
+            <a:ext cx="8537171" cy="4854633"/>
+          </a:xfrm>
+          <a:prstGeom prst="roundRect">
+            <a:avLst/>
+          </a:prstGeom>
+        </p:spPr>
+        <p:style>
+          <a:lnRef idx="2">
+            <a:schemeClr val="accent1">
+              <a:shade val="50000"/>
+            </a:schemeClr>
+          </a:lnRef>
+          <a:fillRef idx="1">
+            <a:schemeClr val="accent1"/>
+          </a:fillRef>
+          <a:effectRef idx="0">
+            <a:schemeClr val="accent1"/>
+          </a:effectRef>
+          <a:fontRef idx="minor">
+            <a:schemeClr val="lt1"/>
+          </a:fontRef>
+        </p:style>
+        <p:txBody>
+          <a:bodyPr rtlCol="0" anchor="ctr"/>
+          <a:lstStyle/>
+          <a:p>
+            <a:pPr algn="ctr"/>
+            <a:r>
+              <a:rPr lang="ko-KR" altLang="en-US" smtClean="0"/>
+              <a:t>랭킹</a:t>
+            </a:r>
+            <a:endParaRPr lang="ko-KR" altLang="en-US" dirty="0"/>
+          </a:p>
+        </p:txBody>
+      </p:sp>
     </p:spTree>
     <p:extLst>
       <p:ext uri="{BB962C8B-B14F-4D97-AF65-F5344CB8AC3E}">
@@ -7629,40 +9368,54 @@
           <a:chExt cx="0" cy="0"/>
         </a:xfrm>
       </p:grpSpPr>
-      <p:pic>
-        <p:nvPicPr>
-          <p:cNvPr id="2" name="그림 1"/>
-          <p:cNvPicPr>
-            <a:picLocks/>
-          </p:cNvPicPr>
-          <p:nvPr/>
-        </p:nvPicPr>
-        <p:blipFill>
-          <a:blip r:embed="rId2">
-            <a:extLst>
-              <a:ext uri="{28A0092B-C50C-407E-A947-70E740481C1C}">
-                <a14:useLocalDpi xmlns:a14="http://schemas.microsoft.com/office/drawing/2010/main" val="0"/>
-              </a:ext>
-            </a:extLst>
-          </a:blip>
-          <a:stretch>
-            <a:fillRect/>
-          </a:stretch>
-        </p:blipFill>
-        <p:spPr>
-          <a:xfrm>
-            <a:off x="1524000" y="542925"/>
-            <a:ext cx="5760000" cy="5760000"/>
-          </a:xfrm>
-          <a:prstGeom prst="rect">
-            <a:avLst/>
-          </a:prstGeom>
-        </p:spPr>
-      </p:pic>
+      <p:sp>
+        <p:nvSpPr>
+          <p:cNvPr id="3" name="모서리가 둥근 직사각형 2"/>
+          <p:cNvSpPr/>
+          <p:nvPr/>
+        </p:nvSpPr>
+        <p:spPr>
+          <a:xfrm>
+            <a:off x="914399" y="922712"/>
+            <a:ext cx="8537171" cy="4854633"/>
+          </a:xfrm>
+          <a:prstGeom prst="roundRect">
+            <a:avLst/>
+          </a:prstGeom>
+        </p:spPr>
+        <p:style>
+          <a:lnRef idx="2">
+            <a:schemeClr val="accent1">
+              <a:shade val="50000"/>
+            </a:schemeClr>
+          </a:lnRef>
+          <a:fillRef idx="1">
+            <a:schemeClr val="accent1"/>
+          </a:fillRef>
+          <a:effectRef idx="0">
+            <a:schemeClr val="accent1"/>
+          </a:effectRef>
+          <a:fontRef idx="minor">
+            <a:schemeClr val="lt1"/>
+          </a:fontRef>
+        </p:style>
+        <p:txBody>
+          <a:bodyPr rtlCol="0" anchor="ctr"/>
+          <a:lstStyle/>
+          <a:p>
+            <a:pPr algn="ctr"/>
+            <a:r>
+              <a:rPr lang="ko-KR" altLang="en-US" dirty="0" smtClean="0"/>
+              <a:t>도움말</a:t>
+            </a:r>
+            <a:endParaRPr lang="en-US" altLang="ko-KR" dirty="0" smtClean="0"/>
+          </a:p>
+        </p:txBody>
+      </p:sp>
     </p:spTree>
     <p:extLst>
       <p:ext uri="{BB962C8B-B14F-4D97-AF65-F5344CB8AC3E}">
-        <p14:creationId xmlns:p14="http://schemas.microsoft.com/office/powerpoint/2010/main" val="3398876871"/>
+        <p14:creationId xmlns:p14="http://schemas.microsoft.com/office/powerpoint/2010/main" val="4150423179"/>
       </p:ext>
     </p:extLst>
   </p:cSld>
@@ -7689,1202 +9442,54 @@
           <a:chExt cx="0" cy="0"/>
         </a:xfrm>
       </p:grpSpPr>
-      <p:pic>
-        <p:nvPicPr>
-          <p:cNvPr id="19" name="그림 18"/>
-          <p:cNvPicPr>
-            <a:picLocks noChangeAspect="1"/>
-          </p:cNvPicPr>
-          <p:nvPr/>
-        </p:nvPicPr>
-        <p:blipFill>
-          <a:blip r:embed="rId2">
-            <a:extLst>
-              <a:ext uri="{28A0092B-C50C-407E-A947-70E740481C1C}">
-                <a14:useLocalDpi xmlns:a14="http://schemas.microsoft.com/office/drawing/2010/main" val="0"/>
-              </a:ext>
-            </a:extLst>
-          </a:blip>
-          <a:stretch>
-            <a:fillRect/>
-          </a:stretch>
-        </p:blipFill>
-        <p:spPr>
-          <a:xfrm>
-            <a:off x="10056048" y="4635565"/>
-            <a:ext cx="1800000" cy="1800000"/>
-          </a:xfrm>
-          <a:prstGeom prst="rect">
-            <a:avLst/>
-          </a:prstGeom>
-        </p:spPr>
-      </p:pic>
-      <p:grpSp>
-        <p:nvGrpSpPr>
-          <p:cNvPr id="37" name="그룹 36"/>
-          <p:cNvGrpSpPr/>
-          <p:nvPr/>
-        </p:nvGrpSpPr>
-        <p:grpSpPr>
-          <a:xfrm>
-            <a:off x="211298" y="231515"/>
-            <a:ext cx="1800000" cy="1800000"/>
-            <a:chOff x="211298" y="231515"/>
-            <a:chExt cx="1800000" cy="1800000"/>
-          </a:xfrm>
-        </p:grpSpPr>
-        <p:pic>
-          <p:nvPicPr>
-            <p:cNvPr id="4" name="그림 3"/>
-            <p:cNvPicPr>
-              <a:picLocks noChangeAspect="1"/>
-            </p:cNvPicPr>
-            <p:nvPr/>
-          </p:nvPicPr>
-          <p:blipFill>
-            <a:blip r:embed="rId2">
-              <a:extLst>
-                <a:ext uri="{28A0092B-C50C-407E-A947-70E740481C1C}">
-                  <a14:useLocalDpi xmlns:a14="http://schemas.microsoft.com/office/drawing/2010/main" val="0"/>
-                </a:ext>
-              </a:extLst>
-            </a:blip>
-            <a:stretch>
-              <a:fillRect/>
-            </a:stretch>
-          </p:blipFill>
-          <p:spPr>
-            <a:xfrm>
-              <a:off x="211298" y="231515"/>
-              <a:ext cx="1800000" cy="1800000"/>
-            </a:xfrm>
-            <a:prstGeom prst="rect">
-              <a:avLst/>
-            </a:prstGeom>
-          </p:spPr>
-        </p:pic>
-        <p:sp>
-          <p:nvSpPr>
-            <p:cNvPr id="20" name="TextBox 19"/>
-            <p:cNvSpPr txBox="1"/>
-            <p:nvPr/>
-          </p:nvSpPr>
-          <p:spPr>
-            <a:xfrm>
-              <a:off x="665502" y="296830"/>
-              <a:ext cx="891591" cy="1631216"/>
-            </a:xfrm>
-            <a:prstGeom prst="rect">
-              <a:avLst/>
-            </a:prstGeom>
-            <a:noFill/>
-          </p:spPr>
-          <p:txBody>
-            <a:bodyPr wrap="none" rtlCol="0">
-              <a:spAutoFit/>
-            </a:bodyPr>
-            <a:lstStyle/>
-            <a:p>
-              <a:r>
-                <a:rPr lang="en-US" altLang="ko-KR" sz="10000" dirty="0" smtClean="0">
-                  <a:solidFill>
-                    <a:schemeClr val="bg1"/>
-                  </a:solidFill>
-                </a:rPr>
-                <a:t>0</a:t>
-              </a:r>
-              <a:endParaRPr lang="ko-KR" altLang="en-US" sz="10000" dirty="0">
-                <a:solidFill>
-                  <a:schemeClr val="bg1"/>
-                </a:solidFill>
-              </a:endParaRPr>
-            </a:p>
-          </p:txBody>
-        </p:sp>
-      </p:grpSp>
-      <p:grpSp>
-        <p:nvGrpSpPr>
-          <p:cNvPr id="38" name="그룹 37"/>
-          <p:cNvGrpSpPr/>
-          <p:nvPr/>
-        </p:nvGrpSpPr>
-        <p:grpSpPr>
-          <a:xfrm>
-            <a:off x="2795877" y="231515"/>
-            <a:ext cx="1800000" cy="1800000"/>
-            <a:chOff x="2795877" y="231515"/>
-            <a:chExt cx="1800000" cy="1800000"/>
-          </a:xfrm>
-        </p:grpSpPr>
-        <p:pic>
-          <p:nvPicPr>
-            <p:cNvPr id="6" name="그림 5"/>
-            <p:cNvPicPr>
-              <a:picLocks noChangeAspect="1"/>
-            </p:cNvPicPr>
-            <p:nvPr/>
-          </p:nvPicPr>
-          <p:blipFill>
-            <a:blip r:embed="rId2">
-              <a:extLst>
-                <a:ext uri="{28A0092B-C50C-407E-A947-70E740481C1C}">
-                  <a14:useLocalDpi xmlns:a14="http://schemas.microsoft.com/office/drawing/2010/main" val="0"/>
-                </a:ext>
-              </a:extLst>
-            </a:blip>
-            <a:stretch>
-              <a:fillRect/>
-            </a:stretch>
-          </p:blipFill>
-          <p:spPr>
-            <a:xfrm>
-              <a:off x="2795877" y="231515"/>
-              <a:ext cx="1800000" cy="1800000"/>
-            </a:xfrm>
-            <a:prstGeom prst="rect">
-              <a:avLst/>
-            </a:prstGeom>
-          </p:spPr>
-        </p:pic>
-        <p:sp>
-          <p:nvSpPr>
-            <p:cNvPr id="21" name="TextBox 20"/>
-            <p:cNvSpPr txBox="1"/>
-            <p:nvPr/>
-          </p:nvSpPr>
-          <p:spPr>
-            <a:xfrm>
-              <a:off x="3250081" y="296830"/>
-              <a:ext cx="891591" cy="1631216"/>
-            </a:xfrm>
-            <a:prstGeom prst="rect">
-              <a:avLst/>
-            </a:prstGeom>
-            <a:noFill/>
-          </p:spPr>
-          <p:txBody>
-            <a:bodyPr wrap="none" rtlCol="0">
-              <a:spAutoFit/>
-            </a:bodyPr>
-            <a:lstStyle/>
-            <a:p>
-              <a:r>
-                <a:rPr lang="en-US" altLang="ko-KR" sz="10000" dirty="0" smtClean="0">
-                  <a:solidFill>
-                    <a:schemeClr val="bg1"/>
-                  </a:solidFill>
-                </a:rPr>
-                <a:t>1</a:t>
-              </a:r>
-              <a:endParaRPr lang="ko-KR" altLang="en-US" sz="10000" dirty="0">
-                <a:solidFill>
-                  <a:schemeClr val="bg1"/>
-                </a:solidFill>
-              </a:endParaRPr>
-            </a:p>
-          </p:txBody>
-        </p:sp>
-      </p:grpSp>
-      <p:grpSp>
-        <p:nvGrpSpPr>
-          <p:cNvPr id="39" name="그룹 38"/>
-          <p:cNvGrpSpPr/>
-          <p:nvPr/>
-        </p:nvGrpSpPr>
-        <p:grpSpPr>
-          <a:xfrm>
-            <a:off x="5128530" y="231515"/>
-            <a:ext cx="1800000" cy="1800000"/>
-            <a:chOff x="5128530" y="231515"/>
-            <a:chExt cx="1800000" cy="1800000"/>
-          </a:xfrm>
-        </p:grpSpPr>
-        <p:pic>
-          <p:nvPicPr>
-            <p:cNvPr id="7" name="그림 6"/>
-            <p:cNvPicPr>
-              <a:picLocks noChangeAspect="1"/>
-            </p:cNvPicPr>
-            <p:nvPr/>
-          </p:nvPicPr>
-          <p:blipFill>
-            <a:blip r:embed="rId2">
-              <a:extLst>
-                <a:ext uri="{28A0092B-C50C-407E-A947-70E740481C1C}">
-                  <a14:useLocalDpi xmlns:a14="http://schemas.microsoft.com/office/drawing/2010/main" val="0"/>
-                </a:ext>
-              </a:extLst>
-            </a:blip>
-            <a:stretch>
-              <a:fillRect/>
-            </a:stretch>
-          </p:blipFill>
-          <p:spPr>
-            <a:xfrm>
-              <a:off x="5128530" y="231515"/>
-              <a:ext cx="1800000" cy="1800000"/>
-            </a:xfrm>
-            <a:prstGeom prst="rect">
-              <a:avLst/>
-            </a:prstGeom>
-          </p:spPr>
-        </p:pic>
-        <p:sp>
-          <p:nvSpPr>
-            <p:cNvPr id="24" name="TextBox 23"/>
-            <p:cNvSpPr txBox="1"/>
-            <p:nvPr/>
-          </p:nvSpPr>
-          <p:spPr>
-            <a:xfrm>
-              <a:off x="5587878" y="296830"/>
-              <a:ext cx="891591" cy="1631216"/>
-            </a:xfrm>
-            <a:prstGeom prst="rect">
-              <a:avLst/>
-            </a:prstGeom>
-            <a:noFill/>
-          </p:spPr>
-          <p:txBody>
-            <a:bodyPr wrap="none" rtlCol="0">
-              <a:spAutoFit/>
-            </a:bodyPr>
-            <a:lstStyle/>
-            <a:p>
-              <a:r>
-                <a:rPr lang="en-US" altLang="ko-KR" sz="10000" dirty="0" smtClean="0">
-                  <a:solidFill>
-                    <a:schemeClr val="bg1"/>
-                  </a:solidFill>
-                </a:rPr>
-                <a:t>2</a:t>
-              </a:r>
-              <a:endParaRPr lang="ko-KR" altLang="en-US" sz="10000" dirty="0">
-                <a:solidFill>
-                  <a:schemeClr val="bg1"/>
-                </a:solidFill>
-              </a:endParaRPr>
-            </a:p>
-          </p:txBody>
-        </p:sp>
-      </p:grpSp>
-      <p:grpSp>
-        <p:nvGrpSpPr>
-          <p:cNvPr id="40" name="그룹 39"/>
-          <p:cNvGrpSpPr/>
-          <p:nvPr/>
-        </p:nvGrpSpPr>
-        <p:grpSpPr>
-          <a:xfrm>
-            <a:off x="7518121" y="231515"/>
-            <a:ext cx="1800000" cy="1800000"/>
-            <a:chOff x="7518121" y="231515"/>
-            <a:chExt cx="1800000" cy="1800000"/>
-          </a:xfrm>
-        </p:grpSpPr>
-        <p:pic>
-          <p:nvPicPr>
-            <p:cNvPr id="8" name="그림 7"/>
-            <p:cNvPicPr>
-              <a:picLocks noChangeAspect="1"/>
-            </p:cNvPicPr>
-            <p:nvPr/>
-          </p:nvPicPr>
-          <p:blipFill>
-            <a:blip r:embed="rId2">
-              <a:extLst>
-                <a:ext uri="{28A0092B-C50C-407E-A947-70E740481C1C}">
-                  <a14:useLocalDpi xmlns:a14="http://schemas.microsoft.com/office/drawing/2010/main" val="0"/>
-                </a:ext>
-              </a:extLst>
-            </a:blip>
-            <a:stretch>
-              <a:fillRect/>
-            </a:stretch>
-          </p:blipFill>
-          <p:spPr>
-            <a:xfrm>
-              <a:off x="7518121" y="231515"/>
-              <a:ext cx="1800000" cy="1800000"/>
-            </a:xfrm>
-            <a:prstGeom prst="rect">
-              <a:avLst/>
-            </a:prstGeom>
-          </p:spPr>
-        </p:pic>
-        <p:sp>
-          <p:nvSpPr>
-            <p:cNvPr id="25" name="TextBox 24"/>
-            <p:cNvSpPr txBox="1"/>
-            <p:nvPr/>
-          </p:nvSpPr>
-          <p:spPr>
-            <a:xfrm>
-              <a:off x="8013630" y="278055"/>
-              <a:ext cx="891591" cy="1631216"/>
-            </a:xfrm>
-            <a:prstGeom prst="rect">
-              <a:avLst/>
-            </a:prstGeom>
-            <a:noFill/>
-          </p:spPr>
-          <p:txBody>
-            <a:bodyPr wrap="none" rtlCol="0">
-              <a:spAutoFit/>
-            </a:bodyPr>
-            <a:lstStyle/>
-            <a:p>
-              <a:r>
-                <a:rPr lang="en-US" altLang="ko-KR" sz="10000" dirty="0" smtClean="0">
-                  <a:solidFill>
-                    <a:schemeClr val="bg1"/>
-                  </a:solidFill>
-                </a:rPr>
-                <a:t>3</a:t>
-              </a:r>
-              <a:endParaRPr lang="ko-KR" altLang="en-US" sz="10000" dirty="0">
-                <a:solidFill>
-                  <a:schemeClr val="bg1"/>
-                </a:solidFill>
-              </a:endParaRPr>
-            </a:p>
-          </p:txBody>
-        </p:sp>
-      </p:grpSp>
-      <p:grpSp>
-        <p:nvGrpSpPr>
-          <p:cNvPr id="41" name="그룹 40"/>
-          <p:cNvGrpSpPr/>
-          <p:nvPr/>
-        </p:nvGrpSpPr>
-        <p:grpSpPr>
-          <a:xfrm>
-            <a:off x="10056048" y="296830"/>
-            <a:ext cx="1800000" cy="1800000"/>
-            <a:chOff x="10056048" y="296830"/>
-            <a:chExt cx="1800000" cy="1800000"/>
-          </a:xfrm>
-        </p:grpSpPr>
-        <p:pic>
-          <p:nvPicPr>
-            <p:cNvPr id="9" name="그림 8"/>
-            <p:cNvPicPr>
-              <a:picLocks noChangeAspect="1"/>
-            </p:cNvPicPr>
-            <p:nvPr/>
-          </p:nvPicPr>
-          <p:blipFill>
-            <a:blip r:embed="rId2">
-              <a:extLst>
-                <a:ext uri="{28A0092B-C50C-407E-A947-70E740481C1C}">
-                  <a14:useLocalDpi xmlns:a14="http://schemas.microsoft.com/office/drawing/2010/main" val="0"/>
-                </a:ext>
-              </a:extLst>
-            </a:blip>
-            <a:stretch>
-              <a:fillRect/>
-            </a:stretch>
-          </p:blipFill>
-          <p:spPr>
-            <a:xfrm>
-              <a:off x="10056048" y="296830"/>
-              <a:ext cx="1800000" cy="1800000"/>
-            </a:xfrm>
-            <a:prstGeom prst="rect">
-              <a:avLst/>
-            </a:prstGeom>
-          </p:spPr>
-        </p:pic>
-        <p:sp>
-          <p:nvSpPr>
-            <p:cNvPr id="26" name="TextBox 25"/>
-            <p:cNvSpPr txBox="1"/>
-            <p:nvPr/>
-          </p:nvSpPr>
-          <p:spPr>
-            <a:xfrm>
-              <a:off x="10510252" y="315907"/>
-              <a:ext cx="891591" cy="1631216"/>
-            </a:xfrm>
-            <a:prstGeom prst="rect">
-              <a:avLst/>
-            </a:prstGeom>
-            <a:noFill/>
-          </p:spPr>
-          <p:txBody>
-            <a:bodyPr wrap="none" rtlCol="0">
-              <a:spAutoFit/>
-            </a:bodyPr>
-            <a:lstStyle/>
-            <a:p>
-              <a:r>
-                <a:rPr lang="en-US" altLang="ko-KR" sz="10000" dirty="0" smtClean="0">
-                  <a:solidFill>
-                    <a:schemeClr val="bg1"/>
-                  </a:solidFill>
-                </a:rPr>
-                <a:t>4</a:t>
-              </a:r>
-              <a:endParaRPr lang="ko-KR" altLang="en-US" sz="10000" dirty="0">
-                <a:solidFill>
-                  <a:schemeClr val="bg1"/>
-                </a:solidFill>
-              </a:endParaRPr>
-            </a:p>
-          </p:txBody>
-        </p:sp>
-      </p:grpSp>
-      <p:grpSp>
-        <p:nvGrpSpPr>
-          <p:cNvPr id="42" name="그룹 41"/>
-          <p:cNvGrpSpPr/>
-          <p:nvPr/>
-        </p:nvGrpSpPr>
-        <p:grpSpPr>
-          <a:xfrm>
-            <a:off x="211298" y="2442870"/>
-            <a:ext cx="1800000" cy="1800000"/>
-            <a:chOff x="211298" y="2442870"/>
-            <a:chExt cx="1800000" cy="1800000"/>
-          </a:xfrm>
-        </p:grpSpPr>
-        <p:pic>
-          <p:nvPicPr>
-            <p:cNvPr id="10" name="그림 9"/>
-            <p:cNvPicPr>
-              <a:picLocks noChangeAspect="1"/>
-            </p:cNvPicPr>
-            <p:nvPr/>
-          </p:nvPicPr>
-          <p:blipFill>
-            <a:blip r:embed="rId2">
-              <a:extLst>
-                <a:ext uri="{28A0092B-C50C-407E-A947-70E740481C1C}">
-                  <a14:useLocalDpi xmlns:a14="http://schemas.microsoft.com/office/drawing/2010/main" val="0"/>
-                </a:ext>
-              </a:extLst>
-            </a:blip>
-            <a:stretch>
-              <a:fillRect/>
-            </a:stretch>
-          </p:blipFill>
-          <p:spPr>
-            <a:xfrm>
-              <a:off x="211298" y="2442870"/>
-              <a:ext cx="1800000" cy="1800000"/>
-            </a:xfrm>
-            <a:prstGeom prst="rect">
-              <a:avLst/>
-            </a:prstGeom>
-          </p:spPr>
-        </p:pic>
-        <p:sp>
-          <p:nvSpPr>
-            <p:cNvPr id="27" name="TextBox 26"/>
-            <p:cNvSpPr txBox="1"/>
-            <p:nvPr/>
-          </p:nvSpPr>
-          <p:spPr>
-            <a:xfrm>
-              <a:off x="665502" y="2488858"/>
-              <a:ext cx="891591" cy="1631216"/>
-            </a:xfrm>
-            <a:prstGeom prst="rect">
-              <a:avLst/>
-            </a:prstGeom>
-            <a:noFill/>
-          </p:spPr>
-          <p:txBody>
-            <a:bodyPr wrap="none" rtlCol="0">
-              <a:spAutoFit/>
-            </a:bodyPr>
-            <a:lstStyle/>
-            <a:p>
-              <a:r>
-                <a:rPr lang="en-US" altLang="ko-KR" sz="10000" dirty="0" smtClean="0">
-                  <a:solidFill>
-                    <a:schemeClr val="bg1"/>
-                  </a:solidFill>
-                </a:rPr>
-                <a:t>5</a:t>
-              </a:r>
-              <a:endParaRPr lang="ko-KR" altLang="en-US" sz="10000" dirty="0">
-                <a:solidFill>
-                  <a:schemeClr val="bg1"/>
-                </a:solidFill>
-              </a:endParaRPr>
-            </a:p>
-          </p:txBody>
-        </p:sp>
-      </p:grpSp>
-      <p:grpSp>
-        <p:nvGrpSpPr>
-          <p:cNvPr id="43" name="그룹 42"/>
-          <p:cNvGrpSpPr/>
-          <p:nvPr/>
-        </p:nvGrpSpPr>
-        <p:grpSpPr>
-          <a:xfrm>
-            <a:off x="2795877" y="2442870"/>
-            <a:ext cx="1800000" cy="1800000"/>
-            <a:chOff x="2795877" y="2442870"/>
-            <a:chExt cx="1800000" cy="1800000"/>
-          </a:xfrm>
-        </p:grpSpPr>
-        <p:pic>
-          <p:nvPicPr>
-            <p:cNvPr id="11" name="그림 10"/>
-            <p:cNvPicPr>
-              <a:picLocks noChangeAspect="1"/>
-            </p:cNvPicPr>
-            <p:nvPr/>
-          </p:nvPicPr>
-          <p:blipFill>
-            <a:blip r:embed="rId2">
-              <a:extLst>
-                <a:ext uri="{28A0092B-C50C-407E-A947-70E740481C1C}">
-                  <a14:useLocalDpi xmlns:a14="http://schemas.microsoft.com/office/drawing/2010/main" val="0"/>
-                </a:ext>
-              </a:extLst>
-            </a:blip>
-            <a:stretch>
-              <a:fillRect/>
-            </a:stretch>
-          </p:blipFill>
-          <p:spPr>
-            <a:xfrm>
-              <a:off x="2795877" y="2442870"/>
-              <a:ext cx="1800000" cy="1800000"/>
-            </a:xfrm>
-            <a:prstGeom prst="rect">
-              <a:avLst/>
-            </a:prstGeom>
-          </p:spPr>
-        </p:pic>
-        <p:sp>
-          <p:nvSpPr>
-            <p:cNvPr id="28" name="TextBox 27"/>
-            <p:cNvSpPr txBox="1"/>
-            <p:nvPr/>
-          </p:nvSpPr>
-          <p:spPr>
-            <a:xfrm>
-              <a:off x="3250081" y="2488858"/>
-              <a:ext cx="891591" cy="1631216"/>
-            </a:xfrm>
-            <a:prstGeom prst="rect">
-              <a:avLst/>
-            </a:prstGeom>
-            <a:noFill/>
-          </p:spPr>
-          <p:txBody>
-            <a:bodyPr wrap="none" rtlCol="0">
-              <a:spAutoFit/>
-            </a:bodyPr>
-            <a:lstStyle/>
-            <a:p>
-              <a:r>
-                <a:rPr lang="en-US" altLang="ko-KR" sz="10000" dirty="0" smtClean="0">
-                  <a:solidFill>
-                    <a:schemeClr val="bg1"/>
-                  </a:solidFill>
-                </a:rPr>
-                <a:t>6</a:t>
-              </a:r>
-              <a:endParaRPr lang="ko-KR" altLang="en-US" sz="10000" dirty="0">
-                <a:solidFill>
-                  <a:schemeClr val="bg1"/>
-                </a:solidFill>
-              </a:endParaRPr>
-            </a:p>
-          </p:txBody>
-        </p:sp>
-      </p:grpSp>
-      <p:grpSp>
-        <p:nvGrpSpPr>
-          <p:cNvPr id="44" name="그룹 43"/>
-          <p:cNvGrpSpPr/>
-          <p:nvPr/>
-        </p:nvGrpSpPr>
-        <p:grpSpPr>
-          <a:xfrm>
-            <a:off x="5128530" y="2442870"/>
-            <a:ext cx="1800000" cy="1800000"/>
-            <a:chOff x="5128530" y="2442870"/>
-            <a:chExt cx="1800000" cy="1800000"/>
-          </a:xfrm>
-        </p:grpSpPr>
-        <p:pic>
-          <p:nvPicPr>
-            <p:cNvPr id="12" name="그림 11"/>
-            <p:cNvPicPr>
-              <a:picLocks noChangeAspect="1"/>
-            </p:cNvPicPr>
-            <p:nvPr/>
-          </p:nvPicPr>
-          <p:blipFill>
-            <a:blip r:embed="rId2">
-              <a:extLst>
-                <a:ext uri="{28A0092B-C50C-407E-A947-70E740481C1C}">
-                  <a14:useLocalDpi xmlns:a14="http://schemas.microsoft.com/office/drawing/2010/main" val="0"/>
-                </a:ext>
-              </a:extLst>
-            </a:blip>
-            <a:stretch>
-              <a:fillRect/>
-            </a:stretch>
-          </p:blipFill>
-          <p:spPr>
-            <a:xfrm>
-              <a:off x="5128530" y="2442870"/>
-              <a:ext cx="1800000" cy="1800000"/>
-            </a:xfrm>
-            <a:prstGeom prst="rect">
-              <a:avLst/>
-            </a:prstGeom>
-          </p:spPr>
-        </p:pic>
-        <p:sp>
-          <p:nvSpPr>
-            <p:cNvPr id="29" name="TextBox 28"/>
-            <p:cNvSpPr txBox="1"/>
-            <p:nvPr/>
-          </p:nvSpPr>
-          <p:spPr>
-            <a:xfrm>
-              <a:off x="5587878" y="2488858"/>
-              <a:ext cx="891591" cy="1631216"/>
-            </a:xfrm>
-            <a:prstGeom prst="rect">
-              <a:avLst/>
-            </a:prstGeom>
-            <a:noFill/>
-          </p:spPr>
-          <p:txBody>
-            <a:bodyPr wrap="none" rtlCol="0">
-              <a:spAutoFit/>
-            </a:bodyPr>
-            <a:lstStyle/>
-            <a:p>
-              <a:r>
-                <a:rPr lang="en-US" altLang="ko-KR" sz="10000" dirty="0" smtClean="0">
-                  <a:solidFill>
-                    <a:schemeClr val="bg1"/>
-                  </a:solidFill>
-                </a:rPr>
-                <a:t>7</a:t>
-              </a:r>
-              <a:endParaRPr lang="ko-KR" altLang="en-US" sz="10000" dirty="0">
-                <a:solidFill>
-                  <a:schemeClr val="bg1"/>
-                </a:solidFill>
-              </a:endParaRPr>
-            </a:p>
-          </p:txBody>
-        </p:sp>
-      </p:grpSp>
-      <p:grpSp>
-        <p:nvGrpSpPr>
-          <p:cNvPr id="45" name="그룹 44"/>
-          <p:cNvGrpSpPr/>
-          <p:nvPr/>
-        </p:nvGrpSpPr>
-        <p:grpSpPr>
-          <a:xfrm>
-            <a:off x="7518121" y="2442870"/>
-            <a:ext cx="1800000" cy="1800000"/>
-            <a:chOff x="7518121" y="2442870"/>
-            <a:chExt cx="1800000" cy="1800000"/>
-          </a:xfrm>
-        </p:grpSpPr>
-        <p:pic>
-          <p:nvPicPr>
-            <p:cNvPr id="13" name="그림 12"/>
-            <p:cNvPicPr>
-              <a:picLocks noChangeAspect="1"/>
-            </p:cNvPicPr>
-            <p:nvPr/>
-          </p:nvPicPr>
-          <p:blipFill>
-            <a:blip r:embed="rId2">
-              <a:extLst>
-                <a:ext uri="{28A0092B-C50C-407E-A947-70E740481C1C}">
-                  <a14:useLocalDpi xmlns:a14="http://schemas.microsoft.com/office/drawing/2010/main" val="0"/>
-                </a:ext>
-              </a:extLst>
-            </a:blip>
-            <a:stretch>
-              <a:fillRect/>
-            </a:stretch>
-          </p:blipFill>
-          <p:spPr>
-            <a:xfrm>
-              <a:off x="7518121" y="2442870"/>
-              <a:ext cx="1800000" cy="1800000"/>
-            </a:xfrm>
-            <a:prstGeom prst="rect">
-              <a:avLst/>
-            </a:prstGeom>
-          </p:spPr>
-        </p:pic>
-        <p:sp>
-          <p:nvSpPr>
-            <p:cNvPr id="30" name="TextBox 29"/>
-            <p:cNvSpPr txBox="1"/>
-            <p:nvPr/>
-          </p:nvSpPr>
-          <p:spPr>
-            <a:xfrm>
-              <a:off x="7972323" y="2534607"/>
-              <a:ext cx="891591" cy="1631216"/>
-            </a:xfrm>
-            <a:prstGeom prst="rect">
-              <a:avLst/>
-            </a:prstGeom>
-            <a:noFill/>
-          </p:spPr>
-          <p:txBody>
-            <a:bodyPr wrap="none" rtlCol="0">
-              <a:spAutoFit/>
-            </a:bodyPr>
-            <a:lstStyle/>
-            <a:p>
-              <a:r>
-                <a:rPr lang="en-US" altLang="ko-KR" sz="10000" dirty="0" smtClean="0">
-                  <a:solidFill>
-                    <a:schemeClr val="bg1"/>
-                  </a:solidFill>
-                </a:rPr>
-                <a:t>8</a:t>
-              </a:r>
-              <a:endParaRPr lang="ko-KR" altLang="en-US" sz="10000" dirty="0">
-                <a:solidFill>
-                  <a:schemeClr val="bg1"/>
-                </a:solidFill>
-              </a:endParaRPr>
-            </a:p>
-          </p:txBody>
-        </p:sp>
-      </p:grpSp>
-      <p:grpSp>
-        <p:nvGrpSpPr>
-          <p:cNvPr id="46" name="그룹 45"/>
-          <p:cNvGrpSpPr/>
-          <p:nvPr/>
-        </p:nvGrpSpPr>
-        <p:grpSpPr>
-          <a:xfrm>
-            <a:off x="10056048" y="2508185"/>
-            <a:ext cx="1800000" cy="1800000"/>
-            <a:chOff x="10056048" y="2508185"/>
-            <a:chExt cx="1800000" cy="1800000"/>
-          </a:xfrm>
-        </p:grpSpPr>
-        <p:pic>
-          <p:nvPicPr>
-            <p:cNvPr id="14" name="그림 13"/>
-            <p:cNvPicPr>
-              <a:picLocks noChangeAspect="1"/>
-            </p:cNvPicPr>
-            <p:nvPr/>
-          </p:nvPicPr>
-          <p:blipFill>
-            <a:blip r:embed="rId2">
-              <a:extLst>
-                <a:ext uri="{28A0092B-C50C-407E-A947-70E740481C1C}">
-                  <a14:useLocalDpi xmlns:a14="http://schemas.microsoft.com/office/drawing/2010/main" val="0"/>
-                </a:ext>
-              </a:extLst>
-            </a:blip>
-            <a:stretch>
-              <a:fillRect/>
-            </a:stretch>
-          </p:blipFill>
-          <p:spPr>
-            <a:xfrm>
-              <a:off x="10056048" y="2508185"/>
-              <a:ext cx="1800000" cy="1800000"/>
-            </a:xfrm>
-            <a:prstGeom prst="rect">
-              <a:avLst/>
-            </a:prstGeom>
-          </p:spPr>
-        </p:pic>
-        <p:sp>
-          <p:nvSpPr>
-            <p:cNvPr id="31" name="TextBox 30"/>
-            <p:cNvSpPr txBox="1"/>
-            <p:nvPr/>
-          </p:nvSpPr>
-          <p:spPr>
-            <a:xfrm>
-              <a:off x="10519417" y="2592577"/>
-              <a:ext cx="891591" cy="1631216"/>
-            </a:xfrm>
-            <a:prstGeom prst="rect">
-              <a:avLst/>
-            </a:prstGeom>
-            <a:noFill/>
-          </p:spPr>
-          <p:txBody>
-            <a:bodyPr wrap="none" rtlCol="0">
-              <a:spAutoFit/>
-            </a:bodyPr>
-            <a:lstStyle/>
-            <a:p>
-              <a:r>
-                <a:rPr lang="en-US" altLang="ko-KR" sz="10000" dirty="0" smtClean="0">
-                  <a:solidFill>
-                    <a:schemeClr val="bg1"/>
-                  </a:solidFill>
-                </a:rPr>
-                <a:t>9</a:t>
-              </a:r>
-              <a:endParaRPr lang="ko-KR" altLang="en-US" sz="10000" dirty="0">
-                <a:solidFill>
-                  <a:schemeClr val="bg1"/>
-                </a:solidFill>
-              </a:endParaRPr>
-            </a:p>
-          </p:txBody>
-        </p:sp>
-      </p:grpSp>
-      <p:grpSp>
-        <p:nvGrpSpPr>
-          <p:cNvPr id="47" name="그룹 46"/>
-          <p:cNvGrpSpPr/>
-          <p:nvPr/>
-        </p:nvGrpSpPr>
-        <p:grpSpPr>
-          <a:xfrm>
-            <a:off x="211298" y="4570250"/>
-            <a:ext cx="1800000" cy="1800000"/>
-            <a:chOff x="211298" y="4570250"/>
-            <a:chExt cx="1800000" cy="1800000"/>
-          </a:xfrm>
-        </p:grpSpPr>
-        <p:pic>
-          <p:nvPicPr>
-            <p:cNvPr id="15" name="그림 14"/>
-            <p:cNvPicPr>
-              <a:picLocks noChangeAspect="1"/>
-            </p:cNvPicPr>
-            <p:nvPr/>
-          </p:nvPicPr>
-          <p:blipFill>
-            <a:blip r:embed="rId2">
-              <a:extLst>
-                <a:ext uri="{28A0092B-C50C-407E-A947-70E740481C1C}">
-                  <a14:useLocalDpi xmlns:a14="http://schemas.microsoft.com/office/drawing/2010/main" val="0"/>
-                </a:ext>
-              </a:extLst>
-            </a:blip>
-            <a:stretch>
-              <a:fillRect/>
-            </a:stretch>
-          </p:blipFill>
-          <p:spPr>
-            <a:xfrm>
-              <a:off x="211298" y="4570250"/>
-              <a:ext cx="1800000" cy="1800000"/>
-            </a:xfrm>
-            <a:prstGeom prst="rect">
-              <a:avLst/>
-            </a:prstGeom>
-          </p:spPr>
-        </p:pic>
-        <p:sp>
-          <p:nvSpPr>
-            <p:cNvPr id="32" name="TextBox 31"/>
-            <p:cNvSpPr txBox="1"/>
-            <p:nvPr/>
-          </p:nvSpPr>
-          <p:spPr>
-            <a:xfrm>
-              <a:off x="564180" y="4570250"/>
-              <a:ext cx="1083951" cy="1631216"/>
-            </a:xfrm>
-            <a:prstGeom prst="rect">
-              <a:avLst/>
-            </a:prstGeom>
-            <a:noFill/>
-          </p:spPr>
-          <p:txBody>
-            <a:bodyPr wrap="none" rtlCol="0">
-              <a:spAutoFit/>
-            </a:bodyPr>
-            <a:lstStyle/>
-            <a:p>
-              <a:r>
-                <a:rPr lang="en-US" altLang="ko-KR" sz="10000" dirty="0" smtClean="0">
-                  <a:solidFill>
-                    <a:schemeClr val="bg1"/>
-                  </a:solidFill>
-                </a:rPr>
-                <a:t>+</a:t>
-              </a:r>
-              <a:endParaRPr lang="ko-KR" altLang="en-US" sz="10000" dirty="0">
-                <a:solidFill>
-                  <a:schemeClr val="bg1"/>
-                </a:solidFill>
-              </a:endParaRPr>
-            </a:p>
-          </p:txBody>
-        </p:sp>
-      </p:grpSp>
-      <p:grpSp>
-        <p:nvGrpSpPr>
-          <p:cNvPr id="48" name="그룹 47"/>
-          <p:cNvGrpSpPr/>
-          <p:nvPr/>
-        </p:nvGrpSpPr>
-        <p:grpSpPr>
-          <a:xfrm>
-            <a:off x="2795877" y="4523595"/>
-            <a:ext cx="1800000" cy="1846655"/>
-            <a:chOff x="2795877" y="4523595"/>
-            <a:chExt cx="1800000" cy="1846655"/>
-          </a:xfrm>
-        </p:grpSpPr>
-        <p:pic>
-          <p:nvPicPr>
-            <p:cNvPr id="16" name="그림 15"/>
-            <p:cNvPicPr>
-              <a:picLocks noChangeAspect="1"/>
-            </p:cNvPicPr>
-            <p:nvPr/>
-          </p:nvPicPr>
-          <p:blipFill>
-            <a:blip r:embed="rId2">
-              <a:extLst>
-                <a:ext uri="{28A0092B-C50C-407E-A947-70E740481C1C}">
-                  <a14:useLocalDpi xmlns:a14="http://schemas.microsoft.com/office/drawing/2010/main" val="0"/>
-                </a:ext>
-              </a:extLst>
-            </a:blip>
-            <a:stretch>
-              <a:fillRect/>
-            </a:stretch>
-          </p:blipFill>
-          <p:spPr>
-            <a:xfrm>
-              <a:off x="2795877" y="4570250"/>
-              <a:ext cx="1800000" cy="1800000"/>
-            </a:xfrm>
-            <a:prstGeom prst="rect">
-              <a:avLst/>
-            </a:prstGeom>
-          </p:spPr>
-        </p:pic>
-        <p:sp>
-          <p:nvSpPr>
-            <p:cNvPr id="33" name="TextBox 32"/>
-            <p:cNvSpPr txBox="1"/>
-            <p:nvPr/>
-          </p:nvSpPr>
-          <p:spPr>
-            <a:xfrm>
-              <a:off x="3348198" y="4523595"/>
-              <a:ext cx="710451" cy="1631216"/>
-            </a:xfrm>
-            <a:prstGeom prst="rect">
-              <a:avLst/>
-            </a:prstGeom>
-            <a:noFill/>
-          </p:spPr>
-          <p:txBody>
-            <a:bodyPr wrap="none" rtlCol="0">
-              <a:spAutoFit/>
-            </a:bodyPr>
-            <a:lstStyle/>
-            <a:p>
-              <a:r>
-                <a:rPr lang="en-US" altLang="ko-KR" sz="10000" dirty="0" smtClean="0">
-                  <a:solidFill>
-                    <a:schemeClr val="bg1"/>
-                  </a:solidFill>
-                </a:rPr>
-                <a:t>-</a:t>
-              </a:r>
-              <a:endParaRPr lang="ko-KR" altLang="en-US" sz="10000" dirty="0">
-                <a:solidFill>
-                  <a:schemeClr val="bg1"/>
-                </a:solidFill>
-              </a:endParaRPr>
-            </a:p>
-          </p:txBody>
-        </p:sp>
-      </p:grpSp>
-      <p:grpSp>
-        <p:nvGrpSpPr>
-          <p:cNvPr id="49" name="그룹 48"/>
-          <p:cNvGrpSpPr/>
-          <p:nvPr/>
-        </p:nvGrpSpPr>
-        <p:grpSpPr>
-          <a:xfrm>
-            <a:off x="5128530" y="4570250"/>
-            <a:ext cx="1800000" cy="1800000"/>
-            <a:chOff x="5128530" y="4570250"/>
-            <a:chExt cx="1800000" cy="1800000"/>
-          </a:xfrm>
-        </p:grpSpPr>
-        <p:pic>
-          <p:nvPicPr>
-            <p:cNvPr id="17" name="그림 16"/>
-            <p:cNvPicPr>
-              <a:picLocks noChangeAspect="1"/>
-            </p:cNvPicPr>
-            <p:nvPr/>
-          </p:nvPicPr>
-          <p:blipFill>
-            <a:blip r:embed="rId2">
-              <a:extLst>
-                <a:ext uri="{28A0092B-C50C-407E-A947-70E740481C1C}">
-                  <a14:useLocalDpi xmlns:a14="http://schemas.microsoft.com/office/drawing/2010/main" val="0"/>
-                </a:ext>
-              </a:extLst>
-            </a:blip>
-            <a:stretch>
-              <a:fillRect/>
-            </a:stretch>
-          </p:blipFill>
-          <p:spPr>
-            <a:xfrm>
-              <a:off x="5128530" y="4570250"/>
-              <a:ext cx="1800000" cy="1800000"/>
-            </a:xfrm>
-            <a:prstGeom prst="rect">
-              <a:avLst/>
-            </a:prstGeom>
-          </p:spPr>
-        </p:pic>
-        <p:sp>
-          <p:nvSpPr>
-            <p:cNvPr id="34" name="TextBox 33"/>
-            <p:cNvSpPr txBox="1"/>
-            <p:nvPr/>
-          </p:nvSpPr>
-          <p:spPr>
-            <a:xfrm>
-              <a:off x="5486554" y="4570250"/>
-              <a:ext cx="1083951" cy="1631216"/>
-            </a:xfrm>
-            <a:prstGeom prst="rect">
-              <a:avLst/>
-            </a:prstGeom>
-            <a:noFill/>
-          </p:spPr>
-          <p:txBody>
-            <a:bodyPr wrap="none" rtlCol="0">
-              <a:spAutoFit/>
-            </a:bodyPr>
-            <a:lstStyle/>
-            <a:p>
-              <a:r>
-                <a:rPr lang="en-US" altLang="ko-KR" sz="10000" dirty="0">
-                  <a:solidFill>
-                    <a:schemeClr val="bg1"/>
-                  </a:solidFill>
-                </a:rPr>
-                <a:t>÷</a:t>
-              </a:r>
-              <a:endParaRPr lang="ko-KR" altLang="en-US" sz="10000" dirty="0">
-                <a:solidFill>
-                  <a:schemeClr val="bg1"/>
-                </a:solidFill>
-              </a:endParaRPr>
-            </a:p>
-          </p:txBody>
-        </p:sp>
-      </p:grpSp>
-      <p:grpSp>
-        <p:nvGrpSpPr>
-          <p:cNvPr id="50" name="그룹 49"/>
-          <p:cNvGrpSpPr/>
-          <p:nvPr/>
-        </p:nvGrpSpPr>
-        <p:grpSpPr>
-          <a:xfrm>
-            <a:off x="7518121" y="4523595"/>
-            <a:ext cx="1800000" cy="1846655"/>
-            <a:chOff x="7518121" y="4523595"/>
-            <a:chExt cx="1800000" cy="1846655"/>
-          </a:xfrm>
-        </p:grpSpPr>
-        <p:pic>
-          <p:nvPicPr>
-            <p:cNvPr id="18" name="그림 17"/>
-            <p:cNvPicPr>
-              <a:picLocks noChangeAspect="1"/>
-            </p:cNvPicPr>
-            <p:nvPr/>
-          </p:nvPicPr>
-          <p:blipFill>
-            <a:blip r:embed="rId2">
-              <a:extLst>
-                <a:ext uri="{28A0092B-C50C-407E-A947-70E740481C1C}">
-                  <a14:useLocalDpi xmlns:a14="http://schemas.microsoft.com/office/drawing/2010/main" val="0"/>
-                </a:ext>
-              </a:extLst>
-            </a:blip>
-            <a:stretch>
-              <a:fillRect/>
-            </a:stretch>
-          </p:blipFill>
-          <p:spPr>
-            <a:xfrm>
-              <a:off x="7518121" y="4570250"/>
-              <a:ext cx="1800000" cy="1800000"/>
-            </a:xfrm>
-            <a:prstGeom prst="rect">
-              <a:avLst/>
-            </a:prstGeom>
-          </p:spPr>
-        </p:pic>
-        <p:sp>
-          <p:nvSpPr>
-            <p:cNvPr id="35" name="TextBox 34"/>
-            <p:cNvSpPr txBox="1"/>
-            <p:nvPr/>
-          </p:nvSpPr>
-          <p:spPr>
-            <a:xfrm>
-              <a:off x="8027628" y="4523595"/>
-              <a:ext cx="780983" cy="1631216"/>
-            </a:xfrm>
-            <a:prstGeom prst="rect">
-              <a:avLst/>
-            </a:prstGeom>
-            <a:noFill/>
-          </p:spPr>
-          <p:txBody>
-            <a:bodyPr wrap="none" rtlCol="0">
-              <a:spAutoFit/>
-            </a:bodyPr>
-            <a:lstStyle/>
-            <a:p>
-              <a:r>
-                <a:rPr lang="en-US" altLang="ko-KR" sz="10000" dirty="0" smtClean="0">
-                  <a:solidFill>
-                    <a:schemeClr val="bg1"/>
-                  </a:solidFill>
-                </a:rPr>
-                <a:t>x</a:t>
-              </a:r>
-              <a:endParaRPr lang="ko-KR" altLang="en-US" sz="10000" dirty="0">
-                <a:solidFill>
-                  <a:schemeClr val="bg1"/>
-                </a:solidFill>
-              </a:endParaRPr>
-            </a:p>
-          </p:txBody>
-        </p:sp>
-      </p:grpSp>
+      <p:sp>
+        <p:nvSpPr>
+          <p:cNvPr id="3" name="모서리가 둥근 직사각형 2"/>
+          <p:cNvSpPr/>
+          <p:nvPr/>
+        </p:nvSpPr>
+        <p:spPr>
+          <a:xfrm>
+            <a:off x="914399" y="922712"/>
+            <a:ext cx="8537171" cy="4854633"/>
+          </a:xfrm>
+          <a:prstGeom prst="roundRect">
+            <a:avLst/>
+          </a:prstGeom>
+        </p:spPr>
+        <p:style>
+          <a:lnRef idx="2">
+            <a:schemeClr val="accent1">
+              <a:shade val="50000"/>
+            </a:schemeClr>
+          </a:lnRef>
+          <a:fillRef idx="1">
+            <a:schemeClr val="accent1"/>
+          </a:fillRef>
+          <a:effectRef idx="0">
+            <a:schemeClr val="accent1"/>
+          </a:effectRef>
+          <a:fontRef idx="minor">
+            <a:schemeClr val="lt1"/>
+          </a:fontRef>
+        </p:style>
+        <p:txBody>
+          <a:bodyPr rtlCol="0" anchor="ctr"/>
+          <a:lstStyle/>
+          <a:p>
+            <a:pPr algn="ctr"/>
+            <a:r>
+              <a:rPr lang="ko-KR" altLang="en-US" smtClean="0"/>
+              <a:t>설정</a:t>
+            </a:r>
+            <a:endParaRPr lang="en-US" altLang="ko-KR" dirty="0" smtClean="0"/>
+          </a:p>
+        </p:txBody>
+      </p:sp>
     </p:spTree>
     <p:extLst>
       <p:ext uri="{BB962C8B-B14F-4D97-AF65-F5344CB8AC3E}">
-        <p14:creationId xmlns:p14="http://schemas.microsoft.com/office/powerpoint/2010/main" val="32488044"/>
+        <p14:creationId xmlns:p14="http://schemas.microsoft.com/office/powerpoint/2010/main" val="126477149"/>
       </p:ext>
     </p:extLst>
   </p:cSld>
